--- a/product_document/imgs/图例.pptx
+++ b/product_document/imgs/图例.pptx
@@ -18,6 +18,7 @@
     <p:sldId id="267" r:id="rId12"/>
     <p:sldId id="266" r:id="rId13"/>
     <p:sldId id="268" r:id="rId14"/>
+    <p:sldId id="269" r:id="rId15"/>
   </p:sldIdLst>
   <p:sldSz cx="6858000" cy="9906000" type="A4"/>
   <p:notesSz cx="6858000" cy="9144000"/>
@@ -255,7 +256,7 @@
           <a:p>
             <a:fld id="{29F8E05B-68B1-4543-B747-8A7C459D783B}" type="datetimeFigureOut">
               <a:rPr lang="zh-CN" altLang="en-US" smtClean="0"/>
-              <a:t>2023/4/26</a:t>
+              <a:t>2023/6/14</a:t>
             </a:fld>
             <a:endParaRPr lang="zh-CN" altLang="en-US"/>
           </a:p>
@@ -425,7 +426,7 @@
           <a:p>
             <a:fld id="{29F8E05B-68B1-4543-B747-8A7C459D783B}" type="datetimeFigureOut">
               <a:rPr lang="zh-CN" altLang="en-US" smtClean="0"/>
-              <a:t>2023/4/26</a:t>
+              <a:t>2023/6/14</a:t>
             </a:fld>
             <a:endParaRPr lang="zh-CN" altLang="en-US"/>
           </a:p>
@@ -605,7 +606,7 @@
           <a:p>
             <a:fld id="{29F8E05B-68B1-4543-B747-8A7C459D783B}" type="datetimeFigureOut">
               <a:rPr lang="zh-CN" altLang="en-US" smtClean="0"/>
-              <a:t>2023/4/26</a:t>
+              <a:t>2023/6/14</a:t>
             </a:fld>
             <a:endParaRPr lang="zh-CN" altLang="en-US"/>
           </a:p>
@@ -775,7 +776,7 @@
           <a:p>
             <a:fld id="{29F8E05B-68B1-4543-B747-8A7C459D783B}" type="datetimeFigureOut">
               <a:rPr lang="zh-CN" altLang="en-US" smtClean="0"/>
-              <a:t>2023/4/26</a:t>
+              <a:t>2023/6/14</a:t>
             </a:fld>
             <a:endParaRPr lang="zh-CN" altLang="en-US"/>
           </a:p>
@@ -1019,7 +1020,7 @@
           <a:p>
             <a:fld id="{29F8E05B-68B1-4543-B747-8A7C459D783B}" type="datetimeFigureOut">
               <a:rPr lang="zh-CN" altLang="en-US" smtClean="0"/>
-              <a:t>2023/4/26</a:t>
+              <a:t>2023/6/14</a:t>
             </a:fld>
             <a:endParaRPr lang="zh-CN" altLang="en-US"/>
           </a:p>
@@ -1251,7 +1252,7 @@
           <a:p>
             <a:fld id="{29F8E05B-68B1-4543-B747-8A7C459D783B}" type="datetimeFigureOut">
               <a:rPr lang="zh-CN" altLang="en-US" smtClean="0"/>
-              <a:t>2023/4/26</a:t>
+              <a:t>2023/6/14</a:t>
             </a:fld>
             <a:endParaRPr lang="zh-CN" altLang="en-US"/>
           </a:p>
@@ -1618,7 +1619,7 @@
           <a:p>
             <a:fld id="{29F8E05B-68B1-4543-B747-8A7C459D783B}" type="datetimeFigureOut">
               <a:rPr lang="zh-CN" altLang="en-US" smtClean="0"/>
-              <a:t>2023/4/26</a:t>
+              <a:t>2023/6/14</a:t>
             </a:fld>
             <a:endParaRPr lang="zh-CN" altLang="en-US"/>
           </a:p>
@@ -1736,7 +1737,7 @@
           <a:p>
             <a:fld id="{29F8E05B-68B1-4543-B747-8A7C459D783B}" type="datetimeFigureOut">
               <a:rPr lang="zh-CN" altLang="en-US" smtClean="0"/>
-              <a:t>2023/4/26</a:t>
+              <a:t>2023/6/14</a:t>
             </a:fld>
             <a:endParaRPr lang="zh-CN" altLang="en-US"/>
           </a:p>
@@ -1831,7 +1832,7 @@
           <a:p>
             <a:fld id="{29F8E05B-68B1-4543-B747-8A7C459D783B}" type="datetimeFigureOut">
               <a:rPr lang="zh-CN" altLang="en-US" smtClean="0"/>
-              <a:t>2023/4/26</a:t>
+              <a:t>2023/6/14</a:t>
             </a:fld>
             <a:endParaRPr lang="zh-CN" altLang="en-US"/>
           </a:p>
@@ -2108,7 +2109,7 @@
           <a:p>
             <a:fld id="{29F8E05B-68B1-4543-B747-8A7C459D783B}" type="datetimeFigureOut">
               <a:rPr lang="zh-CN" altLang="en-US" smtClean="0"/>
-              <a:t>2023/4/26</a:t>
+              <a:t>2023/6/14</a:t>
             </a:fld>
             <a:endParaRPr lang="zh-CN" altLang="en-US"/>
           </a:p>
@@ -2365,7 +2366,7 @@
           <a:p>
             <a:fld id="{29F8E05B-68B1-4543-B747-8A7C459D783B}" type="datetimeFigureOut">
               <a:rPr lang="zh-CN" altLang="en-US" smtClean="0"/>
-              <a:t>2023/4/26</a:t>
+              <a:t>2023/6/14</a:t>
             </a:fld>
             <a:endParaRPr lang="zh-CN" altLang="en-US"/>
           </a:p>
@@ -2578,7 +2579,7 @@
           <a:p>
             <a:fld id="{29F8E05B-68B1-4543-B747-8A7C459D783B}" type="datetimeFigureOut">
               <a:rPr lang="zh-CN" altLang="en-US" smtClean="0"/>
-              <a:t>2023/4/26</a:t>
+              <a:t>2023/6/14</a:t>
             </a:fld>
             <a:endParaRPr lang="zh-CN" altLang="en-US"/>
           </a:p>
@@ -7726,1573 +7727,1511 @@
           </p:txBody>
         </p:sp>
       </p:grpSp>
-      <p:pic>
-        <p:nvPicPr>
-          <p:cNvPr id="29" name="图形 28" descr="计算机 纯色填充">
+      <p:grpSp>
+        <p:nvGrpSpPr>
+          <p:cNvPr id="46" name="组合 45">
             <a:extLst>
               <a:ext uri="{FF2B5EF4-FFF2-40B4-BE49-F238E27FC236}">
-                <a16:creationId xmlns:a16="http://schemas.microsoft.com/office/drawing/2014/main" id="{B1F6F270-818A-A1B9-4325-54002B40570E}"/>
+                <a16:creationId xmlns:a16="http://schemas.microsoft.com/office/drawing/2014/main" id="{A0F064C6-FDC5-2EE2-7EFB-FC297AAD9B16}"/>
               </a:ext>
             </a:extLst>
           </p:cNvPr>
-          <p:cNvPicPr>
-            <a:picLocks noChangeAspect="1"/>
-          </p:cNvPicPr>
+          <p:cNvGrpSpPr/>
           <p:nvPr/>
-        </p:nvPicPr>
-        <p:blipFill>
-          <a:blip r:embed="rId2">
-            <a:extLst>
-              <a:ext uri="{28A0092B-C50C-407E-A947-70E740481C1C}">
-                <a14:useLocalDpi xmlns:a14="http://schemas.microsoft.com/office/drawing/2010/main" val="0"/>
-              </a:ext>
-              <a:ext uri="{96DAC541-7B7A-43D3-8B79-37D633B846F1}">
-                <asvg:svgBlip xmlns:asvg="http://schemas.microsoft.com/office/drawing/2016/SVG/main" r:embed="rId3"/>
-              </a:ext>
-            </a:extLst>
-          </a:blip>
-          <a:stretch>
-            <a:fillRect/>
-          </a:stretch>
-        </p:blipFill>
-        <p:spPr>
-          <a:xfrm>
-            <a:off x="392508" y="8567928"/>
-            <a:ext cx="875680" cy="914400"/>
-          </a:xfrm>
-          <a:prstGeom prst="rect">
-            <a:avLst/>
-          </a:prstGeom>
-        </p:spPr>
-      </p:pic>
-      <p:pic>
-        <p:nvPicPr>
-          <p:cNvPr id="31" name="图形 30" descr="计算机 轮廓">
-            <a:extLst>
-              <a:ext uri="{FF2B5EF4-FFF2-40B4-BE49-F238E27FC236}">
-                <a16:creationId xmlns:a16="http://schemas.microsoft.com/office/drawing/2014/main" id="{E5AF710F-7335-5665-0AB1-233E441E0172}"/>
-              </a:ext>
-            </a:extLst>
-          </p:cNvPr>
-          <p:cNvPicPr>
-            <a:picLocks noChangeAspect="1"/>
-          </p:cNvPicPr>
-          <p:nvPr/>
-        </p:nvPicPr>
-        <p:blipFill>
-          <a:blip r:embed="rId4">
-            <a:extLst>
-              <a:ext uri="{28A0092B-C50C-407E-A947-70E740481C1C}">
-                <a14:useLocalDpi xmlns:a14="http://schemas.microsoft.com/office/drawing/2010/main" val="0"/>
-              </a:ext>
-              <a:ext uri="{96DAC541-7B7A-43D3-8B79-37D633B846F1}">
-                <asvg:svgBlip xmlns:asvg="http://schemas.microsoft.com/office/drawing/2016/SVG/main" r:embed="rId5"/>
-              </a:ext>
-            </a:extLst>
-          </a:blip>
-          <a:stretch>
-            <a:fillRect/>
-          </a:stretch>
-        </p:blipFill>
-        <p:spPr>
-          <a:xfrm>
-            <a:off x="1671886" y="8541429"/>
-            <a:ext cx="914400" cy="914400"/>
-          </a:xfrm>
-          <a:prstGeom prst="rect">
-            <a:avLst/>
-          </a:prstGeom>
-        </p:spPr>
-      </p:pic>
-      <p:pic>
-        <p:nvPicPr>
-          <p:cNvPr id="33" name="图形 32" descr="便携式计算机 纯色填充">
-            <a:extLst>
-              <a:ext uri="{FF2B5EF4-FFF2-40B4-BE49-F238E27FC236}">
-                <a16:creationId xmlns:a16="http://schemas.microsoft.com/office/drawing/2014/main" id="{A84019EB-BA5B-CE3D-02FB-0341ADE29BCD}"/>
-              </a:ext>
-            </a:extLst>
-          </p:cNvPr>
-          <p:cNvPicPr>
-            <a:picLocks noChangeAspect="1"/>
-          </p:cNvPicPr>
-          <p:nvPr/>
-        </p:nvPicPr>
-        <p:blipFill>
-          <a:blip r:embed="rId6">
-            <a:extLst>
-              <a:ext uri="{28A0092B-C50C-407E-A947-70E740481C1C}">
-                <a14:useLocalDpi xmlns:a14="http://schemas.microsoft.com/office/drawing/2010/main" val="0"/>
-              </a:ext>
-              <a:ext uri="{96DAC541-7B7A-43D3-8B79-37D633B846F1}">
-                <asvg:svgBlip xmlns:asvg="http://schemas.microsoft.com/office/drawing/2016/SVG/main" r:embed="rId7"/>
-              </a:ext>
-            </a:extLst>
-          </a:blip>
-          <a:stretch>
-            <a:fillRect/>
-          </a:stretch>
-        </p:blipFill>
-        <p:spPr>
-          <a:xfrm>
-            <a:off x="4665232" y="8189629"/>
-            <a:ext cx="914400" cy="914400"/>
-          </a:xfrm>
-          <a:prstGeom prst="rect">
-            <a:avLst/>
-          </a:prstGeom>
-        </p:spPr>
-      </p:pic>
-      <p:pic>
-        <p:nvPicPr>
-          <p:cNvPr id="35" name="图形 34" descr="服务器 轮廓">
-            <a:extLst>
-              <a:ext uri="{FF2B5EF4-FFF2-40B4-BE49-F238E27FC236}">
-                <a16:creationId xmlns:a16="http://schemas.microsoft.com/office/drawing/2014/main" id="{0F117E07-9F32-6BAF-C2D3-0E7835AEB56E}"/>
-              </a:ext>
-            </a:extLst>
-          </p:cNvPr>
-          <p:cNvPicPr>
-            <a:picLocks noChangeAspect="1"/>
-          </p:cNvPicPr>
-          <p:nvPr/>
-        </p:nvPicPr>
-        <p:blipFill>
-          <a:blip r:embed="rId8">
-            <a:extLst>
-              <a:ext uri="{28A0092B-C50C-407E-A947-70E740481C1C}">
-                <a14:useLocalDpi xmlns:a14="http://schemas.microsoft.com/office/drawing/2010/main" val="0"/>
-              </a:ext>
-              <a:ext uri="{96DAC541-7B7A-43D3-8B79-37D633B846F1}">
-                <asvg:svgBlip xmlns:asvg="http://schemas.microsoft.com/office/drawing/2016/SVG/main" r:embed="rId9"/>
-              </a:ext>
-            </a:extLst>
-          </a:blip>
-          <a:stretch>
-            <a:fillRect/>
-          </a:stretch>
-        </p:blipFill>
-        <p:spPr>
-          <a:xfrm>
-            <a:off x="1665604" y="6602840"/>
-            <a:ext cx="914400" cy="914400"/>
-          </a:xfrm>
-          <a:prstGeom prst="rect">
-            <a:avLst/>
-          </a:prstGeom>
-        </p:spPr>
-      </p:pic>
-      <p:pic>
-        <p:nvPicPr>
-          <p:cNvPr id="37" name="图形 36" descr="服务器 纯色填充">
-            <a:extLst>
-              <a:ext uri="{FF2B5EF4-FFF2-40B4-BE49-F238E27FC236}">
-                <a16:creationId xmlns:a16="http://schemas.microsoft.com/office/drawing/2014/main" id="{9BF68A67-28FB-3769-4DD6-3C4D30C39919}"/>
-              </a:ext>
-            </a:extLst>
-          </p:cNvPr>
-          <p:cNvPicPr>
-            <a:picLocks noChangeAspect="1"/>
-          </p:cNvPicPr>
-          <p:nvPr/>
-        </p:nvPicPr>
-        <p:blipFill>
-          <a:blip r:embed="rId10">
-            <a:extLst>
-              <a:ext uri="{28A0092B-C50C-407E-A947-70E740481C1C}">
-                <a14:useLocalDpi xmlns:a14="http://schemas.microsoft.com/office/drawing/2010/main" val="0"/>
-              </a:ext>
-              <a:ext uri="{96DAC541-7B7A-43D3-8B79-37D633B846F1}">
-                <asvg:svgBlip xmlns:asvg="http://schemas.microsoft.com/office/drawing/2016/SVG/main" r:embed="rId11"/>
-              </a:ext>
-            </a:extLst>
-          </a:blip>
-          <a:stretch>
-            <a:fillRect/>
-          </a:stretch>
-        </p:blipFill>
-        <p:spPr>
-          <a:xfrm>
-            <a:off x="1282707" y="5213324"/>
-            <a:ext cx="914400" cy="914400"/>
-          </a:xfrm>
-          <a:prstGeom prst="rect">
-            <a:avLst/>
-          </a:prstGeom>
-        </p:spPr>
-      </p:pic>
-      <p:pic>
-        <p:nvPicPr>
-          <p:cNvPr id="39" name="图形 38" descr="数据库 纯色填充">
-            <a:extLst>
-              <a:ext uri="{FF2B5EF4-FFF2-40B4-BE49-F238E27FC236}">
-                <a16:creationId xmlns:a16="http://schemas.microsoft.com/office/drawing/2014/main" id="{55CB1C0A-6CAC-2C54-7104-2F38DEF36F59}"/>
-              </a:ext>
-            </a:extLst>
-          </p:cNvPr>
-          <p:cNvPicPr>
-            <a:picLocks noChangeAspect="1"/>
-          </p:cNvPicPr>
-          <p:nvPr/>
-        </p:nvPicPr>
-        <p:blipFill>
-          <a:blip r:embed="rId12">
-            <a:extLst>
-              <a:ext uri="{28A0092B-C50C-407E-A947-70E740481C1C}">
-                <a14:useLocalDpi xmlns:a14="http://schemas.microsoft.com/office/drawing/2010/main" val="0"/>
-              </a:ext>
-              <a:ext uri="{96DAC541-7B7A-43D3-8B79-37D633B846F1}">
-                <asvg:svgBlip xmlns:asvg="http://schemas.microsoft.com/office/drawing/2016/SVG/main" r:embed="rId13"/>
-              </a:ext>
-            </a:extLst>
-          </a:blip>
-          <a:stretch>
-            <a:fillRect/>
-          </a:stretch>
-        </p:blipFill>
-        <p:spPr>
-          <a:xfrm>
-            <a:off x="891801" y="4500274"/>
-            <a:ext cx="430952" cy="430952"/>
-          </a:xfrm>
-          <a:prstGeom prst="rect">
-            <a:avLst/>
-          </a:prstGeom>
-        </p:spPr>
-      </p:pic>
-      <p:pic>
-        <p:nvPicPr>
-          <p:cNvPr id="41" name="图形 40" descr="数据库 轮廓">
-            <a:extLst>
-              <a:ext uri="{FF2B5EF4-FFF2-40B4-BE49-F238E27FC236}">
-                <a16:creationId xmlns:a16="http://schemas.microsoft.com/office/drawing/2014/main" id="{8EA26638-8A98-EE66-AEDA-49F03AB6774F}"/>
-              </a:ext>
-            </a:extLst>
-          </p:cNvPr>
-          <p:cNvPicPr>
-            <a:picLocks noChangeAspect="1"/>
-          </p:cNvPicPr>
-          <p:nvPr/>
-        </p:nvPicPr>
-        <p:blipFill>
-          <a:blip r:embed="rId14">
-            <a:extLst>
-              <a:ext uri="{28A0092B-C50C-407E-A947-70E740481C1C}">
-                <a14:useLocalDpi xmlns:a14="http://schemas.microsoft.com/office/drawing/2010/main" val="0"/>
-              </a:ext>
-              <a:ext uri="{96DAC541-7B7A-43D3-8B79-37D633B846F1}">
-                <asvg:svgBlip xmlns:asvg="http://schemas.microsoft.com/office/drawing/2016/SVG/main" r:embed="rId15"/>
-              </a:ext>
-            </a:extLst>
-          </a:blip>
-          <a:stretch>
-            <a:fillRect/>
-          </a:stretch>
-        </p:blipFill>
-        <p:spPr>
-          <a:xfrm>
-            <a:off x="2821476" y="6701129"/>
-            <a:ext cx="430953" cy="430953"/>
-          </a:xfrm>
-          <a:prstGeom prst="rect">
-            <a:avLst/>
-          </a:prstGeom>
-        </p:spPr>
-      </p:pic>
-      <p:pic>
-        <p:nvPicPr>
-          <p:cNvPr id="2" name="图形 1" descr="服务器 纯色填充">
-            <a:extLst>
-              <a:ext uri="{FF2B5EF4-FFF2-40B4-BE49-F238E27FC236}">
-                <a16:creationId xmlns:a16="http://schemas.microsoft.com/office/drawing/2014/main" id="{86A71DB6-29CD-C1C9-02C7-673D4828855B}"/>
-              </a:ext>
-            </a:extLst>
-          </p:cNvPr>
-          <p:cNvPicPr>
-            <a:picLocks noChangeAspect="1"/>
-          </p:cNvPicPr>
-          <p:nvPr/>
-        </p:nvPicPr>
-        <p:blipFill>
-          <a:blip r:embed="rId10">
-            <a:extLst>
-              <a:ext uri="{28A0092B-C50C-407E-A947-70E740481C1C}">
-                <a14:useLocalDpi xmlns:a14="http://schemas.microsoft.com/office/drawing/2010/main" val="0"/>
-              </a:ext>
-              <a:ext uri="{96DAC541-7B7A-43D3-8B79-37D633B846F1}">
-                <asvg:svgBlip xmlns:asvg="http://schemas.microsoft.com/office/drawing/2016/SVG/main" r:embed="rId11"/>
-              </a:ext>
-            </a:extLst>
-          </a:blip>
-          <a:stretch>
-            <a:fillRect/>
-          </a:stretch>
-        </p:blipFill>
-        <p:spPr>
-          <a:xfrm>
-            <a:off x="3666243" y="5216802"/>
-            <a:ext cx="914400" cy="914400"/>
-          </a:xfrm>
-          <a:prstGeom prst="rect">
-            <a:avLst/>
-          </a:prstGeom>
-        </p:spPr>
-      </p:pic>
-      <p:sp>
-        <p:nvSpPr>
-          <p:cNvPr id="30" name="文本框 29">
-            <a:extLst>
-              <a:ext uri="{FF2B5EF4-FFF2-40B4-BE49-F238E27FC236}">
-                <a16:creationId xmlns:a16="http://schemas.microsoft.com/office/drawing/2014/main" id="{87300503-242E-D048-DCA9-CBAAF38419BC}"/>
-              </a:ext>
-            </a:extLst>
-          </p:cNvPr>
-          <p:cNvSpPr txBox="1"/>
-          <p:nvPr/>
-        </p:nvSpPr>
-        <p:spPr>
-          <a:xfrm>
-            <a:off x="1341095" y="4970166"/>
-            <a:ext cx="914400" cy="253916"/>
-          </a:xfrm>
-          <a:prstGeom prst="rect">
-            <a:avLst/>
-          </a:prstGeom>
-          <a:noFill/>
-        </p:spPr>
-        <p:txBody>
-          <a:bodyPr wrap="square" rtlCol="0">
-            <a:spAutoFit/>
-          </a:bodyPr>
-          <a:lstStyle/>
-          <a:p>
-            <a:r>
-              <a:rPr lang="en-US" altLang="zh-CN" sz="1050" dirty="0"/>
-              <a:t>NAS Server </a:t>
-            </a:r>
-            <a:endParaRPr lang="zh-CN" altLang="en-US" sz="1050" dirty="0"/>
-          </a:p>
-        </p:txBody>
-      </p:sp>
-      <p:sp>
-        <p:nvSpPr>
-          <p:cNvPr id="32" name="文本框 31">
-            <a:extLst>
-              <a:ext uri="{FF2B5EF4-FFF2-40B4-BE49-F238E27FC236}">
-                <a16:creationId xmlns:a16="http://schemas.microsoft.com/office/drawing/2014/main" id="{EC0C9762-A08F-479C-4782-372A01C7D7C2}"/>
-              </a:ext>
-            </a:extLst>
-          </p:cNvPr>
-          <p:cNvSpPr txBox="1"/>
-          <p:nvPr/>
-        </p:nvSpPr>
-        <p:spPr>
-          <a:xfrm>
-            <a:off x="764358" y="4079552"/>
-            <a:ext cx="998965" cy="415498"/>
-          </a:xfrm>
-          <a:prstGeom prst="rect">
-            <a:avLst/>
-          </a:prstGeom>
-          <a:noFill/>
-        </p:spPr>
-        <p:txBody>
-          <a:bodyPr wrap="square" rtlCol="0">
-            <a:spAutoFit/>
-          </a:bodyPr>
-          <a:lstStyle/>
-          <a:p>
-            <a:r>
-              <a:rPr lang="en-US" altLang="zh-CN" sz="1050" dirty="0"/>
-              <a:t>Robust Database</a:t>
-            </a:r>
-            <a:endParaRPr lang="zh-CN" altLang="en-US" sz="1050" dirty="0"/>
-          </a:p>
-        </p:txBody>
-      </p:sp>
-      <p:pic>
-        <p:nvPicPr>
-          <p:cNvPr id="34" name="图形 33" descr="数据库 纯色填充">
-            <a:extLst>
-              <a:ext uri="{FF2B5EF4-FFF2-40B4-BE49-F238E27FC236}">
-                <a16:creationId xmlns:a16="http://schemas.microsoft.com/office/drawing/2014/main" id="{FB55A74D-6170-615A-0C47-38975AFB6E3B}"/>
-              </a:ext>
-            </a:extLst>
-          </p:cNvPr>
-          <p:cNvPicPr>
-            <a:picLocks noChangeAspect="1"/>
-          </p:cNvPicPr>
-          <p:nvPr/>
-        </p:nvPicPr>
-        <p:blipFill>
-          <a:blip r:embed="rId12">
-            <a:extLst>
-              <a:ext uri="{28A0092B-C50C-407E-A947-70E740481C1C}">
-                <a14:useLocalDpi xmlns:a14="http://schemas.microsoft.com/office/drawing/2010/main" val="0"/>
-              </a:ext>
-              <a:ext uri="{96DAC541-7B7A-43D3-8B79-37D633B846F1}">
-                <asvg:svgBlip xmlns:asvg="http://schemas.microsoft.com/office/drawing/2016/SVG/main" r:embed="rId13"/>
-              </a:ext>
-            </a:extLst>
-          </a:blip>
-          <a:stretch>
-            <a:fillRect/>
-          </a:stretch>
-        </p:blipFill>
-        <p:spPr>
-          <a:xfrm>
-            <a:off x="3911727" y="4473722"/>
-            <a:ext cx="430952" cy="430952"/>
-          </a:xfrm>
-          <a:prstGeom prst="rect">
-            <a:avLst/>
-          </a:prstGeom>
-        </p:spPr>
-      </p:pic>
-      <p:pic>
-        <p:nvPicPr>
-          <p:cNvPr id="36" name="图形 35" descr="数据库 轮廓">
-            <a:extLst>
-              <a:ext uri="{FF2B5EF4-FFF2-40B4-BE49-F238E27FC236}">
-                <a16:creationId xmlns:a16="http://schemas.microsoft.com/office/drawing/2014/main" id="{682E371D-1F78-97D6-5486-5631898CE3C7}"/>
-              </a:ext>
-            </a:extLst>
-          </p:cNvPr>
-          <p:cNvPicPr>
-            <a:picLocks noChangeAspect="1"/>
-          </p:cNvPicPr>
-          <p:nvPr/>
-        </p:nvPicPr>
-        <p:blipFill>
-          <a:blip r:embed="rId14">
-            <a:extLst>
-              <a:ext uri="{28A0092B-C50C-407E-A947-70E740481C1C}">
-                <a14:useLocalDpi xmlns:a14="http://schemas.microsoft.com/office/drawing/2010/main" val="0"/>
-              </a:ext>
-              <a:ext uri="{96DAC541-7B7A-43D3-8B79-37D633B846F1}">
-                <asvg:svgBlip xmlns:asvg="http://schemas.microsoft.com/office/drawing/2016/SVG/main" r:embed="rId15"/>
-              </a:ext>
-            </a:extLst>
-          </a:blip>
-          <a:stretch>
-            <a:fillRect/>
-          </a:stretch>
-        </p:blipFill>
-        <p:spPr>
-          <a:xfrm>
-            <a:off x="4879327" y="4473721"/>
-            <a:ext cx="430953" cy="430953"/>
-          </a:xfrm>
-          <a:prstGeom prst="rect">
-            <a:avLst/>
-          </a:prstGeom>
-        </p:spPr>
-      </p:pic>
-      <p:cxnSp>
-        <p:nvCxnSpPr>
-          <p:cNvPr id="38" name="连接符: 肘形 37">
-            <a:extLst>
-              <a:ext uri="{FF2B5EF4-FFF2-40B4-BE49-F238E27FC236}">
-                <a16:creationId xmlns:a16="http://schemas.microsoft.com/office/drawing/2014/main" id="{CDC75E7F-656F-583E-375B-3401C99BB702}"/>
-              </a:ext>
-            </a:extLst>
-          </p:cNvPr>
-          <p:cNvCxnSpPr>
-            <a:cxnSpLocks/>
-            <a:stCxn id="37" idx="1"/>
-            <a:endCxn id="39" idx="2"/>
-          </p:cNvCxnSpPr>
-          <p:nvPr/>
-        </p:nvCxnSpPr>
-        <p:spPr>
-          <a:xfrm rot="10800000">
-            <a:off x="1107277" y="4931226"/>
-            <a:ext cx="175430" cy="739298"/>
-          </a:xfrm>
-          <a:prstGeom prst="bentConnector2">
-            <a:avLst/>
-          </a:prstGeom>
-          <a:ln>
-            <a:solidFill>
-              <a:schemeClr val="tx1"/>
-            </a:solidFill>
-            <a:tailEnd type="triangle"/>
-          </a:ln>
-        </p:spPr>
-        <p:style>
-          <a:lnRef idx="1">
-            <a:schemeClr val="accent1"/>
-          </a:lnRef>
-          <a:fillRef idx="0">
-            <a:schemeClr val="accent1"/>
-          </a:fillRef>
-          <a:effectRef idx="0">
-            <a:schemeClr val="accent1"/>
-          </a:effectRef>
-          <a:fontRef idx="minor">
-            <a:schemeClr val="tx1"/>
-          </a:fontRef>
-        </p:style>
-      </p:cxnSp>
-      <p:sp>
-        <p:nvSpPr>
-          <p:cNvPr id="43" name="文本框 42">
-            <a:extLst>
-              <a:ext uri="{FF2B5EF4-FFF2-40B4-BE49-F238E27FC236}">
-                <a16:creationId xmlns:a16="http://schemas.microsoft.com/office/drawing/2014/main" id="{A6901374-C16A-D139-65C0-1829D6553035}"/>
-              </a:ext>
-            </a:extLst>
-          </p:cNvPr>
-          <p:cNvSpPr txBox="1"/>
-          <p:nvPr/>
-        </p:nvSpPr>
-        <p:spPr>
-          <a:xfrm>
-            <a:off x="3797154" y="4058223"/>
-            <a:ext cx="998965" cy="415498"/>
-          </a:xfrm>
-          <a:prstGeom prst="rect">
-            <a:avLst/>
-          </a:prstGeom>
-          <a:noFill/>
-        </p:spPr>
-        <p:txBody>
-          <a:bodyPr wrap="square" rtlCol="0">
-            <a:spAutoFit/>
-          </a:bodyPr>
-          <a:lstStyle/>
-          <a:p>
-            <a:r>
-              <a:rPr lang="en-US" altLang="zh-CN" sz="1050" dirty="0"/>
-              <a:t>Robust Database</a:t>
-            </a:r>
-            <a:endParaRPr lang="zh-CN" altLang="en-US" sz="1050" dirty="0"/>
-          </a:p>
-        </p:txBody>
-      </p:sp>
-      <p:sp>
-        <p:nvSpPr>
-          <p:cNvPr id="44" name="文本框 43">
-            <a:extLst>
-              <a:ext uri="{FF2B5EF4-FFF2-40B4-BE49-F238E27FC236}">
-                <a16:creationId xmlns:a16="http://schemas.microsoft.com/office/drawing/2014/main" id="{120D5A27-BE05-D370-AA47-4DC5906F0E6E}"/>
-              </a:ext>
-            </a:extLst>
-          </p:cNvPr>
-          <p:cNvSpPr txBox="1"/>
-          <p:nvPr/>
-        </p:nvSpPr>
-        <p:spPr>
-          <a:xfrm>
-            <a:off x="4810798" y="4058223"/>
-            <a:ext cx="998965" cy="415498"/>
-          </a:xfrm>
-          <a:prstGeom prst="rect">
-            <a:avLst/>
-          </a:prstGeom>
-          <a:noFill/>
-        </p:spPr>
-        <p:txBody>
-          <a:bodyPr wrap="square" rtlCol="0">
-            <a:spAutoFit/>
-          </a:bodyPr>
-          <a:lstStyle/>
-          <a:p>
-            <a:r>
-              <a:rPr lang="en-US" altLang="zh-CN" sz="1050" dirty="0"/>
-              <a:t>Efficient Database</a:t>
-            </a:r>
-            <a:endParaRPr lang="zh-CN" altLang="en-US" sz="1050" dirty="0"/>
-          </a:p>
-        </p:txBody>
-      </p:sp>
-      <p:cxnSp>
-        <p:nvCxnSpPr>
-          <p:cNvPr id="45" name="连接符: 肘形 44">
-            <a:extLst>
-              <a:ext uri="{FF2B5EF4-FFF2-40B4-BE49-F238E27FC236}">
-                <a16:creationId xmlns:a16="http://schemas.microsoft.com/office/drawing/2014/main" id="{0F77B7B4-96DB-41D2-B2EF-AF6E23F2AD64}"/>
-              </a:ext>
-            </a:extLst>
-          </p:cNvPr>
-          <p:cNvCxnSpPr>
-            <a:cxnSpLocks/>
-            <a:stCxn id="2" idx="3"/>
-            <a:endCxn id="36" idx="2"/>
-          </p:cNvCxnSpPr>
-          <p:nvPr/>
-        </p:nvCxnSpPr>
-        <p:spPr>
-          <a:xfrm flipV="1">
-            <a:off x="4580643" y="4904674"/>
-            <a:ext cx="514161" cy="769328"/>
-          </a:xfrm>
-          <a:prstGeom prst="bentConnector2">
-            <a:avLst/>
-          </a:prstGeom>
-          <a:ln>
-            <a:solidFill>
-              <a:schemeClr val="tx1"/>
-            </a:solidFill>
-            <a:tailEnd type="triangle"/>
-          </a:ln>
-        </p:spPr>
-        <p:style>
-          <a:lnRef idx="1">
-            <a:schemeClr val="accent1"/>
-          </a:lnRef>
-          <a:fillRef idx="0">
-            <a:schemeClr val="accent1"/>
-          </a:fillRef>
-          <a:effectRef idx="0">
-            <a:schemeClr val="accent1"/>
-          </a:effectRef>
-          <a:fontRef idx="minor">
-            <a:schemeClr val="tx1"/>
-          </a:fontRef>
-        </p:style>
-      </p:cxnSp>
-      <p:cxnSp>
-        <p:nvCxnSpPr>
-          <p:cNvPr id="51" name="连接符: 肘形 50">
-            <a:extLst>
-              <a:ext uri="{FF2B5EF4-FFF2-40B4-BE49-F238E27FC236}">
-                <a16:creationId xmlns:a16="http://schemas.microsoft.com/office/drawing/2014/main" id="{E1B513FB-606F-4A94-9FE2-8BA2C36F4F4D}"/>
-              </a:ext>
-            </a:extLst>
-          </p:cNvPr>
-          <p:cNvCxnSpPr>
-            <a:cxnSpLocks/>
-            <a:stCxn id="36" idx="1"/>
-            <a:endCxn id="34" idx="3"/>
-          </p:cNvCxnSpPr>
-          <p:nvPr/>
-        </p:nvCxnSpPr>
-        <p:spPr>
-          <a:xfrm rot="10800000">
-            <a:off x="4342679" y="4689198"/>
-            <a:ext cx="536648" cy="12700"/>
-          </a:xfrm>
-          <a:prstGeom prst="bentConnector3">
-            <a:avLst>
-              <a:gd name="adj1" fmla="val 50000"/>
-            </a:avLst>
-          </a:prstGeom>
-          <a:ln>
-            <a:solidFill>
-              <a:schemeClr val="tx1"/>
-            </a:solidFill>
-            <a:tailEnd type="triangle"/>
-          </a:ln>
-        </p:spPr>
-        <p:style>
-          <a:lnRef idx="1">
-            <a:schemeClr val="accent1"/>
-          </a:lnRef>
-          <a:fillRef idx="0">
-            <a:schemeClr val="accent1"/>
-          </a:fillRef>
-          <a:effectRef idx="0">
-            <a:schemeClr val="accent1"/>
-          </a:effectRef>
-          <a:fontRef idx="minor">
-            <a:schemeClr val="tx1"/>
-          </a:fontRef>
-        </p:style>
-      </p:cxnSp>
-      <p:cxnSp>
-        <p:nvCxnSpPr>
-          <p:cNvPr id="54" name="连接符: 肘形 53">
-            <a:extLst>
-              <a:ext uri="{FF2B5EF4-FFF2-40B4-BE49-F238E27FC236}">
-                <a16:creationId xmlns:a16="http://schemas.microsoft.com/office/drawing/2014/main" id="{B951C9AA-E118-7E66-557D-70015707867E}"/>
-              </a:ext>
-            </a:extLst>
-          </p:cNvPr>
-          <p:cNvCxnSpPr>
-            <a:cxnSpLocks/>
-            <a:stCxn id="35" idx="3"/>
-            <a:endCxn id="41" idx="1"/>
-          </p:cNvCxnSpPr>
-          <p:nvPr/>
-        </p:nvCxnSpPr>
-        <p:spPr>
-          <a:xfrm flipV="1">
-            <a:off x="2580004" y="6916606"/>
-            <a:ext cx="241472" cy="143434"/>
-          </a:xfrm>
-          <a:prstGeom prst="bentConnector3">
-            <a:avLst>
-              <a:gd name="adj1" fmla="val 50000"/>
-            </a:avLst>
-          </a:prstGeom>
-          <a:ln>
-            <a:solidFill>
-              <a:schemeClr val="tx1"/>
-            </a:solidFill>
-            <a:tailEnd type="triangle"/>
-          </a:ln>
-        </p:spPr>
-        <p:style>
-          <a:lnRef idx="1">
-            <a:schemeClr val="accent1"/>
-          </a:lnRef>
-          <a:fillRef idx="0">
-            <a:schemeClr val="accent1"/>
-          </a:fillRef>
-          <a:effectRef idx="0">
-            <a:schemeClr val="accent1"/>
-          </a:effectRef>
-          <a:fontRef idx="minor">
-            <a:schemeClr val="tx1"/>
-          </a:fontRef>
-        </p:style>
-      </p:cxnSp>
-      <p:sp>
-        <p:nvSpPr>
-          <p:cNvPr id="55" name="文本框 54">
-            <a:extLst>
-              <a:ext uri="{FF2B5EF4-FFF2-40B4-BE49-F238E27FC236}">
-                <a16:creationId xmlns:a16="http://schemas.microsoft.com/office/drawing/2014/main" id="{5B418552-B1C1-79A6-7928-4B4D2AAD46A6}"/>
-              </a:ext>
-            </a:extLst>
-          </p:cNvPr>
-          <p:cNvSpPr txBox="1"/>
-          <p:nvPr/>
-        </p:nvSpPr>
-        <p:spPr>
-          <a:xfrm>
-            <a:off x="3144028" y="6716585"/>
-            <a:ext cx="998965" cy="415498"/>
-          </a:xfrm>
-          <a:prstGeom prst="rect">
-            <a:avLst/>
-          </a:prstGeom>
-          <a:noFill/>
-        </p:spPr>
-        <p:txBody>
-          <a:bodyPr wrap="square" rtlCol="0">
-            <a:spAutoFit/>
-          </a:bodyPr>
-          <a:lstStyle/>
-          <a:p>
-            <a:r>
-              <a:rPr lang="en-US" altLang="zh-CN" sz="1050" dirty="0"/>
-              <a:t>Efficient Database</a:t>
-            </a:r>
-            <a:endParaRPr lang="zh-CN" altLang="en-US" sz="1050" dirty="0"/>
-          </a:p>
-        </p:txBody>
-      </p:sp>
-      <p:cxnSp>
-        <p:nvCxnSpPr>
-          <p:cNvPr id="58" name="连接符: 肘形 57">
-            <a:extLst>
-              <a:ext uri="{FF2B5EF4-FFF2-40B4-BE49-F238E27FC236}">
-                <a16:creationId xmlns:a16="http://schemas.microsoft.com/office/drawing/2014/main" id="{6C7FB20E-97DB-DC48-3C0B-29347F5E8B66}"/>
-              </a:ext>
-            </a:extLst>
-          </p:cNvPr>
-          <p:cNvCxnSpPr>
-            <a:cxnSpLocks/>
-            <a:stCxn id="35" idx="0"/>
-          </p:cNvCxnSpPr>
-          <p:nvPr/>
-        </p:nvCxnSpPr>
-        <p:spPr>
-          <a:xfrm rot="16200000" flipV="1">
-            <a:off x="1722721" y="6202757"/>
-            <a:ext cx="524439" cy="275728"/>
-          </a:xfrm>
-          <a:prstGeom prst="bentConnector3">
-            <a:avLst>
-              <a:gd name="adj1" fmla="val 50000"/>
-            </a:avLst>
-          </a:prstGeom>
-          <a:ln>
-            <a:solidFill>
-              <a:schemeClr val="tx1"/>
-            </a:solidFill>
-            <a:tailEnd type="triangle"/>
-          </a:ln>
-        </p:spPr>
-        <p:style>
-          <a:lnRef idx="1">
-            <a:schemeClr val="accent1"/>
-          </a:lnRef>
-          <a:fillRef idx="0">
-            <a:schemeClr val="accent1"/>
-          </a:fillRef>
-          <a:effectRef idx="0">
-            <a:schemeClr val="accent1"/>
-          </a:effectRef>
-          <a:fontRef idx="minor">
-            <a:schemeClr val="tx1"/>
-          </a:fontRef>
-        </p:style>
-      </p:cxnSp>
-      <p:cxnSp>
-        <p:nvCxnSpPr>
-          <p:cNvPr id="61" name="连接符: 肘形 60">
-            <a:extLst>
-              <a:ext uri="{FF2B5EF4-FFF2-40B4-BE49-F238E27FC236}">
-                <a16:creationId xmlns:a16="http://schemas.microsoft.com/office/drawing/2014/main" id="{B21F9749-C79A-8323-CF16-97E527974385}"/>
-              </a:ext>
-            </a:extLst>
-          </p:cNvPr>
-          <p:cNvCxnSpPr>
-            <a:cxnSpLocks/>
-            <a:stCxn id="35" idx="0"/>
-            <a:endCxn id="2" idx="2"/>
-          </p:cNvCxnSpPr>
-          <p:nvPr/>
-        </p:nvCxnSpPr>
-        <p:spPr>
-          <a:xfrm rot="5400000" flipH="1" flipV="1">
-            <a:off x="2887304" y="5366702"/>
-            <a:ext cx="471638" cy="2000639"/>
-          </a:xfrm>
-          <a:prstGeom prst="bentConnector3">
-            <a:avLst>
-              <a:gd name="adj1" fmla="val 50000"/>
-            </a:avLst>
-          </a:prstGeom>
-          <a:ln>
-            <a:solidFill>
-              <a:schemeClr val="tx1"/>
-            </a:solidFill>
-            <a:tailEnd type="triangle"/>
-          </a:ln>
-        </p:spPr>
-        <p:style>
-          <a:lnRef idx="1">
-            <a:schemeClr val="accent1"/>
-          </a:lnRef>
-          <a:fillRef idx="0">
-            <a:schemeClr val="accent1"/>
-          </a:fillRef>
-          <a:effectRef idx="0">
-            <a:schemeClr val="accent1"/>
-          </a:effectRef>
-          <a:fontRef idx="minor">
-            <a:schemeClr val="tx1"/>
-          </a:fontRef>
-        </p:style>
-      </p:cxnSp>
-      <p:cxnSp>
-        <p:nvCxnSpPr>
-          <p:cNvPr id="64" name="连接符: 肘形 63">
-            <a:extLst>
-              <a:ext uri="{FF2B5EF4-FFF2-40B4-BE49-F238E27FC236}">
-                <a16:creationId xmlns:a16="http://schemas.microsoft.com/office/drawing/2014/main" id="{A74ADF05-902A-6C01-BD68-77C87F450F5E}"/>
-              </a:ext>
-            </a:extLst>
-          </p:cNvPr>
-          <p:cNvCxnSpPr>
-            <a:cxnSpLocks/>
-            <a:stCxn id="29" idx="0"/>
-            <a:endCxn id="35" idx="2"/>
-          </p:cNvCxnSpPr>
-          <p:nvPr/>
-        </p:nvCxnSpPr>
-        <p:spPr>
-          <a:xfrm rot="5400000" flipH="1" flipV="1">
-            <a:off x="951232" y="7396356"/>
-            <a:ext cx="1050688" cy="1292456"/>
-          </a:xfrm>
-          <a:prstGeom prst="bentConnector3">
-            <a:avLst>
-              <a:gd name="adj1" fmla="val 50000"/>
-            </a:avLst>
-          </a:prstGeom>
-          <a:ln>
-            <a:solidFill>
-              <a:schemeClr val="tx1"/>
-            </a:solidFill>
-            <a:tailEnd type="triangle"/>
-          </a:ln>
-        </p:spPr>
-        <p:style>
-          <a:lnRef idx="1">
-            <a:schemeClr val="accent1"/>
-          </a:lnRef>
-          <a:fillRef idx="0">
-            <a:schemeClr val="accent1"/>
-          </a:fillRef>
-          <a:effectRef idx="0">
-            <a:schemeClr val="accent1"/>
-          </a:effectRef>
-          <a:fontRef idx="minor">
-            <a:schemeClr val="tx1"/>
-          </a:fontRef>
-        </p:style>
-      </p:cxnSp>
-      <p:cxnSp>
-        <p:nvCxnSpPr>
-          <p:cNvPr id="67" name="连接符: 肘形 66">
-            <a:extLst>
-              <a:ext uri="{FF2B5EF4-FFF2-40B4-BE49-F238E27FC236}">
-                <a16:creationId xmlns:a16="http://schemas.microsoft.com/office/drawing/2014/main" id="{E16FE47F-F97B-1D2E-CCD0-D16A7ECDD2BF}"/>
-              </a:ext>
-            </a:extLst>
-          </p:cNvPr>
-          <p:cNvCxnSpPr>
-            <a:cxnSpLocks/>
-            <a:stCxn id="31" idx="0"/>
-            <a:endCxn id="35" idx="2"/>
-          </p:cNvCxnSpPr>
-          <p:nvPr/>
-        </p:nvCxnSpPr>
-        <p:spPr>
-          <a:xfrm rot="16200000" flipV="1">
-            <a:off x="1613851" y="8026194"/>
-            <a:ext cx="1024189" cy="6282"/>
-          </a:xfrm>
-          <a:prstGeom prst="bentConnector3">
-            <a:avLst>
-              <a:gd name="adj1" fmla="val 50000"/>
-            </a:avLst>
-          </a:prstGeom>
-          <a:ln>
-            <a:solidFill>
-              <a:schemeClr val="tx1"/>
-            </a:solidFill>
-            <a:tailEnd type="triangle"/>
-          </a:ln>
-        </p:spPr>
-        <p:style>
-          <a:lnRef idx="1">
-            <a:schemeClr val="accent1"/>
-          </a:lnRef>
-          <a:fillRef idx="0">
-            <a:schemeClr val="accent1"/>
-          </a:fillRef>
-          <a:effectRef idx="0">
-            <a:schemeClr val="accent1"/>
-          </a:effectRef>
-          <a:fontRef idx="minor">
-            <a:schemeClr val="tx1"/>
-          </a:fontRef>
-        </p:style>
-      </p:cxnSp>
-      <p:cxnSp>
-        <p:nvCxnSpPr>
-          <p:cNvPr id="70" name="连接符: 肘形 69">
-            <a:extLst>
-              <a:ext uri="{FF2B5EF4-FFF2-40B4-BE49-F238E27FC236}">
-                <a16:creationId xmlns:a16="http://schemas.microsoft.com/office/drawing/2014/main" id="{95620EDD-58AD-07A3-4929-4DCB6CB025F5}"/>
-              </a:ext>
-            </a:extLst>
-          </p:cNvPr>
-          <p:cNvCxnSpPr>
-            <a:cxnSpLocks/>
-            <a:stCxn id="33" idx="0"/>
-            <a:endCxn id="35" idx="2"/>
-          </p:cNvCxnSpPr>
-          <p:nvPr/>
-        </p:nvCxnSpPr>
-        <p:spPr>
-          <a:xfrm rot="16200000" flipV="1">
-            <a:off x="3286424" y="6353621"/>
-            <a:ext cx="672389" cy="2999628"/>
-          </a:xfrm>
-          <a:prstGeom prst="bentConnector3">
-            <a:avLst>
-              <a:gd name="adj1" fmla="val 50000"/>
-            </a:avLst>
-          </a:prstGeom>
-          <a:ln>
-            <a:solidFill>
-              <a:schemeClr val="tx1"/>
-            </a:solidFill>
-            <a:tailEnd type="triangle"/>
-          </a:ln>
-        </p:spPr>
-        <p:style>
-          <a:lnRef idx="1">
-            <a:schemeClr val="accent1"/>
-          </a:lnRef>
-          <a:fillRef idx="0">
-            <a:schemeClr val="accent1"/>
-          </a:fillRef>
-          <a:effectRef idx="0">
-            <a:schemeClr val="accent1"/>
-          </a:effectRef>
-          <a:fontRef idx="minor">
-            <a:schemeClr val="tx1"/>
-          </a:fontRef>
-        </p:style>
-      </p:cxnSp>
-      <p:sp>
-        <p:nvSpPr>
-          <p:cNvPr id="74" name="文本框 73">
-            <a:extLst>
-              <a:ext uri="{FF2B5EF4-FFF2-40B4-BE49-F238E27FC236}">
-                <a16:creationId xmlns:a16="http://schemas.microsoft.com/office/drawing/2014/main" id="{BAA16190-5A32-0691-E03D-38D8FB120A10}"/>
-              </a:ext>
-            </a:extLst>
-          </p:cNvPr>
-          <p:cNvSpPr txBox="1"/>
-          <p:nvPr/>
-        </p:nvSpPr>
-        <p:spPr>
-          <a:xfrm>
-            <a:off x="3740545" y="5013535"/>
-            <a:ext cx="914400" cy="253916"/>
-          </a:xfrm>
-          <a:prstGeom prst="rect">
-            <a:avLst/>
-          </a:prstGeom>
-          <a:noFill/>
-        </p:spPr>
-        <p:txBody>
-          <a:bodyPr wrap="square" rtlCol="0">
-            <a:spAutoFit/>
-          </a:bodyPr>
-          <a:lstStyle/>
-          <a:p>
-            <a:r>
-              <a:rPr lang="en-US" altLang="zh-CN" sz="1050" dirty="0"/>
-              <a:t>GPU Server </a:t>
-            </a:r>
-            <a:endParaRPr lang="zh-CN" altLang="en-US" sz="1050" dirty="0"/>
-          </a:p>
-        </p:txBody>
-      </p:sp>
-      <p:sp>
-        <p:nvSpPr>
-          <p:cNvPr id="77" name="文本框 76">
-            <a:extLst>
-              <a:ext uri="{FF2B5EF4-FFF2-40B4-BE49-F238E27FC236}">
-                <a16:creationId xmlns:a16="http://schemas.microsoft.com/office/drawing/2014/main" id="{8C026FC3-425B-BF6E-1B1A-D951EDF7C564}"/>
-              </a:ext>
-            </a:extLst>
-          </p:cNvPr>
-          <p:cNvSpPr txBox="1"/>
-          <p:nvPr/>
-        </p:nvSpPr>
-        <p:spPr>
-          <a:xfrm>
-            <a:off x="923376" y="6851219"/>
-            <a:ext cx="914400" cy="253916"/>
-          </a:xfrm>
-          <a:prstGeom prst="rect">
-            <a:avLst/>
-          </a:prstGeom>
-          <a:noFill/>
-        </p:spPr>
-        <p:txBody>
-          <a:bodyPr wrap="square" rtlCol="0">
-            <a:spAutoFit/>
-          </a:bodyPr>
-          <a:lstStyle/>
-          <a:p>
-            <a:r>
-              <a:rPr lang="en-US" altLang="zh-CN" sz="1050" dirty="0"/>
-              <a:t>Web Server </a:t>
-            </a:r>
-            <a:endParaRPr lang="zh-CN" altLang="en-US" sz="1050" dirty="0"/>
-          </a:p>
-        </p:txBody>
-      </p:sp>
-      <p:sp>
-        <p:nvSpPr>
-          <p:cNvPr id="78" name="思想气泡: 云 77">
-            <a:extLst>
-              <a:ext uri="{FF2B5EF4-FFF2-40B4-BE49-F238E27FC236}">
-                <a16:creationId xmlns:a16="http://schemas.microsoft.com/office/drawing/2014/main" id="{5615681C-2A76-A225-38DB-AE1468A3C857}"/>
-              </a:ext>
-            </a:extLst>
-          </p:cNvPr>
-          <p:cNvSpPr/>
-          <p:nvPr/>
-        </p:nvSpPr>
-        <p:spPr>
+        </p:nvGrpSpPr>
+        <p:grpSpPr>
           <a:xfrm>
             <a:off x="-119536" y="3150626"/>
-            <a:ext cx="6093641" cy="4580777"/>
+            <a:ext cx="6093641" cy="6494121"/>
+            <a:chOff x="-119536" y="3150626"/>
+            <a:chExt cx="6093641" cy="6494121"/>
           </a:xfrm>
-          <a:prstGeom prst="cloudCallout">
-            <a:avLst>
-              <a:gd name="adj1" fmla="val 45765"/>
-              <a:gd name="adj2" fmla="val 17380"/>
-            </a:avLst>
-          </a:prstGeom>
-          <a:noFill/>
-        </p:spPr>
-        <p:style>
-          <a:lnRef idx="2">
-            <a:schemeClr val="accent1">
-              <a:shade val="50000"/>
-            </a:schemeClr>
-          </a:lnRef>
-          <a:fillRef idx="1">
-            <a:schemeClr val="accent1"/>
-          </a:fillRef>
-          <a:effectRef idx="0">
-            <a:schemeClr val="accent1"/>
-          </a:effectRef>
-          <a:fontRef idx="minor">
-            <a:schemeClr val="lt1"/>
-          </a:fontRef>
-        </p:style>
-        <p:txBody>
-          <a:bodyPr rtlCol="0" anchor="ctr"/>
-          <a:lstStyle/>
-          <a:p>
-            <a:pPr algn="ctr"/>
-            <a:endParaRPr lang="zh-CN" altLang="en-US"/>
-          </a:p>
-        </p:txBody>
-      </p:sp>
-      <p:sp>
-        <p:nvSpPr>
-          <p:cNvPr id="80" name="文本框 79">
-            <a:extLst>
-              <a:ext uri="{FF2B5EF4-FFF2-40B4-BE49-F238E27FC236}">
-                <a16:creationId xmlns:a16="http://schemas.microsoft.com/office/drawing/2014/main" id="{A42851AA-4FA7-751D-FC87-D10AC2B838DA}"/>
-              </a:ext>
-            </a:extLst>
-          </p:cNvPr>
-          <p:cNvSpPr txBox="1"/>
-          <p:nvPr/>
-        </p:nvSpPr>
-        <p:spPr>
-          <a:xfrm>
-            <a:off x="442166" y="9390831"/>
-            <a:ext cx="914400" cy="253916"/>
-          </a:xfrm>
-          <a:prstGeom prst="rect">
-            <a:avLst/>
-          </a:prstGeom>
-          <a:noFill/>
-        </p:spPr>
-        <p:txBody>
-          <a:bodyPr wrap="square" rtlCol="0">
-            <a:spAutoFit/>
-          </a:bodyPr>
-          <a:lstStyle/>
-          <a:p>
-            <a:r>
-              <a:rPr lang="en-US" altLang="zh-CN" sz="1050" dirty="0"/>
-              <a:t>App Client</a:t>
-            </a:r>
-            <a:endParaRPr lang="zh-CN" altLang="en-US" sz="1050" dirty="0"/>
-          </a:p>
-        </p:txBody>
-      </p:sp>
-      <p:sp>
-        <p:nvSpPr>
-          <p:cNvPr id="85" name="文本框 84">
-            <a:extLst>
-              <a:ext uri="{FF2B5EF4-FFF2-40B4-BE49-F238E27FC236}">
-                <a16:creationId xmlns:a16="http://schemas.microsoft.com/office/drawing/2014/main" id="{53B7AD5D-710B-02B9-9F8F-7DC59B8E5322}"/>
-              </a:ext>
-            </a:extLst>
-          </p:cNvPr>
-          <p:cNvSpPr txBox="1"/>
-          <p:nvPr/>
-        </p:nvSpPr>
-        <p:spPr>
-          <a:xfrm>
-            <a:off x="1739906" y="9390647"/>
-            <a:ext cx="996821" cy="253916"/>
-          </a:xfrm>
-          <a:prstGeom prst="rect">
-            <a:avLst/>
-          </a:prstGeom>
-          <a:noFill/>
-        </p:spPr>
-        <p:txBody>
-          <a:bodyPr wrap="square" rtlCol="0">
-            <a:spAutoFit/>
-          </a:bodyPr>
-          <a:lstStyle/>
-          <a:p>
-            <a:r>
-              <a:rPr lang="en-US" altLang="zh-CN" sz="1050" dirty="0"/>
-              <a:t>Browser Client</a:t>
-            </a:r>
-            <a:endParaRPr lang="zh-CN" altLang="en-US" sz="1050" dirty="0"/>
-          </a:p>
-        </p:txBody>
-      </p:sp>
-      <p:sp>
-        <p:nvSpPr>
-          <p:cNvPr id="86" name="文本框 85">
-            <a:extLst>
-              <a:ext uri="{FF2B5EF4-FFF2-40B4-BE49-F238E27FC236}">
-                <a16:creationId xmlns:a16="http://schemas.microsoft.com/office/drawing/2014/main" id="{74993694-C7E1-7E1F-FA4D-1320A047B7D6}"/>
-              </a:ext>
-            </a:extLst>
-          </p:cNvPr>
-          <p:cNvSpPr txBox="1"/>
-          <p:nvPr/>
-        </p:nvSpPr>
-        <p:spPr>
-          <a:xfrm>
-            <a:off x="4629320" y="8914649"/>
-            <a:ext cx="996821" cy="415498"/>
-          </a:xfrm>
-          <a:prstGeom prst="rect">
-            <a:avLst/>
-          </a:prstGeom>
-          <a:noFill/>
-        </p:spPr>
-        <p:txBody>
-          <a:bodyPr wrap="square" rtlCol="0">
-            <a:spAutoFit/>
-          </a:bodyPr>
-          <a:lstStyle/>
-          <a:p>
-            <a:r>
-              <a:rPr lang="en-US" altLang="zh-CN" sz="1050" dirty="0"/>
-              <a:t>Manager Client</a:t>
-            </a:r>
-            <a:endParaRPr lang="zh-CN" altLang="en-US" sz="1050" dirty="0"/>
-          </a:p>
-        </p:txBody>
-      </p:sp>
-      <p:cxnSp>
-        <p:nvCxnSpPr>
-          <p:cNvPr id="87" name="连接符: 肘形 86">
-            <a:extLst>
-              <a:ext uri="{FF2B5EF4-FFF2-40B4-BE49-F238E27FC236}">
-                <a16:creationId xmlns:a16="http://schemas.microsoft.com/office/drawing/2014/main" id="{54E14D54-921D-D54D-1930-CC94270D43A4}"/>
-              </a:ext>
-            </a:extLst>
-          </p:cNvPr>
-          <p:cNvCxnSpPr>
-            <a:cxnSpLocks/>
-            <a:stCxn id="33" idx="3"/>
-            <a:endCxn id="2" idx="1"/>
-          </p:cNvCxnSpPr>
-          <p:nvPr/>
-        </p:nvCxnSpPr>
-        <p:spPr>
-          <a:xfrm flipH="1" flipV="1">
-            <a:off x="3666243" y="5674002"/>
-            <a:ext cx="1913389" cy="2972827"/>
-          </a:xfrm>
-          <a:prstGeom prst="bentConnector5">
-            <a:avLst>
-              <a:gd name="adj1" fmla="val -11947"/>
-              <a:gd name="adj2" fmla="val 50000"/>
-              <a:gd name="adj3" fmla="val 112744"/>
-            </a:avLst>
-          </a:prstGeom>
-          <a:ln>
-            <a:solidFill>
+        </p:grpSpPr>
+        <p:pic>
+          <p:nvPicPr>
+            <p:cNvPr id="29" name="图形 28" descr="计算机 纯色填充">
+              <a:extLst>
+                <a:ext uri="{FF2B5EF4-FFF2-40B4-BE49-F238E27FC236}">
+                  <a16:creationId xmlns:a16="http://schemas.microsoft.com/office/drawing/2014/main" id="{B1F6F270-818A-A1B9-4325-54002B40570E}"/>
+                </a:ext>
+              </a:extLst>
+            </p:cNvPr>
+            <p:cNvPicPr>
+              <a:picLocks noChangeAspect="1"/>
+            </p:cNvPicPr>
+            <p:nvPr/>
+          </p:nvPicPr>
+          <p:blipFill>
+            <a:blip r:embed="rId2">
+              <a:extLst>
+                <a:ext uri="{28A0092B-C50C-407E-A947-70E740481C1C}">
+                  <a14:useLocalDpi xmlns:a14="http://schemas.microsoft.com/office/drawing/2010/main" val="0"/>
+                </a:ext>
+                <a:ext uri="{96DAC541-7B7A-43D3-8B79-37D633B846F1}">
+                  <asvg:svgBlip xmlns:asvg="http://schemas.microsoft.com/office/drawing/2016/SVG/main" r:embed="rId3"/>
+                </a:ext>
+              </a:extLst>
+            </a:blip>
+            <a:stretch>
+              <a:fillRect/>
+            </a:stretch>
+          </p:blipFill>
+          <p:spPr>
+            <a:xfrm>
+              <a:off x="392508" y="8567928"/>
+              <a:ext cx="875680" cy="914400"/>
+            </a:xfrm>
+            <a:prstGeom prst="rect">
+              <a:avLst/>
+            </a:prstGeom>
+          </p:spPr>
+        </p:pic>
+        <p:pic>
+          <p:nvPicPr>
+            <p:cNvPr id="31" name="图形 30" descr="计算机 轮廓">
+              <a:extLst>
+                <a:ext uri="{FF2B5EF4-FFF2-40B4-BE49-F238E27FC236}">
+                  <a16:creationId xmlns:a16="http://schemas.microsoft.com/office/drawing/2014/main" id="{E5AF710F-7335-5665-0AB1-233E441E0172}"/>
+                </a:ext>
+              </a:extLst>
+            </p:cNvPr>
+            <p:cNvPicPr>
+              <a:picLocks noChangeAspect="1"/>
+            </p:cNvPicPr>
+            <p:nvPr/>
+          </p:nvPicPr>
+          <p:blipFill>
+            <a:blip r:embed="rId4">
+              <a:extLst>
+                <a:ext uri="{28A0092B-C50C-407E-A947-70E740481C1C}">
+                  <a14:useLocalDpi xmlns:a14="http://schemas.microsoft.com/office/drawing/2010/main" val="0"/>
+                </a:ext>
+                <a:ext uri="{96DAC541-7B7A-43D3-8B79-37D633B846F1}">
+                  <asvg:svgBlip xmlns:asvg="http://schemas.microsoft.com/office/drawing/2016/SVG/main" r:embed="rId5"/>
+                </a:ext>
+              </a:extLst>
+            </a:blip>
+            <a:stretch>
+              <a:fillRect/>
+            </a:stretch>
+          </p:blipFill>
+          <p:spPr>
+            <a:xfrm>
+              <a:off x="1671886" y="8541429"/>
+              <a:ext cx="914400" cy="914400"/>
+            </a:xfrm>
+            <a:prstGeom prst="rect">
+              <a:avLst/>
+            </a:prstGeom>
+          </p:spPr>
+        </p:pic>
+        <p:pic>
+          <p:nvPicPr>
+            <p:cNvPr id="33" name="图形 32" descr="便携式计算机 纯色填充">
+              <a:extLst>
+                <a:ext uri="{FF2B5EF4-FFF2-40B4-BE49-F238E27FC236}">
+                  <a16:creationId xmlns:a16="http://schemas.microsoft.com/office/drawing/2014/main" id="{A84019EB-BA5B-CE3D-02FB-0341ADE29BCD}"/>
+                </a:ext>
+              </a:extLst>
+            </p:cNvPr>
+            <p:cNvPicPr>
+              <a:picLocks noChangeAspect="1"/>
+            </p:cNvPicPr>
+            <p:nvPr/>
+          </p:nvPicPr>
+          <p:blipFill>
+            <a:blip r:embed="rId6">
+              <a:extLst>
+                <a:ext uri="{28A0092B-C50C-407E-A947-70E740481C1C}">
+                  <a14:useLocalDpi xmlns:a14="http://schemas.microsoft.com/office/drawing/2010/main" val="0"/>
+                </a:ext>
+                <a:ext uri="{96DAC541-7B7A-43D3-8B79-37D633B846F1}">
+                  <asvg:svgBlip xmlns:asvg="http://schemas.microsoft.com/office/drawing/2016/SVG/main" r:embed="rId7"/>
+                </a:ext>
+              </a:extLst>
+            </a:blip>
+            <a:stretch>
+              <a:fillRect/>
+            </a:stretch>
+          </p:blipFill>
+          <p:spPr>
+            <a:xfrm>
+              <a:off x="4665232" y="8189629"/>
+              <a:ext cx="914400" cy="914400"/>
+            </a:xfrm>
+            <a:prstGeom prst="rect">
+              <a:avLst/>
+            </a:prstGeom>
+          </p:spPr>
+        </p:pic>
+        <p:pic>
+          <p:nvPicPr>
+            <p:cNvPr id="35" name="图形 34" descr="服务器 轮廓">
+              <a:extLst>
+                <a:ext uri="{FF2B5EF4-FFF2-40B4-BE49-F238E27FC236}">
+                  <a16:creationId xmlns:a16="http://schemas.microsoft.com/office/drawing/2014/main" id="{0F117E07-9F32-6BAF-C2D3-0E7835AEB56E}"/>
+                </a:ext>
+              </a:extLst>
+            </p:cNvPr>
+            <p:cNvPicPr>
+              <a:picLocks noChangeAspect="1"/>
+            </p:cNvPicPr>
+            <p:nvPr/>
+          </p:nvPicPr>
+          <p:blipFill>
+            <a:blip r:embed="rId8">
+              <a:extLst>
+                <a:ext uri="{28A0092B-C50C-407E-A947-70E740481C1C}">
+                  <a14:useLocalDpi xmlns:a14="http://schemas.microsoft.com/office/drawing/2010/main" val="0"/>
+                </a:ext>
+                <a:ext uri="{96DAC541-7B7A-43D3-8B79-37D633B846F1}">
+                  <asvg:svgBlip xmlns:asvg="http://schemas.microsoft.com/office/drawing/2016/SVG/main" r:embed="rId9"/>
+                </a:ext>
+              </a:extLst>
+            </a:blip>
+            <a:stretch>
+              <a:fillRect/>
+            </a:stretch>
+          </p:blipFill>
+          <p:spPr>
+            <a:xfrm>
+              <a:off x="1665604" y="6602840"/>
+              <a:ext cx="914400" cy="914400"/>
+            </a:xfrm>
+            <a:prstGeom prst="rect">
+              <a:avLst/>
+            </a:prstGeom>
+          </p:spPr>
+        </p:pic>
+        <p:pic>
+          <p:nvPicPr>
+            <p:cNvPr id="37" name="图形 36" descr="服务器 纯色填充">
+              <a:extLst>
+                <a:ext uri="{FF2B5EF4-FFF2-40B4-BE49-F238E27FC236}">
+                  <a16:creationId xmlns:a16="http://schemas.microsoft.com/office/drawing/2014/main" id="{9BF68A67-28FB-3769-4DD6-3C4D30C39919}"/>
+                </a:ext>
+              </a:extLst>
+            </p:cNvPr>
+            <p:cNvPicPr>
+              <a:picLocks noChangeAspect="1"/>
+            </p:cNvPicPr>
+            <p:nvPr/>
+          </p:nvPicPr>
+          <p:blipFill>
+            <a:blip r:embed="rId10">
+              <a:extLst>
+                <a:ext uri="{28A0092B-C50C-407E-A947-70E740481C1C}">
+                  <a14:useLocalDpi xmlns:a14="http://schemas.microsoft.com/office/drawing/2010/main" val="0"/>
+                </a:ext>
+                <a:ext uri="{96DAC541-7B7A-43D3-8B79-37D633B846F1}">
+                  <asvg:svgBlip xmlns:asvg="http://schemas.microsoft.com/office/drawing/2016/SVG/main" r:embed="rId11"/>
+                </a:ext>
+              </a:extLst>
+            </a:blip>
+            <a:stretch>
+              <a:fillRect/>
+            </a:stretch>
+          </p:blipFill>
+          <p:spPr>
+            <a:xfrm>
+              <a:off x="1282707" y="5213324"/>
+              <a:ext cx="914400" cy="914400"/>
+            </a:xfrm>
+            <a:prstGeom prst="rect">
+              <a:avLst/>
+            </a:prstGeom>
+          </p:spPr>
+        </p:pic>
+        <p:pic>
+          <p:nvPicPr>
+            <p:cNvPr id="39" name="图形 38" descr="数据库 纯色填充">
+              <a:extLst>
+                <a:ext uri="{FF2B5EF4-FFF2-40B4-BE49-F238E27FC236}">
+                  <a16:creationId xmlns:a16="http://schemas.microsoft.com/office/drawing/2014/main" id="{55CB1C0A-6CAC-2C54-7104-2F38DEF36F59}"/>
+                </a:ext>
+              </a:extLst>
+            </p:cNvPr>
+            <p:cNvPicPr>
+              <a:picLocks noChangeAspect="1"/>
+            </p:cNvPicPr>
+            <p:nvPr/>
+          </p:nvPicPr>
+          <p:blipFill>
+            <a:blip r:embed="rId12">
+              <a:extLst>
+                <a:ext uri="{28A0092B-C50C-407E-A947-70E740481C1C}">
+                  <a14:useLocalDpi xmlns:a14="http://schemas.microsoft.com/office/drawing/2010/main" val="0"/>
+                </a:ext>
+                <a:ext uri="{96DAC541-7B7A-43D3-8B79-37D633B846F1}">
+                  <asvg:svgBlip xmlns:asvg="http://schemas.microsoft.com/office/drawing/2016/SVG/main" r:embed="rId13"/>
+                </a:ext>
+              </a:extLst>
+            </a:blip>
+            <a:stretch>
+              <a:fillRect/>
+            </a:stretch>
+          </p:blipFill>
+          <p:spPr>
+            <a:xfrm>
+              <a:off x="891801" y="4500274"/>
+              <a:ext cx="430952" cy="430952"/>
+            </a:xfrm>
+            <a:prstGeom prst="rect">
+              <a:avLst/>
+            </a:prstGeom>
+          </p:spPr>
+        </p:pic>
+        <p:pic>
+          <p:nvPicPr>
+            <p:cNvPr id="2" name="图形 1" descr="服务器 纯色填充">
+              <a:extLst>
+                <a:ext uri="{FF2B5EF4-FFF2-40B4-BE49-F238E27FC236}">
+                  <a16:creationId xmlns:a16="http://schemas.microsoft.com/office/drawing/2014/main" id="{86A71DB6-29CD-C1C9-02C7-673D4828855B}"/>
+                </a:ext>
+              </a:extLst>
+            </p:cNvPr>
+            <p:cNvPicPr>
+              <a:picLocks noChangeAspect="1"/>
+            </p:cNvPicPr>
+            <p:nvPr/>
+          </p:nvPicPr>
+          <p:blipFill>
+            <a:blip r:embed="rId10">
+              <a:extLst>
+                <a:ext uri="{28A0092B-C50C-407E-A947-70E740481C1C}">
+                  <a14:useLocalDpi xmlns:a14="http://schemas.microsoft.com/office/drawing/2010/main" val="0"/>
+                </a:ext>
+                <a:ext uri="{96DAC541-7B7A-43D3-8B79-37D633B846F1}">
+                  <asvg:svgBlip xmlns:asvg="http://schemas.microsoft.com/office/drawing/2016/SVG/main" r:embed="rId11"/>
+                </a:ext>
+              </a:extLst>
+            </a:blip>
+            <a:stretch>
+              <a:fillRect/>
+            </a:stretch>
+          </p:blipFill>
+          <p:spPr>
+            <a:xfrm>
+              <a:off x="3666243" y="5216802"/>
+              <a:ext cx="914400" cy="914400"/>
+            </a:xfrm>
+            <a:prstGeom prst="rect">
+              <a:avLst/>
+            </a:prstGeom>
+          </p:spPr>
+        </p:pic>
+        <p:sp>
+          <p:nvSpPr>
+            <p:cNvPr id="30" name="文本框 29">
+              <a:extLst>
+                <a:ext uri="{FF2B5EF4-FFF2-40B4-BE49-F238E27FC236}">
+                  <a16:creationId xmlns:a16="http://schemas.microsoft.com/office/drawing/2014/main" id="{87300503-242E-D048-DCA9-CBAAF38419BC}"/>
+                </a:ext>
+              </a:extLst>
+            </p:cNvPr>
+            <p:cNvSpPr txBox="1"/>
+            <p:nvPr/>
+          </p:nvSpPr>
+          <p:spPr>
+            <a:xfrm>
+              <a:off x="1341094" y="4924446"/>
+              <a:ext cx="1208471" cy="415498"/>
+            </a:xfrm>
+            <a:prstGeom prst="rect">
+              <a:avLst/>
+            </a:prstGeom>
+            <a:noFill/>
+          </p:spPr>
+          <p:txBody>
+            <a:bodyPr wrap="square" rtlCol="0">
+              <a:spAutoFit/>
+            </a:bodyPr>
+            <a:lstStyle/>
+            <a:p>
+              <a:r>
+                <a:rPr lang="en-US" altLang="zh-CN" sz="1050" dirty="0"/>
+                <a:t>RDS Database Server </a:t>
+              </a:r>
+              <a:endParaRPr lang="zh-CN" altLang="en-US" sz="1050" dirty="0"/>
+            </a:p>
+          </p:txBody>
+        </p:sp>
+        <p:sp>
+          <p:nvSpPr>
+            <p:cNvPr id="32" name="文本框 31">
+              <a:extLst>
+                <a:ext uri="{FF2B5EF4-FFF2-40B4-BE49-F238E27FC236}">
+                  <a16:creationId xmlns:a16="http://schemas.microsoft.com/office/drawing/2014/main" id="{EC0C9762-A08F-479C-4782-372A01C7D7C2}"/>
+                </a:ext>
+              </a:extLst>
+            </p:cNvPr>
+            <p:cNvSpPr txBox="1"/>
+            <p:nvPr/>
+          </p:nvSpPr>
+          <p:spPr>
+            <a:xfrm>
+              <a:off x="866861" y="4200951"/>
+              <a:ext cx="998965" cy="253916"/>
+            </a:xfrm>
+            <a:prstGeom prst="rect">
+              <a:avLst/>
+            </a:prstGeom>
+            <a:noFill/>
+          </p:spPr>
+          <p:txBody>
+            <a:bodyPr wrap="square" rtlCol="0">
+              <a:spAutoFit/>
+            </a:bodyPr>
+            <a:lstStyle/>
+            <a:p>
+              <a:r>
+                <a:rPr lang="en-US" altLang="zh-CN" sz="1050" dirty="0"/>
+                <a:t>MySQL</a:t>
+              </a:r>
+              <a:endParaRPr lang="zh-CN" altLang="en-US" sz="1050" dirty="0"/>
+            </a:p>
+          </p:txBody>
+        </p:sp>
+        <p:pic>
+          <p:nvPicPr>
+            <p:cNvPr id="36" name="图形 35" descr="数据库 轮廓">
+              <a:extLst>
+                <a:ext uri="{FF2B5EF4-FFF2-40B4-BE49-F238E27FC236}">
+                  <a16:creationId xmlns:a16="http://schemas.microsoft.com/office/drawing/2014/main" id="{682E371D-1F78-97D6-5486-5631898CE3C7}"/>
+                </a:ext>
+              </a:extLst>
+            </p:cNvPr>
+            <p:cNvPicPr>
+              <a:picLocks noChangeAspect="1"/>
+            </p:cNvPicPr>
+            <p:nvPr/>
+          </p:nvPicPr>
+          <p:blipFill>
+            <a:blip r:embed="rId14">
+              <a:extLst>
+                <a:ext uri="{28A0092B-C50C-407E-A947-70E740481C1C}">
+                  <a14:useLocalDpi xmlns:a14="http://schemas.microsoft.com/office/drawing/2010/main" val="0"/>
+                </a:ext>
+                <a:ext uri="{96DAC541-7B7A-43D3-8B79-37D633B846F1}">
+                  <asvg:svgBlip xmlns:asvg="http://schemas.microsoft.com/office/drawing/2016/SVG/main" r:embed="rId15"/>
+                </a:ext>
+              </a:extLst>
+            </a:blip>
+            <a:stretch>
+              <a:fillRect/>
+            </a:stretch>
+          </p:blipFill>
+          <p:spPr>
+            <a:xfrm>
+              <a:off x="4879327" y="4473721"/>
+              <a:ext cx="430953" cy="430953"/>
+            </a:xfrm>
+            <a:prstGeom prst="rect">
+              <a:avLst/>
+            </a:prstGeom>
+          </p:spPr>
+        </p:pic>
+        <p:cxnSp>
+          <p:nvCxnSpPr>
+            <p:cNvPr id="38" name="连接符: 肘形 37">
+              <a:extLst>
+                <a:ext uri="{FF2B5EF4-FFF2-40B4-BE49-F238E27FC236}">
+                  <a16:creationId xmlns:a16="http://schemas.microsoft.com/office/drawing/2014/main" id="{CDC75E7F-656F-583E-375B-3401C99BB702}"/>
+                </a:ext>
+              </a:extLst>
+            </p:cNvPr>
+            <p:cNvCxnSpPr>
+              <a:cxnSpLocks/>
+              <a:stCxn id="37" idx="1"/>
+              <a:endCxn id="39" idx="2"/>
+            </p:cNvCxnSpPr>
+            <p:nvPr/>
+          </p:nvCxnSpPr>
+          <p:spPr>
+            <a:xfrm rot="10800000">
+              <a:off x="1107277" y="4931226"/>
+              <a:ext cx="175430" cy="739298"/>
+            </a:xfrm>
+            <a:prstGeom prst="bentConnector2">
+              <a:avLst/>
+            </a:prstGeom>
+            <a:ln>
+              <a:solidFill>
+                <a:schemeClr val="tx1"/>
+              </a:solidFill>
+              <a:tailEnd type="triangle"/>
+            </a:ln>
+          </p:spPr>
+          <p:style>
+            <a:lnRef idx="1">
+              <a:schemeClr val="accent1"/>
+            </a:lnRef>
+            <a:fillRef idx="0">
+              <a:schemeClr val="accent1"/>
+            </a:fillRef>
+            <a:effectRef idx="0">
+              <a:schemeClr val="accent1"/>
+            </a:effectRef>
+            <a:fontRef idx="minor">
               <a:schemeClr val="tx1"/>
-            </a:solidFill>
-            <a:tailEnd type="triangle"/>
-          </a:ln>
-        </p:spPr>
-        <p:style>
-          <a:lnRef idx="1">
-            <a:schemeClr val="accent1"/>
-          </a:lnRef>
-          <a:fillRef idx="0">
-            <a:schemeClr val="accent1"/>
-          </a:fillRef>
-          <a:effectRef idx="0">
-            <a:schemeClr val="accent1"/>
-          </a:effectRef>
-          <a:fontRef idx="minor">
-            <a:schemeClr val="tx1"/>
-          </a:fontRef>
-        </p:style>
-      </p:cxnSp>
-      <p:cxnSp>
-        <p:nvCxnSpPr>
-          <p:cNvPr id="91" name="连接符: 肘形 90">
-            <a:extLst>
-              <a:ext uri="{FF2B5EF4-FFF2-40B4-BE49-F238E27FC236}">
-                <a16:creationId xmlns:a16="http://schemas.microsoft.com/office/drawing/2014/main" id="{9402203D-8115-675D-BCAC-35DAA5D52C59}"/>
-              </a:ext>
-            </a:extLst>
-          </p:cNvPr>
-          <p:cNvCxnSpPr>
-            <a:cxnSpLocks/>
-            <a:stCxn id="33" idx="1"/>
-            <a:endCxn id="37" idx="3"/>
-          </p:cNvCxnSpPr>
-          <p:nvPr/>
-        </p:nvCxnSpPr>
-        <p:spPr>
-          <a:xfrm rot="10800000">
-            <a:off x="2197108" y="5670525"/>
-            <a:ext cx="2468125" cy="2976305"/>
-          </a:xfrm>
-          <a:prstGeom prst="bentConnector3">
-            <a:avLst>
-              <a:gd name="adj1" fmla="val 50000"/>
-            </a:avLst>
-          </a:prstGeom>
-          <a:ln>
-            <a:solidFill>
+            </a:fontRef>
+          </p:style>
+        </p:cxnSp>
+        <p:sp>
+          <p:nvSpPr>
+            <p:cNvPr id="44" name="文本框 43">
+              <a:extLst>
+                <a:ext uri="{FF2B5EF4-FFF2-40B4-BE49-F238E27FC236}">
+                  <a16:creationId xmlns:a16="http://schemas.microsoft.com/office/drawing/2014/main" id="{120D5A27-BE05-D370-AA47-4DC5906F0E6E}"/>
+                </a:ext>
+              </a:extLst>
+            </p:cNvPr>
+            <p:cNvSpPr txBox="1"/>
+            <p:nvPr/>
+          </p:nvSpPr>
+          <p:spPr>
+            <a:xfrm>
+              <a:off x="4404361" y="4188199"/>
+              <a:ext cx="1402924" cy="253916"/>
+            </a:xfrm>
+            <a:prstGeom prst="rect">
+              <a:avLst/>
+            </a:prstGeom>
+            <a:noFill/>
+          </p:spPr>
+          <p:txBody>
+            <a:bodyPr wrap="square" rtlCol="0">
+              <a:spAutoFit/>
+            </a:bodyPr>
+            <a:lstStyle/>
+            <a:p>
+              <a:r>
+                <a:rPr lang="en-US" altLang="zh-CN" sz="1050" dirty="0" err="1"/>
+                <a:t>Langchain+ChatGLM</a:t>
+              </a:r>
+              <a:r>
+                <a:rPr lang="en-US" altLang="zh-CN" sz="1050" dirty="0"/>
+                <a:t> </a:t>
+              </a:r>
+              <a:endParaRPr lang="zh-CN" altLang="en-US" sz="1050" dirty="0"/>
+            </a:p>
+          </p:txBody>
+        </p:sp>
+        <p:cxnSp>
+          <p:nvCxnSpPr>
+            <p:cNvPr id="45" name="连接符: 肘形 44">
+              <a:extLst>
+                <a:ext uri="{FF2B5EF4-FFF2-40B4-BE49-F238E27FC236}">
+                  <a16:creationId xmlns:a16="http://schemas.microsoft.com/office/drawing/2014/main" id="{0F77B7B4-96DB-41D2-B2EF-AF6E23F2AD64}"/>
+                </a:ext>
+              </a:extLst>
+            </p:cNvPr>
+            <p:cNvCxnSpPr>
+              <a:cxnSpLocks/>
+              <a:stCxn id="2" idx="3"/>
+              <a:endCxn id="36" idx="2"/>
+            </p:cNvCxnSpPr>
+            <p:nvPr/>
+          </p:nvCxnSpPr>
+          <p:spPr>
+            <a:xfrm flipV="1">
+              <a:off x="4580643" y="4904674"/>
+              <a:ext cx="514161" cy="769328"/>
+            </a:xfrm>
+            <a:prstGeom prst="bentConnector2">
+              <a:avLst/>
+            </a:prstGeom>
+            <a:ln>
+              <a:solidFill>
+                <a:schemeClr val="tx1"/>
+              </a:solidFill>
+              <a:tailEnd type="triangle"/>
+            </a:ln>
+          </p:spPr>
+          <p:style>
+            <a:lnRef idx="1">
+              <a:schemeClr val="accent1"/>
+            </a:lnRef>
+            <a:fillRef idx="0">
+              <a:schemeClr val="accent1"/>
+            </a:fillRef>
+            <a:effectRef idx="0">
+              <a:schemeClr val="accent1"/>
+            </a:effectRef>
+            <a:fontRef idx="minor">
               <a:schemeClr val="tx1"/>
-            </a:solidFill>
-            <a:tailEnd type="triangle"/>
-          </a:ln>
-        </p:spPr>
-        <p:style>
-          <a:lnRef idx="1">
-            <a:schemeClr val="accent1"/>
-          </a:lnRef>
-          <a:fillRef idx="0">
-            <a:schemeClr val="accent1"/>
-          </a:fillRef>
-          <a:effectRef idx="0">
-            <a:schemeClr val="accent1"/>
-          </a:effectRef>
-          <a:fontRef idx="minor">
-            <a:schemeClr val="tx1"/>
-          </a:fontRef>
-        </p:style>
-      </p:cxnSp>
-      <p:sp>
-        <p:nvSpPr>
-          <p:cNvPr id="96" name="文本框 95">
-            <a:extLst>
-              <a:ext uri="{FF2B5EF4-FFF2-40B4-BE49-F238E27FC236}">
-                <a16:creationId xmlns:a16="http://schemas.microsoft.com/office/drawing/2014/main" id="{FA11FC12-E997-0D4B-2CB8-D33F5448CC9C}"/>
-              </a:ext>
-            </a:extLst>
-          </p:cNvPr>
-          <p:cNvSpPr txBox="1"/>
-          <p:nvPr/>
-        </p:nvSpPr>
-        <p:spPr>
-          <a:xfrm>
-            <a:off x="3733337" y="7459778"/>
-            <a:ext cx="1495940" cy="253916"/>
-          </a:xfrm>
-          <a:prstGeom prst="rect">
-            <a:avLst/>
-          </a:prstGeom>
-          <a:noFill/>
-        </p:spPr>
-        <p:txBody>
-          <a:bodyPr wrap="square" rtlCol="0">
-            <a:spAutoFit/>
-          </a:bodyPr>
-          <a:lstStyle/>
-          <a:p>
-            <a:r>
-              <a:rPr lang="en-US" altLang="zh-CN" sz="1050" dirty="0">
+            </a:fontRef>
+          </p:style>
+        </p:cxnSp>
+        <p:cxnSp>
+          <p:nvCxnSpPr>
+            <p:cNvPr id="58" name="连接符: 肘形 57">
+              <a:extLst>
+                <a:ext uri="{FF2B5EF4-FFF2-40B4-BE49-F238E27FC236}">
+                  <a16:creationId xmlns:a16="http://schemas.microsoft.com/office/drawing/2014/main" id="{6C7FB20E-97DB-DC48-3C0B-29347F5E8B66}"/>
+                </a:ext>
+              </a:extLst>
+            </p:cNvPr>
+            <p:cNvCxnSpPr>
+              <a:cxnSpLocks/>
+              <a:stCxn id="35" idx="0"/>
+            </p:cNvCxnSpPr>
+            <p:nvPr/>
+          </p:nvCxnSpPr>
+          <p:spPr>
+            <a:xfrm rot="16200000" flipV="1">
+              <a:off x="1722721" y="6202757"/>
+              <a:ext cx="524439" cy="275728"/>
+            </a:xfrm>
+            <a:prstGeom prst="bentConnector3">
+              <a:avLst>
+                <a:gd name="adj1" fmla="val 50000"/>
+              </a:avLst>
+            </a:prstGeom>
+            <a:ln>
+              <a:solidFill>
+                <a:schemeClr val="tx1"/>
+              </a:solidFill>
+              <a:tailEnd type="triangle"/>
+            </a:ln>
+          </p:spPr>
+          <p:style>
+            <a:lnRef idx="1">
+              <a:schemeClr val="accent1"/>
+            </a:lnRef>
+            <a:fillRef idx="0">
+              <a:schemeClr val="accent1"/>
+            </a:fillRef>
+            <a:effectRef idx="0">
+              <a:schemeClr val="accent1"/>
+            </a:effectRef>
+            <a:fontRef idx="minor">
+              <a:schemeClr val="tx1"/>
+            </a:fontRef>
+          </p:style>
+        </p:cxnSp>
+        <p:cxnSp>
+          <p:nvCxnSpPr>
+            <p:cNvPr id="61" name="连接符: 肘形 60">
+              <a:extLst>
+                <a:ext uri="{FF2B5EF4-FFF2-40B4-BE49-F238E27FC236}">
+                  <a16:creationId xmlns:a16="http://schemas.microsoft.com/office/drawing/2014/main" id="{B21F9749-C79A-8323-CF16-97E527974385}"/>
+                </a:ext>
+              </a:extLst>
+            </p:cNvPr>
+            <p:cNvCxnSpPr>
+              <a:cxnSpLocks/>
+              <a:stCxn id="35" idx="0"/>
+              <a:endCxn id="2" idx="2"/>
+            </p:cNvCxnSpPr>
+            <p:nvPr/>
+          </p:nvCxnSpPr>
+          <p:spPr>
+            <a:xfrm rot="5400000" flipH="1" flipV="1">
+              <a:off x="2887304" y="5366702"/>
+              <a:ext cx="471638" cy="2000639"/>
+            </a:xfrm>
+            <a:prstGeom prst="bentConnector3">
+              <a:avLst>
+                <a:gd name="adj1" fmla="val 50000"/>
+              </a:avLst>
+            </a:prstGeom>
+            <a:ln>
+              <a:solidFill>
+                <a:schemeClr val="tx1"/>
+              </a:solidFill>
+              <a:tailEnd type="triangle"/>
+            </a:ln>
+          </p:spPr>
+          <p:style>
+            <a:lnRef idx="1">
+              <a:schemeClr val="accent1"/>
+            </a:lnRef>
+            <a:fillRef idx="0">
+              <a:schemeClr val="accent1"/>
+            </a:fillRef>
+            <a:effectRef idx="0">
+              <a:schemeClr val="accent1"/>
+            </a:effectRef>
+            <a:fontRef idx="minor">
+              <a:schemeClr val="tx1"/>
+            </a:fontRef>
+          </p:style>
+        </p:cxnSp>
+        <p:cxnSp>
+          <p:nvCxnSpPr>
+            <p:cNvPr id="64" name="连接符: 肘形 63">
+              <a:extLst>
+                <a:ext uri="{FF2B5EF4-FFF2-40B4-BE49-F238E27FC236}">
+                  <a16:creationId xmlns:a16="http://schemas.microsoft.com/office/drawing/2014/main" id="{A74ADF05-902A-6C01-BD68-77C87F450F5E}"/>
+                </a:ext>
+              </a:extLst>
+            </p:cNvPr>
+            <p:cNvCxnSpPr>
+              <a:cxnSpLocks/>
+              <a:stCxn id="29" idx="0"/>
+              <a:endCxn id="35" idx="2"/>
+            </p:cNvCxnSpPr>
+            <p:nvPr/>
+          </p:nvCxnSpPr>
+          <p:spPr>
+            <a:xfrm rot="5400000" flipH="1" flipV="1">
+              <a:off x="951232" y="7396356"/>
+              <a:ext cx="1050688" cy="1292456"/>
+            </a:xfrm>
+            <a:prstGeom prst="bentConnector3">
+              <a:avLst>
+                <a:gd name="adj1" fmla="val 50000"/>
+              </a:avLst>
+            </a:prstGeom>
+            <a:ln>
+              <a:solidFill>
+                <a:schemeClr val="tx1"/>
+              </a:solidFill>
+              <a:tailEnd type="triangle"/>
+            </a:ln>
+          </p:spPr>
+          <p:style>
+            <a:lnRef idx="1">
+              <a:schemeClr val="accent1"/>
+            </a:lnRef>
+            <a:fillRef idx="0">
+              <a:schemeClr val="accent1"/>
+            </a:fillRef>
+            <a:effectRef idx="0">
+              <a:schemeClr val="accent1"/>
+            </a:effectRef>
+            <a:fontRef idx="minor">
+              <a:schemeClr val="tx1"/>
+            </a:fontRef>
+          </p:style>
+        </p:cxnSp>
+        <p:cxnSp>
+          <p:nvCxnSpPr>
+            <p:cNvPr id="67" name="连接符: 肘形 66">
+              <a:extLst>
+                <a:ext uri="{FF2B5EF4-FFF2-40B4-BE49-F238E27FC236}">
+                  <a16:creationId xmlns:a16="http://schemas.microsoft.com/office/drawing/2014/main" id="{E16FE47F-F97B-1D2E-CCD0-D16A7ECDD2BF}"/>
+                </a:ext>
+              </a:extLst>
+            </p:cNvPr>
+            <p:cNvCxnSpPr>
+              <a:cxnSpLocks/>
+              <a:stCxn id="31" idx="0"/>
+              <a:endCxn id="35" idx="2"/>
+            </p:cNvCxnSpPr>
+            <p:nvPr/>
+          </p:nvCxnSpPr>
+          <p:spPr>
+            <a:xfrm rot="16200000" flipV="1">
+              <a:off x="1613851" y="8026194"/>
+              <a:ext cx="1024189" cy="6282"/>
+            </a:xfrm>
+            <a:prstGeom prst="bentConnector3">
+              <a:avLst>
+                <a:gd name="adj1" fmla="val 50000"/>
+              </a:avLst>
+            </a:prstGeom>
+            <a:ln>
+              <a:solidFill>
+                <a:schemeClr val="tx1"/>
+              </a:solidFill>
+              <a:tailEnd type="triangle"/>
+            </a:ln>
+          </p:spPr>
+          <p:style>
+            <a:lnRef idx="1">
+              <a:schemeClr val="accent1"/>
+            </a:lnRef>
+            <a:fillRef idx="0">
+              <a:schemeClr val="accent1"/>
+            </a:fillRef>
+            <a:effectRef idx="0">
+              <a:schemeClr val="accent1"/>
+            </a:effectRef>
+            <a:fontRef idx="minor">
+              <a:schemeClr val="tx1"/>
+            </a:fontRef>
+          </p:style>
+        </p:cxnSp>
+        <p:cxnSp>
+          <p:nvCxnSpPr>
+            <p:cNvPr id="70" name="连接符: 肘形 69">
+              <a:extLst>
+                <a:ext uri="{FF2B5EF4-FFF2-40B4-BE49-F238E27FC236}">
+                  <a16:creationId xmlns:a16="http://schemas.microsoft.com/office/drawing/2014/main" id="{95620EDD-58AD-07A3-4929-4DCB6CB025F5}"/>
+                </a:ext>
+              </a:extLst>
+            </p:cNvPr>
+            <p:cNvCxnSpPr>
+              <a:cxnSpLocks/>
+              <a:stCxn id="33" idx="0"/>
+              <a:endCxn id="35" idx="2"/>
+            </p:cNvCxnSpPr>
+            <p:nvPr/>
+          </p:nvCxnSpPr>
+          <p:spPr>
+            <a:xfrm rot="16200000" flipV="1">
+              <a:off x="3286424" y="6353621"/>
+              <a:ext cx="672389" cy="2999628"/>
+            </a:xfrm>
+            <a:prstGeom prst="bentConnector3">
+              <a:avLst>
+                <a:gd name="adj1" fmla="val 50000"/>
+              </a:avLst>
+            </a:prstGeom>
+            <a:ln>
+              <a:solidFill>
+                <a:schemeClr val="tx1"/>
+              </a:solidFill>
+              <a:tailEnd type="triangle"/>
+            </a:ln>
+          </p:spPr>
+          <p:style>
+            <a:lnRef idx="1">
+              <a:schemeClr val="accent1"/>
+            </a:lnRef>
+            <a:fillRef idx="0">
+              <a:schemeClr val="accent1"/>
+            </a:fillRef>
+            <a:effectRef idx="0">
+              <a:schemeClr val="accent1"/>
+            </a:effectRef>
+            <a:fontRef idx="minor">
+              <a:schemeClr val="tx1"/>
+            </a:fontRef>
+          </p:style>
+        </p:cxnSp>
+        <p:sp>
+          <p:nvSpPr>
+            <p:cNvPr id="74" name="文本框 73">
+              <a:extLst>
+                <a:ext uri="{FF2B5EF4-FFF2-40B4-BE49-F238E27FC236}">
+                  <a16:creationId xmlns:a16="http://schemas.microsoft.com/office/drawing/2014/main" id="{BAA16190-5A32-0691-E03D-38D8FB120A10}"/>
+                </a:ext>
+              </a:extLst>
+            </p:cNvPr>
+            <p:cNvSpPr txBox="1"/>
+            <p:nvPr/>
+          </p:nvSpPr>
+          <p:spPr>
+            <a:xfrm>
+              <a:off x="3740545" y="5013535"/>
+              <a:ext cx="914400" cy="253916"/>
+            </a:xfrm>
+            <a:prstGeom prst="rect">
+              <a:avLst/>
+            </a:prstGeom>
+            <a:noFill/>
+          </p:spPr>
+          <p:txBody>
+            <a:bodyPr wrap="square" rtlCol="0">
+              <a:spAutoFit/>
+            </a:bodyPr>
+            <a:lstStyle/>
+            <a:p>
+              <a:r>
+                <a:rPr lang="en-US" altLang="zh-CN" sz="1050" dirty="0"/>
+                <a:t>Model Server </a:t>
+              </a:r>
+              <a:endParaRPr lang="zh-CN" altLang="en-US" sz="1050" dirty="0"/>
+            </a:p>
+          </p:txBody>
+        </p:sp>
+        <p:sp>
+          <p:nvSpPr>
+            <p:cNvPr id="77" name="文本框 76">
+              <a:extLst>
+                <a:ext uri="{FF2B5EF4-FFF2-40B4-BE49-F238E27FC236}">
+                  <a16:creationId xmlns:a16="http://schemas.microsoft.com/office/drawing/2014/main" id="{8C026FC3-425B-BF6E-1B1A-D951EDF7C564}"/>
+                </a:ext>
+              </a:extLst>
+            </p:cNvPr>
+            <p:cNvSpPr txBox="1"/>
+            <p:nvPr/>
+          </p:nvSpPr>
+          <p:spPr>
+            <a:xfrm>
+              <a:off x="923376" y="6851219"/>
+              <a:ext cx="914400" cy="253916"/>
+            </a:xfrm>
+            <a:prstGeom prst="rect">
+              <a:avLst/>
+            </a:prstGeom>
+            <a:noFill/>
+          </p:spPr>
+          <p:txBody>
+            <a:bodyPr wrap="square" rtlCol="0">
+              <a:spAutoFit/>
+            </a:bodyPr>
+            <a:lstStyle/>
+            <a:p>
+              <a:r>
+                <a:rPr lang="en-US" altLang="zh-CN" sz="1050" dirty="0"/>
+                <a:t>Web Server </a:t>
+              </a:r>
+              <a:endParaRPr lang="zh-CN" altLang="en-US" sz="1050" dirty="0"/>
+            </a:p>
+          </p:txBody>
+        </p:sp>
+        <p:sp>
+          <p:nvSpPr>
+            <p:cNvPr id="78" name="思想气泡: 云 77">
+              <a:extLst>
+                <a:ext uri="{FF2B5EF4-FFF2-40B4-BE49-F238E27FC236}">
+                  <a16:creationId xmlns:a16="http://schemas.microsoft.com/office/drawing/2014/main" id="{5615681C-2A76-A225-38DB-AE1468A3C857}"/>
+                </a:ext>
+              </a:extLst>
+            </p:cNvPr>
+            <p:cNvSpPr/>
+            <p:nvPr/>
+          </p:nvSpPr>
+          <p:spPr>
+            <a:xfrm>
+              <a:off x="-119536" y="3150626"/>
+              <a:ext cx="6093641" cy="4580777"/>
+            </a:xfrm>
+            <a:prstGeom prst="cloudCallout">
+              <a:avLst>
+                <a:gd name="adj1" fmla="val 45765"/>
+                <a:gd name="adj2" fmla="val 17380"/>
+              </a:avLst>
+            </a:prstGeom>
+            <a:noFill/>
+          </p:spPr>
+          <p:style>
+            <a:lnRef idx="2">
+              <a:schemeClr val="accent1">
+                <a:shade val="50000"/>
+              </a:schemeClr>
+            </a:lnRef>
+            <a:fillRef idx="1">
+              <a:schemeClr val="accent1"/>
+            </a:fillRef>
+            <a:effectRef idx="0">
+              <a:schemeClr val="accent1"/>
+            </a:effectRef>
+            <a:fontRef idx="minor">
+              <a:schemeClr val="lt1"/>
+            </a:fontRef>
+          </p:style>
+          <p:txBody>
+            <a:bodyPr rtlCol="0" anchor="ctr"/>
+            <a:lstStyle/>
+            <a:p>
+              <a:pPr algn="ctr"/>
+              <a:endParaRPr lang="zh-CN" altLang="en-US"/>
+            </a:p>
+          </p:txBody>
+        </p:sp>
+        <p:sp>
+          <p:nvSpPr>
+            <p:cNvPr id="80" name="文本框 79">
+              <a:extLst>
+                <a:ext uri="{FF2B5EF4-FFF2-40B4-BE49-F238E27FC236}">
+                  <a16:creationId xmlns:a16="http://schemas.microsoft.com/office/drawing/2014/main" id="{A42851AA-4FA7-751D-FC87-D10AC2B838DA}"/>
+                </a:ext>
+              </a:extLst>
+            </p:cNvPr>
+            <p:cNvSpPr txBox="1"/>
+            <p:nvPr/>
+          </p:nvSpPr>
+          <p:spPr>
+            <a:xfrm>
+              <a:off x="442166" y="9390831"/>
+              <a:ext cx="914400" cy="253916"/>
+            </a:xfrm>
+            <a:prstGeom prst="rect">
+              <a:avLst/>
+            </a:prstGeom>
+            <a:noFill/>
+          </p:spPr>
+          <p:txBody>
+            <a:bodyPr wrap="square" rtlCol="0">
+              <a:spAutoFit/>
+            </a:bodyPr>
+            <a:lstStyle/>
+            <a:p>
+              <a:r>
+                <a:rPr lang="en-US" altLang="zh-CN" sz="1050" dirty="0"/>
+                <a:t>App Client</a:t>
+              </a:r>
+              <a:endParaRPr lang="zh-CN" altLang="en-US" sz="1050" dirty="0"/>
+            </a:p>
+          </p:txBody>
+        </p:sp>
+        <p:sp>
+          <p:nvSpPr>
+            <p:cNvPr id="85" name="文本框 84">
+              <a:extLst>
+                <a:ext uri="{FF2B5EF4-FFF2-40B4-BE49-F238E27FC236}">
+                  <a16:creationId xmlns:a16="http://schemas.microsoft.com/office/drawing/2014/main" id="{53B7AD5D-710B-02B9-9F8F-7DC59B8E5322}"/>
+                </a:ext>
+              </a:extLst>
+            </p:cNvPr>
+            <p:cNvSpPr txBox="1"/>
+            <p:nvPr/>
+          </p:nvSpPr>
+          <p:spPr>
+            <a:xfrm>
+              <a:off x="1739906" y="9390647"/>
+              <a:ext cx="996821" cy="253916"/>
+            </a:xfrm>
+            <a:prstGeom prst="rect">
+              <a:avLst/>
+            </a:prstGeom>
+            <a:noFill/>
+          </p:spPr>
+          <p:txBody>
+            <a:bodyPr wrap="square" rtlCol="0">
+              <a:spAutoFit/>
+            </a:bodyPr>
+            <a:lstStyle/>
+            <a:p>
+              <a:r>
+                <a:rPr lang="en-US" altLang="zh-CN" sz="1050" dirty="0"/>
+                <a:t>Browser Client</a:t>
+              </a:r>
+              <a:endParaRPr lang="zh-CN" altLang="en-US" sz="1050" dirty="0"/>
+            </a:p>
+          </p:txBody>
+        </p:sp>
+        <p:sp>
+          <p:nvSpPr>
+            <p:cNvPr id="86" name="文本框 85">
+              <a:extLst>
+                <a:ext uri="{FF2B5EF4-FFF2-40B4-BE49-F238E27FC236}">
+                  <a16:creationId xmlns:a16="http://schemas.microsoft.com/office/drawing/2014/main" id="{74993694-C7E1-7E1F-FA4D-1320A047B7D6}"/>
+                </a:ext>
+              </a:extLst>
+            </p:cNvPr>
+            <p:cNvSpPr txBox="1"/>
+            <p:nvPr/>
+          </p:nvSpPr>
+          <p:spPr>
+            <a:xfrm>
+              <a:off x="4629320" y="8914649"/>
+              <a:ext cx="996821" cy="415498"/>
+            </a:xfrm>
+            <a:prstGeom prst="rect">
+              <a:avLst/>
+            </a:prstGeom>
+            <a:noFill/>
+          </p:spPr>
+          <p:txBody>
+            <a:bodyPr wrap="square" rtlCol="0">
+              <a:spAutoFit/>
+            </a:bodyPr>
+            <a:lstStyle/>
+            <a:p>
+              <a:r>
+                <a:rPr lang="en-US" altLang="zh-CN" sz="1050" dirty="0"/>
+                <a:t>Manager Client</a:t>
+              </a:r>
+              <a:endParaRPr lang="zh-CN" altLang="en-US" sz="1050" dirty="0"/>
+            </a:p>
+          </p:txBody>
+        </p:sp>
+        <p:cxnSp>
+          <p:nvCxnSpPr>
+            <p:cNvPr id="87" name="连接符: 肘形 86">
+              <a:extLst>
+                <a:ext uri="{FF2B5EF4-FFF2-40B4-BE49-F238E27FC236}">
+                  <a16:creationId xmlns:a16="http://schemas.microsoft.com/office/drawing/2014/main" id="{54E14D54-921D-D54D-1930-CC94270D43A4}"/>
+                </a:ext>
+              </a:extLst>
+            </p:cNvPr>
+            <p:cNvCxnSpPr>
+              <a:cxnSpLocks/>
+              <a:stCxn id="33" idx="3"/>
+              <a:endCxn id="2" idx="1"/>
+            </p:cNvCxnSpPr>
+            <p:nvPr/>
+          </p:nvCxnSpPr>
+          <p:spPr>
+            <a:xfrm flipH="1" flipV="1">
+              <a:off x="3666243" y="5674002"/>
+              <a:ext cx="1913389" cy="2972827"/>
+            </a:xfrm>
+            <a:prstGeom prst="bentConnector5">
+              <a:avLst>
+                <a:gd name="adj1" fmla="val -11947"/>
+                <a:gd name="adj2" fmla="val 50000"/>
+                <a:gd name="adj3" fmla="val 112744"/>
+              </a:avLst>
+            </a:prstGeom>
+            <a:ln>
+              <a:solidFill>
+                <a:schemeClr val="tx1"/>
+              </a:solidFill>
+              <a:tailEnd type="triangle"/>
+            </a:ln>
+          </p:spPr>
+          <p:style>
+            <a:lnRef idx="1">
+              <a:schemeClr val="accent1"/>
+            </a:lnRef>
+            <a:fillRef idx="0">
+              <a:schemeClr val="accent1"/>
+            </a:fillRef>
+            <a:effectRef idx="0">
+              <a:schemeClr val="accent1"/>
+            </a:effectRef>
+            <a:fontRef idx="minor">
+              <a:schemeClr val="tx1"/>
+            </a:fontRef>
+          </p:style>
+        </p:cxnSp>
+        <p:cxnSp>
+          <p:nvCxnSpPr>
+            <p:cNvPr id="91" name="连接符: 肘形 90">
+              <a:extLst>
+                <a:ext uri="{FF2B5EF4-FFF2-40B4-BE49-F238E27FC236}">
+                  <a16:creationId xmlns:a16="http://schemas.microsoft.com/office/drawing/2014/main" id="{9402203D-8115-675D-BCAC-35DAA5D52C59}"/>
+                </a:ext>
+              </a:extLst>
+            </p:cNvPr>
+            <p:cNvCxnSpPr>
+              <a:cxnSpLocks/>
+              <a:stCxn id="33" idx="1"/>
+              <a:endCxn id="37" idx="3"/>
+            </p:cNvCxnSpPr>
+            <p:nvPr/>
+          </p:nvCxnSpPr>
+          <p:spPr>
+            <a:xfrm rot="10800000">
+              <a:off x="2197108" y="5670525"/>
+              <a:ext cx="2468125" cy="2976305"/>
+            </a:xfrm>
+            <a:prstGeom prst="bentConnector3">
+              <a:avLst>
+                <a:gd name="adj1" fmla="val 50000"/>
+              </a:avLst>
+            </a:prstGeom>
+            <a:ln>
+              <a:solidFill>
+                <a:schemeClr val="tx1"/>
+              </a:solidFill>
+              <a:tailEnd type="triangle"/>
+            </a:ln>
+          </p:spPr>
+          <p:style>
+            <a:lnRef idx="1">
+              <a:schemeClr val="accent1"/>
+            </a:lnRef>
+            <a:fillRef idx="0">
+              <a:schemeClr val="accent1"/>
+            </a:fillRef>
+            <a:effectRef idx="0">
+              <a:schemeClr val="accent1"/>
+            </a:effectRef>
+            <a:fontRef idx="minor">
+              <a:schemeClr val="tx1"/>
+            </a:fontRef>
+          </p:style>
+        </p:cxnSp>
+        <p:sp>
+          <p:nvSpPr>
+            <p:cNvPr id="96" name="文本框 95">
+              <a:extLst>
+                <a:ext uri="{FF2B5EF4-FFF2-40B4-BE49-F238E27FC236}">
+                  <a16:creationId xmlns:a16="http://schemas.microsoft.com/office/drawing/2014/main" id="{FA11FC12-E997-0D4B-2CB8-D33F5448CC9C}"/>
+                </a:ext>
+              </a:extLst>
+            </p:cNvPr>
+            <p:cNvSpPr txBox="1"/>
+            <p:nvPr/>
+          </p:nvSpPr>
+          <p:spPr>
+            <a:xfrm>
+              <a:off x="3733337" y="7459778"/>
+              <a:ext cx="1495940" cy="253916"/>
+            </a:xfrm>
+            <a:prstGeom prst="rect">
+              <a:avLst/>
+            </a:prstGeom>
+            <a:noFill/>
+          </p:spPr>
+          <p:txBody>
+            <a:bodyPr wrap="square" rtlCol="0">
+              <a:spAutoFit/>
+            </a:bodyPr>
+            <a:lstStyle/>
+            <a:p>
+              <a:r>
+                <a:rPr lang="en-US" altLang="zh-CN" sz="1050" dirty="0">
+                  <a:solidFill>
+                    <a:srgbClr val="FF0000"/>
+                  </a:solidFill>
+                  <a:latin typeface="Times New Roman" panose="02020603050405020304" pitchFamily="18" charset="0"/>
+                  <a:cs typeface="Times New Roman" panose="02020603050405020304" pitchFamily="18" charset="0"/>
+                </a:rPr>
+                <a:t>Shell(</a:t>
+              </a:r>
+              <a:r>
+                <a:rPr lang="en-US" altLang="zh-CN" sz="1050" dirty="0" err="1">
+                  <a:solidFill>
+                    <a:srgbClr val="FF0000"/>
+                  </a:solidFill>
+                  <a:latin typeface="Times New Roman" panose="02020603050405020304" pitchFamily="18" charset="0"/>
+                  <a:cs typeface="Times New Roman" panose="02020603050405020304" pitchFamily="18" charset="0"/>
+                </a:rPr>
+                <a:t>ssh</a:t>
+              </a:r>
+              <a:r>
+                <a:rPr lang="en-US" altLang="zh-CN" sz="1050" dirty="0">
+                  <a:solidFill>
+                    <a:srgbClr val="FF0000"/>
+                  </a:solidFill>
+                  <a:latin typeface="Times New Roman" panose="02020603050405020304" pitchFamily="18" charset="0"/>
+                  <a:cs typeface="Times New Roman" panose="02020603050405020304" pitchFamily="18" charset="0"/>
+                </a:rPr>
+                <a:t>\</a:t>
+              </a:r>
+              <a:r>
+                <a:rPr lang="en-US" altLang="zh-CN" sz="1050" dirty="0" err="1">
+                  <a:solidFill>
+                    <a:srgbClr val="FF0000"/>
+                  </a:solidFill>
+                  <a:latin typeface="Times New Roman" panose="02020603050405020304" pitchFamily="18" charset="0"/>
+                  <a:cs typeface="Times New Roman" panose="02020603050405020304" pitchFamily="18" charset="0"/>
+                </a:rPr>
+                <a:t>rsh</a:t>
+              </a:r>
+              <a:r>
+                <a:rPr lang="en-US" altLang="zh-CN" sz="1050" dirty="0">
+                  <a:solidFill>
+                    <a:srgbClr val="FF0000"/>
+                  </a:solidFill>
+                  <a:latin typeface="Times New Roman" panose="02020603050405020304" pitchFamily="18" charset="0"/>
+                  <a:cs typeface="Times New Roman" panose="02020603050405020304" pitchFamily="18" charset="0"/>
+                </a:rPr>
+                <a:t>),ftp</a:t>
+              </a:r>
+              <a:endParaRPr lang="zh-CN" altLang="en-US" sz="1050" dirty="0">
                 <a:solidFill>
                   <a:srgbClr val="FF0000"/>
                 </a:solidFill>
                 <a:latin typeface="Times New Roman" panose="02020603050405020304" pitchFamily="18" charset="0"/>
                 <a:cs typeface="Times New Roman" panose="02020603050405020304" pitchFamily="18" charset="0"/>
-              </a:rPr>
-              <a:t>Shell(</a:t>
-            </a:r>
-            <a:r>
-              <a:rPr lang="en-US" altLang="zh-CN" sz="1050" dirty="0" err="1">
+              </a:endParaRPr>
+            </a:p>
+          </p:txBody>
+        </p:sp>
+        <p:sp>
+          <p:nvSpPr>
+            <p:cNvPr id="97" name="文本框 96">
+              <a:extLst>
+                <a:ext uri="{FF2B5EF4-FFF2-40B4-BE49-F238E27FC236}">
+                  <a16:creationId xmlns:a16="http://schemas.microsoft.com/office/drawing/2014/main" id="{271E1491-CE0A-F569-5806-52FD360A6181}"/>
+                </a:ext>
+              </a:extLst>
+            </p:cNvPr>
+            <p:cNvSpPr txBox="1"/>
+            <p:nvPr/>
+          </p:nvSpPr>
+          <p:spPr>
+            <a:xfrm>
+              <a:off x="1099106" y="8075921"/>
+              <a:ext cx="1495940" cy="253916"/>
+            </a:xfrm>
+            <a:prstGeom prst="rect">
+              <a:avLst/>
+            </a:prstGeom>
+            <a:noFill/>
+          </p:spPr>
+          <p:txBody>
+            <a:bodyPr wrap="square" rtlCol="0">
+              <a:spAutoFit/>
+            </a:bodyPr>
+            <a:lstStyle/>
+            <a:p>
+              <a:r>
+                <a:rPr lang="en-US" altLang="zh-CN" sz="1050" dirty="0">
+                  <a:solidFill>
+                    <a:srgbClr val="FF0000"/>
+                  </a:solidFill>
+                  <a:latin typeface="Times New Roman" panose="02020603050405020304" pitchFamily="18" charset="0"/>
+                  <a:cs typeface="Times New Roman" panose="02020603050405020304" pitchFamily="18" charset="0"/>
+                </a:rPr>
+                <a:t>nginx</a:t>
+              </a:r>
+              <a:endParaRPr lang="zh-CN" altLang="en-US" sz="1050" dirty="0">
                 <a:solidFill>
                   <a:srgbClr val="FF0000"/>
                 </a:solidFill>
                 <a:latin typeface="Times New Roman" panose="02020603050405020304" pitchFamily="18" charset="0"/>
                 <a:cs typeface="Times New Roman" panose="02020603050405020304" pitchFamily="18" charset="0"/>
-              </a:rPr>
-              <a:t>ssh</a:t>
-            </a:r>
-            <a:r>
-              <a:rPr lang="en-US" altLang="zh-CN" sz="1050" dirty="0">
+              </a:endParaRPr>
+            </a:p>
+          </p:txBody>
+        </p:sp>
+        <p:sp>
+          <p:nvSpPr>
+            <p:cNvPr id="98" name="文本框 97">
+              <a:extLst>
+                <a:ext uri="{FF2B5EF4-FFF2-40B4-BE49-F238E27FC236}">
+                  <a16:creationId xmlns:a16="http://schemas.microsoft.com/office/drawing/2014/main" id="{84232BC8-2ECF-FC4E-3889-052FC3C21580}"/>
+                </a:ext>
+              </a:extLst>
+            </p:cNvPr>
+            <p:cNvSpPr txBox="1"/>
+            <p:nvPr/>
+          </p:nvSpPr>
+          <p:spPr>
+            <a:xfrm>
+              <a:off x="1546856" y="7565254"/>
+              <a:ext cx="741687" cy="253916"/>
+            </a:xfrm>
+            <a:prstGeom prst="rect">
+              <a:avLst/>
+            </a:prstGeom>
+            <a:noFill/>
+          </p:spPr>
+          <p:txBody>
+            <a:bodyPr wrap="square" rtlCol="0">
+              <a:spAutoFit/>
+            </a:bodyPr>
+            <a:lstStyle/>
+            <a:p>
+              <a:r>
+                <a:rPr lang="en-US" altLang="zh-CN" sz="1050" dirty="0" err="1">
+                  <a:solidFill>
+                    <a:srgbClr val="FF0000"/>
+                  </a:solidFill>
+                  <a:latin typeface="Times New Roman" panose="02020603050405020304" pitchFamily="18" charset="0"/>
+                  <a:cs typeface="Times New Roman" panose="02020603050405020304" pitchFamily="18" charset="0"/>
+                </a:rPr>
+                <a:t>axios</a:t>
+              </a:r>
+              <a:endParaRPr lang="zh-CN" altLang="en-US" sz="1050" dirty="0">
                 <a:solidFill>
                   <a:srgbClr val="FF0000"/>
                 </a:solidFill>
                 <a:latin typeface="Times New Roman" panose="02020603050405020304" pitchFamily="18" charset="0"/>
                 <a:cs typeface="Times New Roman" panose="02020603050405020304" pitchFamily="18" charset="0"/>
-              </a:rPr>
-              <a:t>\</a:t>
-            </a:r>
-            <a:r>
-              <a:rPr lang="en-US" altLang="zh-CN" sz="1050" dirty="0" err="1">
+              </a:endParaRPr>
+            </a:p>
+          </p:txBody>
+        </p:sp>
+        <p:sp>
+          <p:nvSpPr>
+            <p:cNvPr id="99" name="文本框 98">
+              <a:extLst>
+                <a:ext uri="{FF2B5EF4-FFF2-40B4-BE49-F238E27FC236}">
+                  <a16:creationId xmlns:a16="http://schemas.microsoft.com/office/drawing/2014/main" id="{5630C3E2-0E00-BCF2-1546-99F47862DB6A}"/>
+                </a:ext>
+              </a:extLst>
+            </p:cNvPr>
+            <p:cNvSpPr txBox="1"/>
+            <p:nvPr/>
+          </p:nvSpPr>
+          <p:spPr>
+            <a:xfrm>
+              <a:off x="1435735" y="6103974"/>
+              <a:ext cx="1495940" cy="253916"/>
+            </a:xfrm>
+            <a:prstGeom prst="rect">
+              <a:avLst/>
+            </a:prstGeom>
+            <a:noFill/>
+          </p:spPr>
+          <p:txBody>
+            <a:bodyPr wrap="square" rtlCol="0">
+              <a:spAutoFit/>
+            </a:bodyPr>
+            <a:lstStyle/>
+            <a:p>
+              <a:r>
+                <a:rPr lang="en-US" altLang="zh-CN" sz="1050" dirty="0">
+                  <a:solidFill>
+                    <a:srgbClr val="FF0000"/>
+                  </a:solidFill>
+                  <a:latin typeface="Times New Roman" panose="02020603050405020304" pitchFamily="18" charset="0"/>
+                  <a:cs typeface="Times New Roman" panose="02020603050405020304" pitchFamily="18" charset="0"/>
+                </a:rPr>
+                <a:t>TCP/IP</a:t>
+              </a:r>
+              <a:endParaRPr lang="zh-CN" altLang="en-US" sz="1050" dirty="0">
                 <a:solidFill>
                   <a:srgbClr val="FF0000"/>
                 </a:solidFill>
                 <a:latin typeface="Times New Roman" panose="02020603050405020304" pitchFamily="18" charset="0"/>
                 <a:cs typeface="Times New Roman" panose="02020603050405020304" pitchFamily="18" charset="0"/>
-              </a:rPr>
-              <a:t>rsh</a:t>
-            </a:r>
-            <a:r>
-              <a:rPr lang="en-US" altLang="zh-CN" sz="1050" dirty="0">
+              </a:endParaRPr>
+            </a:p>
+          </p:txBody>
+        </p:sp>
+        <p:sp>
+          <p:nvSpPr>
+            <p:cNvPr id="8" name="文本框 7">
+              <a:extLst>
+                <a:ext uri="{FF2B5EF4-FFF2-40B4-BE49-F238E27FC236}">
+                  <a16:creationId xmlns:a16="http://schemas.microsoft.com/office/drawing/2014/main" id="{EDC5B756-14FE-D8F8-5404-B0D8F66C97A9}"/>
+                </a:ext>
+              </a:extLst>
+            </p:cNvPr>
+            <p:cNvSpPr txBox="1"/>
+            <p:nvPr/>
+          </p:nvSpPr>
+          <p:spPr>
+            <a:xfrm>
+              <a:off x="3383387" y="4955421"/>
+              <a:ext cx="1495940" cy="253916"/>
+            </a:xfrm>
+            <a:prstGeom prst="rect">
+              <a:avLst/>
+            </a:prstGeom>
+            <a:noFill/>
+          </p:spPr>
+          <p:txBody>
+            <a:bodyPr wrap="square" rtlCol="0">
+              <a:spAutoFit/>
+            </a:bodyPr>
+            <a:lstStyle/>
+            <a:p>
+              <a:r>
+                <a:rPr lang="en-US" altLang="zh-CN" sz="1050" dirty="0">
+                  <a:solidFill>
+                    <a:srgbClr val="FF0000"/>
+                  </a:solidFill>
+                  <a:latin typeface="Times New Roman" panose="02020603050405020304" pitchFamily="18" charset="0"/>
+                  <a:cs typeface="Times New Roman" panose="02020603050405020304" pitchFamily="18" charset="0"/>
+                </a:rPr>
+                <a:t>f2p</a:t>
+              </a:r>
+              <a:endParaRPr lang="zh-CN" altLang="en-US" sz="1050" dirty="0">
                 <a:solidFill>
                   <a:srgbClr val="FF0000"/>
                 </a:solidFill>
                 <a:latin typeface="Times New Roman" panose="02020603050405020304" pitchFamily="18" charset="0"/>
                 <a:cs typeface="Times New Roman" panose="02020603050405020304" pitchFamily="18" charset="0"/>
-              </a:rPr>
-              <a:t>),</a:t>
-            </a:r>
-            <a:r>
-              <a:rPr lang="en-US" altLang="zh-CN" sz="1050" dirty="0" err="1">
-                <a:solidFill>
-                  <a:srgbClr val="FF0000"/>
-                </a:solidFill>
-                <a:latin typeface="Times New Roman" panose="02020603050405020304" pitchFamily="18" charset="0"/>
-                <a:cs typeface="Times New Roman" panose="02020603050405020304" pitchFamily="18" charset="0"/>
-              </a:rPr>
-              <a:t>ftp,NFS</a:t>
-            </a:r>
-            <a:endParaRPr lang="zh-CN" altLang="en-US" sz="1050" dirty="0">
+              </a:endParaRPr>
+            </a:p>
+          </p:txBody>
+        </p:sp>
+        <p:pic>
+          <p:nvPicPr>
+            <p:cNvPr id="12" name="图形 11" descr="服务器 轮廓">
+              <a:extLst>
+                <a:ext uri="{FF2B5EF4-FFF2-40B4-BE49-F238E27FC236}">
+                  <a16:creationId xmlns:a16="http://schemas.microsoft.com/office/drawing/2014/main" id="{C50E9473-F36C-4285-8006-F309BA3FAC71}"/>
+                </a:ext>
+              </a:extLst>
+            </p:cNvPr>
+            <p:cNvPicPr>
+              <a:picLocks noChangeAspect="1"/>
+            </p:cNvPicPr>
+            <p:nvPr/>
+          </p:nvPicPr>
+          <p:blipFill>
+            <a:blip r:embed="rId8">
+              <a:extLst>
+                <a:ext uri="{28A0092B-C50C-407E-A947-70E740481C1C}">
+                  <a14:useLocalDpi xmlns:a14="http://schemas.microsoft.com/office/drawing/2010/main" val="0"/>
+                </a:ext>
+                <a:ext uri="{96DAC541-7B7A-43D3-8B79-37D633B846F1}">
+                  <asvg:svgBlip xmlns:asvg="http://schemas.microsoft.com/office/drawing/2016/SVG/main" r:embed="rId9"/>
+                </a:ext>
+              </a:extLst>
+            </a:blip>
+            <a:stretch>
+              <a:fillRect/>
+            </a:stretch>
+          </p:blipFill>
+          <p:spPr>
+            <a:xfrm>
+              <a:off x="2748667" y="4076651"/>
+              <a:ext cx="914400" cy="914400"/>
+            </a:xfrm>
+            <a:prstGeom prst="rect">
+              <a:avLst/>
+            </a:prstGeom>
+          </p:spPr>
+        </p:pic>
+        <p:cxnSp>
+          <p:nvCxnSpPr>
+            <p:cNvPr id="13" name="连接符: 肘形 12">
+              <a:extLst>
+                <a:ext uri="{FF2B5EF4-FFF2-40B4-BE49-F238E27FC236}">
+                  <a16:creationId xmlns:a16="http://schemas.microsoft.com/office/drawing/2014/main" id="{3CCF245D-F637-9BAC-73C7-7A250F53EE34}"/>
+                </a:ext>
+              </a:extLst>
+            </p:cNvPr>
+            <p:cNvCxnSpPr>
+              <a:cxnSpLocks/>
+            </p:cNvCxnSpPr>
+            <p:nvPr/>
+          </p:nvCxnSpPr>
+          <p:spPr>
+            <a:xfrm rot="16200000" flipV="1">
+              <a:off x="3296694" y="5037472"/>
+              <a:ext cx="414136" cy="311570"/>
+            </a:xfrm>
+            <a:prstGeom prst="bentConnector3">
+              <a:avLst>
+                <a:gd name="adj1" fmla="val 50000"/>
+              </a:avLst>
+            </a:prstGeom>
+            <a:ln>
               <a:solidFill>
-                <a:srgbClr val="FF0000"/>
+                <a:schemeClr val="tx1"/>
               </a:solidFill>
-              <a:latin typeface="Times New Roman" panose="02020603050405020304" pitchFamily="18" charset="0"/>
-              <a:cs typeface="Times New Roman" panose="02020603050405020304" pitchFamily="18" charset="0"/>
-            </a:endParaRPr>
-          </a:p>
-        </p:txBody>
-      </p:sp>
-      <p:sp>
-        <p:nvSpPr>
-          <p:cNvPr id="97" name="文本框 96">
-            <a:extLst>
-              <a:ext uri="{FF2B5EF4-FFF2-40B4-BE49-F238E27FC236}">
-                <a16:creationId xmlns:a16="http://schemas.microsoft.com/office/drawing/2014/main" id="{271E1491-CE0A-F569-5806-52FD360A6181}"/>
-              </a:ext>
-            </a:extLst>
-          </p:cNvPr>
-          <p:cNvSpPr txBox="1"/>
-          <p:nvPr/>
-        </p:nvSpPr>
-        <p:spPr>
-          <a:xfrm>
-            <a:off x="1099106" y="8075921"/>
-            <a:ext cx="1495940" cy="253916"/>
-          </a:xfrm>
-          <a:prstGeom prst="rect">
-            <a:avLst/>
-          </a:prstGeom>
-          <a:noFill/>
-        </p:spPr>
-        <p:txBody>
-          <a:bodyPr wrap="square" rtlCol="0">
-            <a:spAutoFit/>
-          </a:bodyPr>
-          <a:lstStyle/>
-          <a:p>
-            <a:r>
-              <a:rPr lang="en-US" altLang="zh-CN" sz="1050" dirty="0">
-                <a:solidFill>
-                  <a:srgbClr val="FF0000"/>
-                </a:solidFill>
-                <a:latin typeface="Times New Roman" panose="02020603050405020304" pitchFamily="18" charset="0"/>
-                <a:cs typeface="Times New Roman" panose="02020603050405020304" pitchFamily="18" charset="0"/>
-              </a:rPr>
-              <a:t>nginx</a:t>
-            </a:r>
-            <a:endParaRPr lang="zh-CN" altLang="en-US" sz="1050" dirty="0">
-              <a:solidFill>
-                <a:srgbClr val="FF0000"/>
-              </a:solidFill>
-              <a:latin typeface="Times New Roman" panose="02020603050405020304" pitchFamily="18" charset="0"/>
-              <a:cs typeface="Times New Roman" panose="02020603050405020304" pitchFamily="18" charset="0"/>
-            </a:endParaRPr>
-          </a:p>
-        </p:txBody>
-      </p:sp>
-      <p:sp>
-        <p:nvSpPr>
-          <p:cNvPr id="98" name="文本框 97">
-            <a:extLst>
-              <a:ext uri="{FF2B5EF4-FFF2-40B4-BE49-F238E27FC236}">
-                <a16:creationId xmlns:a16="http://schemas.microsoft.com/office/drawing/2014/main" id="{84232BC8-2ECF-FC4E-3889-052FC3C21580}"/>
-              </a:ext>
-            </a:extLst>
-          </p:cNvPr>
-          <p:cNvSpPr txBox="1"/>
-          <p:nvPr/>
-        </p:nvSpPr>
-        <p:spPr>
-          <a:xfrm>
-            <a:off x="1546856" y="7565254"/>
-            <a:ext cx="741687" cy="253916"/>
-          </a:xfrm>
-          <a:prstGeom prst="rect">
-            <a:avLst/>
-          </a:prstGeom>
-          <a:noFill/>
-        </p:spPr>
-        <p:txBody>
-          <a:bodyPr wrap="square" rtlCol="0">
-            <a:spAutoFit/>
-          </a:bodyPr>
-          <a:lstStyle/>
-          <a:p>
-            <a:r>
-              <a:rPr lang="en-US" altLang="zh-CN" sz="1050" dirty="0" err="1">
-                <a:solidFill>
-                  <a:srgbClr val="FF0000"/>
-                </a:solidFill>
-                <a:latin typeface="Times New Roman" panose="02020603050405020304" pitchFamily="18" charset="0"/>
-                <a:cs typeface="Times New Roman" panose="02020603050405020304" pitchFamily="18" charset="0"/>
-              </a:rPr>
-              <a:t>uWSGI</a:t>
-            </a:r>
-            <a:endParaRPr lang="zh-CN" altLang="en-US" sz="1050" dirty="0">
-              <a:solidFill>
-                <a:srgbClr val="FF0000"/>
-              </a:solidFill>
-              <a:latin typeface="Times New Roman" panose="02020603050405020304" pitchFamily="18" charset="0"/>
-              <a:cs typeface="Times New Roman" panose="02020603050405020304" pitchFamily="18" charset="0"/>
-            </a:endParaRPr>
-          </a:p>
-        </p:txBody>
-      </p:sp>
-      <p:sp>
-        <p:nvSpPr>
-          <p:cNvPr id="99" name="文本框 98">
-            <a:extLst>
-              <a:ext uri="{FF2B5EF4-FFF2-40B4-BE49-F238E27FC236}">
-                <a16:creationId xmlns:a16="http://schemas.microsoft.com/office/drawing/2014/main" id="{5630C3E2-0E00-BCF2-1546-99F47862DB6A}"/>
-              </a:ext>
-            </a:extLst>
-          </p:cNvPr>
-          <p:cNvSpPr txBox="1"/>
-          <p:nvPr/>
-        </p:nvSpPr>
-        <p:spPr>
-          <a:xfrm>
-            <a:off x="1435735" y="6103974"/>
-            <a:ext cx="1495940" cy="253916"/>
-          </a:xfrm>
-          <a:prstGeom prst="rect">
-            <a:avLst/>
-          </a:prstGeom>
-          <a:noFill/>
-        </p:spPr>
-        <p:txBody>
-          <a:bodyPr wrap="square" rtlCol="0">
-            <a:spAutoFit/>
-          </a:bodyPr>
-          <a:lstStyle/>
-          <a:p>
-            <a:r>
-              <a:rPr lang="en-US" altLang="zh-CN" sz="1050" dirty="0">
-                <a:solidFill>
-                  <a:srgbClr val="FF0000"/>
-                </a:solidFill>
-                <a:latin typeface="Times New Roman" panose="02020603050405020304" pitchFamily="18" charset="0"/>
-                <a:cs typeface="Times New Roman" panose="02020603050405020304" pitchFamily="18" charset="0"/>
-              </a:rPr>
-              <a:t>TCP/IP, NFS</a:t>
-            </a:r>
-            <a:endParaRPr lang="zh-CN" altLang="en-US" sz="1050" dirty="0">
-              <a:solidFill>
-                <a:srgbClr val="FF0000"/>
-              </a:solidFill>
-              <a:latin typeface="Times New Roman" panose="02020603050405020304" pitchFamily="18" charset="0"/>
-              <a:cs typeface="Times New Roman" panose="02020603050405020304" pitchFamily="18" charset="0"/>
-            </a:endParaRPr>
-          </a:p>
-        </p:txBody>
-      </p:sp>
+              <a:tailEnd type="triangle"/>
+            </a:ln>
+          </p:spPr>
+          <p:style>
+            <a:lnRef idx="1">
+              <a:schemeClr val="accent1"/>
+            </a:lnRef>
+            <a:fillRef idx="0">
+              <a:schemeClr val="accent1"/>
+            </a:fillRef>
+            <a:effectRef idx="0">
+              <a:schemeClr val="accent1"/>
+            </a:effectRef>
+            <a:fontRef idx="minor">
+              <a:schemeClr val="tx1"/>
+            </a:fontRef>
+          </p:style>
+        </p:cxnSp>
+        <p:sp>
+          <p:nvSpPr>
+            <p:cNvPr id="42" name="文本框 41">
+              <a:extLst>
+                <a:ext uri="{FF2B5EF4-FFF2-40B4-BE49-F238E27FC236}">
+                  <a16:creationId xmlns:a16="http://schemas.microsoft.com/office/drawing/2014/main" id="{9B1D93C2-5F8E-3E6E-FEAF-BFA85AD9ADE0}"/>
+                </a:ext>
+              </a:extLst>
+            </p:cNvPr>
+            <p:cNvSpPr txBox="1"/>
+            <p:nvPr/>
+          </p:nvSpPr>
+          <p:spPr>
+            <a:xfrm>
+              <a:off x="2841926" y="3955263"/>
+              <a:ext cx="914400" cy="253916"/>
+            </a:xfrm>
+            <a:prstGeom prst="rect">
+              <a:avLst/>
+            </a:prstGeom>
+            <a:noFill/>
+          </p:spPr>
+          <p:txBody>
+            <a:bodyPr wrap="square" rtlCol="0">
+              <a:spAutoFit/>
+            </a:bodyPr>
+            <a:lstStyle/>
+            <a:p>
+              <a:r>
+                <a:rPr lang="en-US" altLang="zh-CN" sz="1050" dirty="0"/>
+                <a:t>Public IP</a:t>
+              </a:r>
+              <a:endParaRPr lang="zh-CN" altLang="en-US" sz="1050" dirty="0"/>
+            </a:p>
+          </p:txBody>
+        </p:sp>
+      </p:grpSp>
     </p:spTree>
     <p:extLst>
       <p:ext uri="{BB962C8B-B14F-4D97-AF65-F5344CB8AC3E}">
@@ -9818,7 +9757,7 @@
                       <a:schemeClr val="tx1"/>
                     </a:solidFill>
                   </a:rPr>
-                  <a:t>Synology DiskStation Manager </a:t>
+                  <a:t>Relational Database Service </a:t>
                 </a:r>
                 <a:r>
                   <a:rPr lang="en-US" altLang="zh-CN" sz="1600" dirty="0">
@@ -9826,7 +9765,7 @@
                       <a:schemeClr val="tx1"/>
                     </a:solidFill>
                   </a:rPr>
-                  <a:t>(DSM)</a:t>
+                  <a:t>(RDS)</a:t>
                 </a:r>
               </a:p>
               <a:p>
@@ -9870,7 +9809,7 @@
             <p:spPr>
               <a:xfrm>
                 <a:off x="156646" y="647924"/>
-                <a:ext cx="914400" cy="253916"/>
+                <a:ext cx="914400" cy="415498"/>
               </a:xfrm>
               <a:prstGeom prst="rect">
                 <a:avLst/>
@@ -9885,7 +9824,7 @@
               <a:p>
                 <a:r>
                   <a:rPr lang="en-US" altLang="zh-CN" sz="1050" dirty="0"/>
-                  <a:t>NAS Server</a:t>
+                  <a:t>Database Server</a:t>
                 </a:r>
                 <a:endParaRPr lang="zh-CN" altLang="en-US" sz="1050" dirty="0"/>
               </a:p>
@@ -10465,27 +10404,7 @@
                     <a:latin typeface="Times New Roman" panose="02020603050405020304" pitchFamily="18" charset="0"/>
                     <a:cs typeface="Times New Roman" panose="02020603050405020304" pitchFamily="18" charset="0"/>
                   </a:rPr>
-                  <a:t>TCP/</a:t>
-                </a:r>
-                <a:r>
-                  <a:rPr lang="en-US" altLang="zh-CN" sz="800" dirty="0" err="1">
-                    <a:solidFill>
-                      <a:srgbClr val="FF0000"/>
-                    </a:solidFill>
-                    <a:latin typeface="Times New Roman" panose="02020603050405020304" pitchFamily="18" charset="0"/>
-                    <a:cs typeface="Times New Roman" panose="02020603050405020304" pitchFamily="18" charset="0"/>
-                  </a:rPr>
-                  <a:t>IP:Socket</a:t>
-                </a:r>
-                <a:r>
-                  <a:rPr lang="en-US" altLang="zh-CN" sz="800" dirty="0">
-                    <a:solidFill>
-                      <a:srgbClr val="FF0000"/>
-                    </a:solidFill>
-                    <a:latin typeface="Times New Roman" panose="02020603050405020304" pitchFamily="18" charset="0"/>
-                    <a:cs typeface="Times New Roman" panose="02020603050405020304" pitchFamily="18" charset="0"/>
-                  </a:rPr>
-                  <a:t>, NFS</a:t>
+                  <a:t>TCP/IP</a:t>
                 </a:r>
                 <a:endParaRPr lang="zh-CN" altLang="en-US" sz="800" dirty="0">
                   <a:solidFill>
@@ -10908,7 +10827,7 @@
                     <a:latin typeface="Times New Roman" panose="02020603050405020304" pitchFamily="18" charset="0"/>
                     <a:cs typeface="Times New Roman" panose="02020603050405020304" pitchFamily="18" charset="0"/>
                   </a:rPr>
-                  <a:t>PRC(</a:t>
+                  <a:t>RPC(</a:t>
                 </a:r>
                 <a:r>
                   <a:rPr lang="en-US" altLang="zh-CN" sz="900" dirty="0" err="1">
@@ -14112,6 +14031,4308 @@
     <p:extLst>
       <p:ext uri="{BB962C8B-B14F-4D97-AF65-F5344CB8AC3E}">
         <p14:creationId xmlns:p14="http://schemas.microsoft.com/office/powerpoint/2010/main" val="114314302"/>
+      </p:ext>
+    </p:extLst>
+  </p:cSld>
+  <p:clrMapOvr>
+    <a:masterClrMapping/>
+  </p:clrMapOvr>
+</p:sld>
+</file>
+
+<file path=ppt/slides/slide14.xml><?xml version="1.0" encoding="utf-8"?>
+<p:sld xmlns:a="http://schemas.openxmlformats.org/drawingml/2006/main" xmlns:r="http://schemas.openxmlformats.org/officeDocument/2006/relationships" xmlns:p="http://schemas.openxmlformats.org/presentationml/2006/main">
+  <p:cSld>
+    <p:spTree>
+      <p:nvGrpSpPr>
+        <p:cNvPr id="1" name=""/>
+        <p:cNvGrpSpPr/>
+        <p:nvPr/>
+      </p:nvGrpSpPr>
+      <p:grpSpPr>
+        <a:xfrm>
+          <a:off x="0" y="0"/>
+          <a:ext cx="0" cy="0"/>
+          <a:chOff x="0" y="0"/>
+          <a:chExt cx="0" cy="0"/>
+        </a:xfrm>
+      </p:grpSpPr>
+      <p:grpSp>
+        <p:nvGrpSpPr>
+          <p:cNvPr id="4" name="组合 3">
+            <a:extLst>
+              <a:ext uri="{FF2B5EF4-FFF2-40B4-BE49-F238E27FC236}">
+                <a16:creationId xmlns:a16="http://schemas.microsoft.com/office/drawing/2014/main" id="{20FC9114-5282-EB1A-AC68-8D2D0BB6637F}"/>
+              </a:ext>
+            </a:extLst>
+          </p:cNvPr>
+          <p:cNvGrpSpPr/>
+          <p:nvPr/>
+        </p:nvGrpSpPr>
+        <p:grpSpPr>
+          <a:xfrm>
+            <a:off x="-514009" y="-557240"/>
+            <a:ext cx="7372009" cy="7435753"/>
+            <a:chOff x="-514009" y="-557240"/>
+            <a:chExt cx="7372009" cy="7435753"/>
+          </a:xfrm>
+        </p:grpSpPr>
+        <p:grpSp>
+          <p:nvGrpSpPr>
+            <p:cNvPr id="5" name="组合 4">
+              <a:extLst>
+                <a:ext uri="{FF2B5EF4-FFF2-40B4-BE49-F238E27FC236}">
+                  <a16:creationId xmlns:a16="http://schemas.microsoft.com/office/drawing/2014/main" id="{A5B5BB0C-791C-1447-1C7E-27D608DB9687}"/>
+                </a:ext>
+              </a:extLst>
+            </p:cNvPr>
+            <p:cNvGrpSpPr/>
+            <p:nvPr/>
+          </p:nvGrpSpPr>
+          <p:grpSpPr>
+            <a:xfrm>
+              <a:off x="-514009" y="-557240"/>
+              <a:ext cx="7372009" cy="7435753"/>
+              <a:chOff x="-514009" y="-557240"/>
+              <a:chExt cx="7372009" cy="7435753"/>
+            </a:xfrm>
+          </p:grpSpPr>
+          <p:sp>
+            <p:nvSpPr>
+              <p:cNvPr id="12" name="文本框 11">
+                <a:extLst>
+                  <a:ext uri="{FF2B5EF4-FFF2-40B4-BE49-F238E27FC236}">
+                    <a16:creationId xmlns:a16="http://schemas.microsoft.com/office/drawing/2014/main" id="{318C3275-779F-4F2E-8F0F-91274946A0F8}"/>
+                  </a:ext>
+                </a:extLst>
+              </p:cNvPr>
+              <p:cNvSpPr txBox="1"/>
+              <p:nvPr/>
+            </p:nvSpPr>
+            <p:spPr>
+              <a:xfrm>
+                <a:off x="2025274" y="3599977"/>
+                <a:ext cx="537451" cy="253915"/>
+              </a:xfrm>
+              <a:prstGeom prst="rect">
+                <a:avLst/>
+              </a:prstGeom>
+              <a:noFill/>
+            </p:spPr>
+            <p:txBody>
+              <a:bodyPr wrap="square" rtlCol="0">
+                <a:spAutoFit/>
+              </a:bodyPr>
+              <a:lstStyle/>
+              <a:p>
+                <a:r>
+                  <a:rPr lang="en-US" altLang="zh-CN" sz="1050" dirty="0"/>
+                  <a:t>HTTP</a:t>
+                </a:r>
+                <a:endParaRPr lang="zh-CN" altLang="en-US" sz="1050" dirty="0"/>
+              </a:p>
+            </p:txBody>
+          </p:sp>
+          <p:cxnSp>
+            <p:nvCxnSpPr>
+              <p:cNvPr id="13" name="连接符: 肘形 12">
+                <a:extLst>
+                  <a:ext uri="{FF2B5EF4-FFF2-40B4-BE49-F238E27FC236}">
+                    <a16:creationId xmlns:a16="http://schemas.microsoft.com/office/drawing/2014/main" id="{11EA50B1-DF8B-98A0-0698-BF7852A8DFD1}"/>
+                  </a:ext>
+                </a:extLst>
+              </p:cNvPr>
+              <p:cNvCxnSpPr>
+                <a:cxnSpLocks/>
+                <a:stCxn id="64" idx="1"/>
+                <a:endCxn id="45" idx="2"/>
+              </p:cNvCxnSpPr>
+              <p:nvPr/>
+            </p:nvCxnSpPr>
+            <p:spPr>
+              <a:xfrm rot="5400000" flipH="1" flipV="1">
+                <a:off x="1291079" y="5572172"/>
+                <a:ext cx="748266" cy="272663"/>
+              </a:xfrm>
+              <a:prstGeom prst="bentConnector3">
+                <a:avLst>
+                  <a:gd name="adj1" fmla="val 50000"/>
+                </a:avLst>
+              </a:prstGeom>
+              <a:ln>
+                <a:solidFill>
+                  <a:schemeClr val="tx1"/>
+                </a:solidFill>
+                <a:tailEnd type="triangle"/>
+              </a:ln>
+            </p:spPr>
+            <p:style>
+              <a:lnRef idx="1">
+                <a:schemeClr val="accent1"/>
+              </a:lnRef>
+              <a:fillRef idx="0">
+                <a:schemeClr val="accent1"/>
+              </a:fillRef>
+              <a:effectRef idx="0">
+                <a:schemeClr val="accent1"/>
+              </a:effectRef>
+              <a:fontRef idx="minor">
+                <a:schemeClr val="tx1"/>
+              </a:fontRef>
+            </p:style>
+          </p:cxnSp>
+          <p:sp>
+            <p:nvSpPr>
+              <p:cNvPr id="14" name="文本框 13">
+                <a:extLst>
+                  <a:ext uri="{FF2B5EF4-FFF2-40B4-BE49-F238E27FC236}">
+                    <a16:creationId xmlns:a16="http://schemas.microsoft.com/office/drawing/2014/main" id="{4D839580-F3ED-1B2F-77E6-8428971531CF}"/>
+                  </a:ext>
+                </a:extLst>
+              </p:cNvPr>
+              <p:cNvSpPr txBox="1"/>
+              <p:nvPr/>
+            </p:nvSpPr>
+            <p:spPr>
+              <a:xfrm>
+                <a:off x="1148759" y="6624597"/>
+                <a:ext cx="914400" cy="253916"/>
+              </a:xfrm>
+              <a:prstGeom prst="rect">
+                <a:avLst/>
+              </a:prstGeom>
+              <a:noFill/>
+            </p:spPr>
+            <p:txBody>
+              <a:bodyPr wrap="square" rtlCol="0">
+                <a:spAutoFit/>
+              </a:bodyPr>
+              <a:lstStyle/>
+              <a:p>
+                <a:r>
+                  <a:rPr lang="en-US" altLang="zh-CN" sz="1050" dirty="0"/>
+                  <a:t>Client PC</a:t>
+                </a:r>
+                <a:endParaRPr lang="zh-CN" altLang="en-US" sz="1050" dirty="0"/>
+              </a:p>
+            </p:txBody>
+          </p:sp>
+          <p:sp>
+            <p:nvSpPr>
+              <p:cNvPr id="15" name="思想气泡: 云 14">
+                <a:extLst>
+                  <a:ext uri="{FF2B5EF4-FFF2-40B4-BE49-F238E27FC236}">
+                    <a16:creationId xmlns:a16="http://schemas.microsoft.com/office/drawing/2014/main" id="{152B92D7-9015-B352-780E-00212E65FFF4}"/>
+                  </a:ext>
+                </a:extLst>
+              </p:cNvPr>
+              <p:cNvSpPr/>
+              <p:nvPr/>
+            </p:nvSpPr>
+            <p:spPr>
+              <a:xfrm>
+                <a:off x="-514009" y="-557240"/>
+                <a:ext cx="7372009" cy="4498833"/>
+              </a:xfrm>
+              <a:prstGeom prst="cloudCallout">
+                <a:avLst>
+                  <a:gd name="adj1" fmla="val 45765"/>
+                  <a:gd name="adj2" fmla="val 17380"/>
+                </a:avLst>
+              </a:prstGeom>
+              <a:noFill/>
+            </p:spPr>
+            <p:style>
+              <a:lnRef idx="2">
+                <a:schemeClr val="accent1">
+                  <a:shade val="50000"/>
+                </a:schemeClr>
+              </a:lnRef>
+              <a:fillRef idx="1">
+                <a:schemeClr val="accent1"/>
+              </a:fillRef>
+              <a:effectRef idx="0">
+                <a:schemeClr val="accent1"/>
+              </a:effectRef>
+              <a:fontRef idx="minor">
+                <a:schemeClr val="lt1"/>
+              </a:fontRef>
+            </p:style>
+            <p:txBody>
+              <a:bodyPr rtlCol="0" anchor="ctr"/>
+              <a:lstStyle/>
+              <a:p>
+                <a:pPr algn="ctr"/>
+                <a:endParaRPr lang="zh-CN" altLang="en-US"/>
+              </a:p>
+            </p:txBody>
+          </p:sp>
+          <p:cxnSp>
+            <p:nvCxnSpPr>
+              <p:cNvPr id="16" name="连接符: 肘形 15">
+                <a:extLst>
+                  <a:ext uri="{FF2B5EF4-FFF2-40B4-BE49-F238E27FC236}">
+                    <a16:creationId xmlns:a16="http://schemas.microsoft.com/office/drawing/2014/main" id="{51587A63-9F5C-1FC3-65E5-BEB2510E4279}"/>
+                  </a:ext>
+                </a:extLst>
+              </p:cNvPr>
+              <p:cNvCxnSpPr>
+                <a:cxnSpLocks/>
+                <a:stCxn id="44" idx="0"/>
+              </p:cNvCxnSpPr>
+              <p:nvPr/>
+            </p:nvCxnSpPr>
+            <p:spPr>
+              <a:xfrm rot="5400000" flipH="1" flipV="1">
+                <a:off x="2105873" y="2532216"/>
+                <a:ext cx="947888" cy="1985790"/>
+              </a:xfrm>
+              <a:prstGeom prst="bentConnector3">
+                <a:avLst>
+                  <a:gd name="adj1" fmla="val 20256"/>
+                </a:avLst>
+              </a:prstGeom>
+              <a:ln>
+                <a:solidFill>
+                  <a:schemeClr val="tx1"/>
+                </a:solidFill>
+                <a:tailEnd type="triangle"/>
+              </a:ln>
+            </p:spPr>
+            <p:style>
+              <a:lnRef idx="1">
+                <a:schemeClr val="accent1"/>
+              </a:lnRef>
+              <a:fillRef idx="0">
+                <a:schemeClr val="accent1"/>
+              </a:fillRef>
+              <a:effectRef idx="0">
+                <a:schemeClr val="accent1"/>
+              </a:effectRef>
+              <a:fontRef idx="minor">
+                <a:schemeClr val="tx1"/>
+              </a:fontRef>
+            </p:style>
+          </p:cxnSp>
+          <p:cxnSp>
+            <p:nvCxnSpPr>
+              <p:cNvPr id="17" name="连接符: 肘形 16">
+                <a:extLst>
+                  <a:ext uri="{FF2B5EF4-FFF2-40B4-BE49-F238E27FC236}">
+                    <a16:creationId xmlns:a16="http://schemas.microsoft.com/office/drawing/2014/main" id="{84FC5029-269F-5DD7-5968-071C1EAC9E48}"/>
+                  </a:ext>
+                </a:extLst>
+              </p:cNvPr>
+              <p:cNvCxnSpPr>
+                <a:cxnSpLocks/>
+                <a:stCxn id="26" idx="0"/>
+                <a:endCxn id="20" idx="2"/>
+              </p:cNvCxnSpPr>
+              <p:nvPr/>
+            </p:nvCxnSpPr>
+            <p:spPr>
+              <a:xfrm rot="16200000" flipV="1">
+                <a:off x="2120345" y="756715"/>
+                <a:ext cx="474097" cy="1992385"/>
+              </a:xfrm>
+              <a:prstGeom prst="bentConnector3">
+                <a:avLst>
+                  <a:gd name="adj1" fmla="val 50000"/>
+                </a:avLst>
+              </a:prstGeom>
+              <a:ln>
+                <a:solidFill>
+                  <a:schemeClr val="tx1"/>
+                </a:solidFill>
+                <a:tailEnd type="triangle"/>
+              </a:ln>
+            </p:spPr>
+            <p:style>
+              <a:lnRef idx="1">
+                <a:schemeClr val="accent1"/>
+              </a:lnRef>
+              <a:fillRef idx="0">
+                <a:schemeClr val="accent1"/>
+              </a:fillRef>
+              <a:effectRef idx="0">
+                <a:schemeClr val="accent1"/>
+              </a:effectRef>
+              <a:fontRef idx="minor">
+                <a:schemeClr val="tx1"/>
+              </a:fontRef>
+            </p:style>
+          </p:cxnSp>
+          <p:sp>
+            <p:nvSpPr>
+              <p:cNvPr id="18" name="立方体 17">
+                <a:extLst>
+                  <a:ext uri="{FF2B5EF4-FFF2-40B4-BE49-F238E27FC236}">
+                    <a16:creationId xmlns:a16="http://schemas.microsoft.com/office/drawing/2014/main" id="{EA5A1867-A62A-84B3-E88B-B23E907FFC29}"/>
+                  </a:ext>
+                </a:extLst>
+              </p:cNvPr>
+              <p:cNvSpPr/>
+              <p:nvPr/>
+            </p:nvSpPr>
+            <p:spPr>
+              <a:xfrm>
+                <a:off x="976760" y="294381"/>
+                <a:ext cx="1573125" cy="1345443"/>
+              </a:xfrm>
+              <a:prstGeom prst="cube">
+                <a:avLst>
+                  <a:gd name="adj" fmla="val 14579"/>
+                </a:avLst>
+              </a:prstGeom>
+              <a:noFill/>
+              <a:ln>
+                <a:solidFill>
+                  <a:schemeClr val="tx1"/>
+                </a:solidFill>
+              </a:ln>
+              <a:scene3d>
+                <a:camera prst="orthographicFront"/>
+                <a:lightRig rig="brightRoom" dir="t"/>
+              </a:scene3d>
+              <a:sp3d prstMaterial="matte"/>
+            </p:spPr>
+            <p:style>
+              <a:lnRef idx="2">
+                <a:schemeClr val="accent1">
+                  <a:shade val="50000"/>
+                </a:schemeClr>
+              </a:lnRef>
+              <a:fillRef idx="1">
+                <a:schemeClr val="accent1"/>
+              </a:fillRef>
+              <a:effectRef idx="0">
+                <a:schemeClr val="accent1"/>
+              </a:effectRef>
+              <a:fontRef idx="minor">
+                <a:schemeClr val="lt1"/>
+              </a:fontRef>
+            </p:style>
+            <p:txBody>
+              <a:bodyPr rtlCol="0" anchor="ctr"/>
+              <a:lstStyle/>
+              <a:p>
+                <a:pPr algn="ctr"/>
+                <a:r>
+                  <a:rPr lang="en-US" altLang="zh-CN" sz="800" dirty="0">
+                    <a:solidFill>
+                      <a:schemeClr val="tx1"/>
+                    </a:solidFill>
+                  </a:rPr>
+                  <a:t>Relational Database Service </a:t>
+                </a:r>
+                <a:r>
+                  <a:rPr lang="en-US" altLang="zh-CN" sz="1600" dirty="0">
+                    <a:solidFill>
+                      <a:schemeClr val="tx1"/>
+                    </a:solidFill>
+                  </a:rPr>
+                  <a:t>(RDS)</a:t>
+                </a:r>
+              </a:p>
+              <a:p>
+                <a:pPr algn="ctr"/>
+                <a:endParaRPr lang="en-US" altLang="zh-CN" sz="1600" dirty="0">
+                  <a:solidFill>
+                    <a:schemeClr val="tx1"/>
+                  </a:solidFill>
+                </a:endParaRPr>
+              </a:p>
+              <a:p>
+                <a:pPr algn="ctr"/>
+                <a:r>
+                  <a:rPr lang="en-US" altLang="zh-CN" sz="1600" dirty="0">
+                    <a:solidFill>
+                      <a:schemeClr val="tx1"/>
+                    </a:solidFill>
+                  </a:rPr>
+                  <a:t> </a:t>
+                </a:r>
+                <a:endParaRPr lang="zh-CN" altLang="en-US" sz="1600" dirty="0">
+                  <a:solidFill>
+                    <a:schemeClr val="tx1"/>
+                  </a:solidFill>
+                </a:endParaRPr>
+              </a:p>
+            </p:txBody>
+          </p:sp>
+          <p:sp>
+            <p:nvSpPr>
+              <p:cNvPr id="19" name="文本框 18">
+                <a:extLst>
+                  <a:ext uri="{FF2B5EF4-FFF2-40B4-BE49-F238E27FC236}">
+                    <a16:creationId xmlns:a16="http://schemas.microsoft.com/office/drawing/2014/main" id="{36049435-2DCB-BE6F-5565-82032A4127D6}"/>
+                  </a:ext>
+                </a:extLst>
+              </p:cNvPr>
+              <p:cNvSpPr txBox="1"/>
+              <p:nvPr/>
+            </p:nvSpPr>
+            <p:spPr>
+              <a:xfrm>
+                <a:off x="156646" y="647924"/>
+                <a:ext cx="914400" cy="415498"/>
+              </a:xfrm>
+              <a:prstGeom prst="rect">
+                <a:avLst/>
+              </a:prstGeom>
+              <a:noFill/>
+            </p:spPr>
+            <p:txBody>
+              <a:bodyPr wrap="square" rtlCol="0">
+                <a:spAutoFit/>
+              </a:bodyPr>
+              <a:lstStyle/>
+              <a:p>
+                <a:r>
+                  <a:rPr lang="en-US" altLang="zh-CN" sz="1050" dirty="0"/>
+                  <a:t>Database Server</a:t>
+                </a:r>
+                <a:endParaRPr lang="zh-CN" altLang="en-US" sz="1050" dirty="0"/>
+              </a:p>
+            </p:txBody>
+          </p:sp>
+          <p:pic>
+            <p:nvPicPr>
+              <p:cNvPr id="20" name="图形 19" descr="数据库 纯色填充">
+                <a:extLst>
+                  <a:ext uri="{FF2B5EF4-FFF2-40B4-BE49-F238E27FC236}">
+                    <a16:creationId xmlns:a16="http://schemas.microsoft.com/office/drawing/2014/main" id="{CD717B21-FFB3-6540-EDEB-CF1D8A8050E1}"/>
+                  </a:ext>
+                </a:extLst>
+              </p:cNvPr>
+              <p:cNvPicPr>
+                <a:picLocks noChangeAspect="1"/>
+              </p:cNvPicPr>
+              <p:nvPr/>
+            </p:nvPicPr>
+            <p:blipFill>
+              <a:blip r:embed="rId2">
+                <a:extLst>
+                  <a:ext uri="{28A0092B-C50C-407E-A947-70E740481C1C}">
+                    <a14:useLocalDpi xmlns:a14="http://schemas.microsoft.com/office/drawing/2010/main" val="0"/>
+                  </a:ext>
+                  <a:ext uri="{96DAC541-7B7A-43D3-8B79-37D633B846F1}">
+                    <asvg:svgBlip xmlns:asvg="http://schemas.microsoft.com/office/drawing/2016/SVG/main" r:embed="rId3"/>
+                  </a:ext>
+                </a:extLst>
+              </a:blip>
+              <a:stretch>
+                <a:fillRect/>
+              </a:stretch>
+            </p:blipFill>
+            <p:spPr>
+              <a:xfrm>
+                <a:off x="1096185" y="985830"/>
+                <a:ext cx="530029" cy="530029"/>
+              </a:xfrm>
+              <a:prstGeom prst="rect">
+                <a:avLst/>
+              </a:prstGeom>
+            </p:spPr>
+          </p:pic>
+          <p:sp>
+            <p:nvSpPr>
+              <p:cNvPr id="21" name="文本框 20">
+                <a:extLst>
+                  <a:ext uri="{FF2B5EF4-FFF2-40B4-BE49-F238E27FC236}">
+                    <a16:creationId xmlns:a16="http://schemas.microsoft.com/office/drawing/2014/main" id="{8EC458E0-9DA2-AE67-B6F1-DD4263D11BDB}"/>
+                  </a:ext>
+                </a:extLst>
+              </p:cNvPr>
+              <p:cNvSpPr txBox="1"/>
+              <p:nvPr/>
+            </p:nvSpPr>
+            <p:spPr>
+              <a:xfrm>
+                <a:off x="1581040" y="1110654"/>
+                <a:ext cx="616068" cy="253916"/>
+              </a:xfrm>
+              <a:prstGeom prst="rect">
+                <a:avLst/>
+              </a:prstGeom>
+              <a:noFill/>
+            </p:spPr>
+            <p:txBody>
+              <a:bodyPr wrap="square" rtlCol="0">
+                <a:spAutoFit/>
+              </a:bodyPr>
+              <a:lstStyle/>
+              <a:p>
+                <a:r>
+                  <a:rPr lang="en-US" altLang="zh-CN" sz="1050" dirty="0"/>
+                  <a:t>MySQL</a:t>
+                </a:r>
+                <a:endParaRPr lang="zh-CN" altLang="en-US" sz="1050" dirty="0"/>
+              </a:p>
+            </p:txBody>
+          </p:sp>
+          <p:sp>
+            <p:nvSpPr>
+              <p:cNvPr id="22" name="立方体 21">
+                <a:extLst>
+                  <a:ext uri="{FF2B5EF4-FFF2-40B4-BE49-F238E27FC236}">
+                    <a16:creationId xmlns:a16="http://schemas.microsoft.com/office/drawing/2014/main" id="{72B73A51-6E98-05C5-29A6-5CF37B898248}"/>
+                  </a:ext>
+                </a:extLst>
+              </p:cNvPr>
+              <p:cNvSpPr/>
+              <p:nvPr/>
+            </p:nvSpPr>
+            <p:spPr>
+              <a:xfrm>
+                <a:off x="3911727" y="294381"/>
+                <a:ext cx="1690555" cy="1345443"/>
+              </a:xfrm>
+              <a:prstGeom prst="cube">
+                <a:avLst>
+                  <a:gd name="adj" fmla="val 14579"/>
+                </a:avLst>
+              </a:prstGeom>
+              <a:noFill/>
+              <a:ln>
+                <a:solidFill>
+                  <a:schemeClr val="tx1"/>
+                </a:solidFill>
+              </a:ln>
+              <a:scene3d>
+                <a:camera prst="orthographicFront"/>
+                <a:lightRig rig="brightRoom" dir="t"/>
+              </a:scene3d>
+              <a:sp3d prstMaterial="matte"/>
+            </p:spPr>
+            <p:style>
+              <a:lnRef idx="2">
+                <a:schemeClr val="accent1">
+                  <a:shade val="50000"/>
+                </a:schemeClr>
+              </a:lnRef>
+              <a:fillRef idx="1">
+                <a:schemeClr val="accent1"/>
+              </a:fillRef>
+              <a:effectRef idx="0">
+                <a:schemeClr val="accent1"/>
+              </a:effectRef>
+              <a:fontRef idx="minor">
+                <a:schemeClr val="lt1"/>
+              </a:fontRef>
+            </p:style>
+            <p:txBody>
+              <a:bodyPr rtlCol="0" anchor="ctr"/>
+              <a:lstStyle/>
+              <a:p>
+                <a:pPr algn="ctr"/>
+                <a:endParaRPr lang="en-US" altLang="zh-CN" sz="1600" dirty="0">
+                  <a:solidFill>
+                    <a:schemeClr val="tx1"/>
+                  </a:solidFill>
+                </a:endParaRPr>
+              </a:p>
+              <a:p>
+                <a:pPr algn="ctr"/>
+                <a:endParaRPr lang="en-US" altLang="zh-CN" sz="1600" dirty="0">
+                  <a:solidFill>
+                    <a:schemeClr val="tx1"/>
+                  </a:solidFill>
+                </a:endParaRPr>
+              </a:p>
+              <a:p>
+                <a:pPr algn="ctr"/>
+                <a:r>
+                  <a:rPr lang="en-US" altLang="zh-CN" sz="1600" dirty="0">
+                    <a:solidFill>
+                      <a:schemeClr val="tx1"/>
+                    </a:solidFill>
+                  </a:rPr>
+                  <a:t> </a:t>
+                </a:r>
+                <a:endParaRPr lang="zh-CN" altLang="en-US" sz="1600" dirty="0">
+                  <a:solidFill>
+                    <a:schemeClr val="tx1"/>
+                  </a:solidFill>
+                </a:endParaRPr>
+              </a:p>
+            </p:txBody>
+          </p:sp>
+          <p:sp>
+            <p:nvSpPr>
+              <p:cNvPr id="23" name="文本框 22">
+                <a:extLst>
+                  <a:ext uri="{FF2B5EF4-FFF2-40B4-BE49-F238E27FC236}">
+                    <a16:creationId xmlns:a16="http://schemas.microsoft.com/office/drawing/2014/main" id="{11DFCDCD-847A-004D-52CC-4CA21B6E7897}"/>
+                  </a:ext>
+                </a:extLst>
+              </p:cNvPr>
+              <p:cNvSpPr txBox="1"/>
+              <p:nvPr/>
+            </p:nvSpPr>
+            <p:spPr>
+              <a:xfrm>
+                <a:off x="5626141" y="673583"/>
+                <a:ext cx="914400" cy="253916"/>
+              </a:xfrm>
+              <a:prstGeom prst="rect">
+                <a:avLst/>
+              </a:prstGeom>
+              <a:noFill/>
+            </p:spPr>
+            <p:txBody>
+              <a:bodyPr wrap="square" rtlCol="0">
+                <a:spAutoFit/>
+              </a:bodyPr>
+              <a:lstStyle/>
+              <a:p>
+                <a:r>
+                  <a:rPr lang="en-US" altLang="zh-CN" sz="1050" dirty="0"/>
+                  <a:t>GPU Server</a:t>
+                </a:r>
+                <a:endParaRPr lang="zh-CN" altLang="en-US" sz="1050" dirty="0"/>
+              </a:p>
+            </p:txBody>
+          </p:sp>
+          <p:pic>
+            <p:nvPicPr>
+              <p:cNvPr id="24" name="图形 23" descr="数据库 纯色填充">
+                <a:extLst>
+                  <a:ext uri="{FF2B5EF4-FFF2-40B4-BE49-F238E27FC236}">
+                    <a16:creationId xmlns:a16="http://schemas.microsoft.com/office/drawing/2014/main" id="{4F3808A4-44DF-02DE-82A8-7D2371068C01}"/>
+                  </a:ext>
+                </a:extLst>
+              </p:cNvPr>
+              <p:cNvPicPr>
+                <a:picLocks noChangeAspect="1"/>
+              </p:cNvPicPr>
+              <p:nvPr/>
+            </p:nvPicPr>
+            <p:blipFill>
+              <a:blip r:embed="rId2">
+                <a:extLst>
+                  <a:ext uri="{28A0092B-C50C-407E-A947-70E740481C1C}">
+                    <a14:useLocalDpi xmlns:a14="http://schemas.microsoft.com/office/drawing/2010/main" val="0"/>
+                  </a:ext>
+                  <a:ext uri="{96DAC541-7B7A-43D3-8B79-37D633B846F1}">
+                    <asvg:svgBlip xmlns:asvg="http://schemas.microsoft.com/office/drawing/2016/SVG/main" r:embed="rId3"/>
+                  </a:ext>
+                </a:extLst>
+              </a:blip>
+              <a:stretch>
+                <a:fillRect/>
+              </a:stretch>
+            </p:blipFill>
+            <p:spPr>
+              <a:xfrm>
+                <a:off x="4148582" y="985830"/>
+                <a:ext cx="530029" cy="530029"/>
+              </a:xfrm>
+              <a:prstGeom prst="rect">
+                <a:avLst/>
+              </a:prstGeom>
+            </p:spPr>
+          </p:pic>
+          <p:sp>
+            <p:nvSpPr>
+              <p:cNvPr id="25" name="文本框 24">
+                <a:extLst>
+                  <a:ext uri="{FF2B5EF4-FFF2-40B4-BE49-F238E27FC236}">
+                    <a16:creationId xmlns:a16="http://schemas.microsoft.com/office/drawing/2014/main" id="{C0B3651A-D5C3-4ACE-713A-7FBE0FE53478}"/>
+                  </a:ext>
+                </a:extLst>
+              </p:cNvPr>
+              <p:cNvSpPr txBox="1"/>
+              <p:nvPr/>
+            </p:nvSpPr>
+            <p:spPr>
+              <a:xfrm>
+                <a:off x="4633436" y="1110654"/>
+                <a:ext cx="737139" cy="253916"/>
+              </a:xfrm>
+              <a:prstGeom prst="rect">
+                <a:avLst/>
+              </a:prstGeom>
+              <a:noFill/>
+            </p:spPr>
+            <p:txBody>
+              <a:bodyPr wrap="square" rtlCol="0">
+                <a:spAutoFit/>
+              </a:bodyPr>
+              <a:lstStyle/>
+              <a:p>
+                <a:endParaRPr lang="zh-CN" altLang="en-US" sz="1050" dirty="0"/>
+              </a:p>
+            </p:txBody>
+          </p:sp>
+          <p:sp>
+            <p:nvSpPr>
+              <p:cNvPr id="26" name="立方体 25">
+                <a:extLst>
+                  <a:ext uri="{FF2B5EF4-FFF2-40B4-BE49-F238E27FC236}">
+                    <a16:creationId xmlns:a16="http://schemas.microsoft.com/office/drawing/2014/main" id="{9061EAB6-E2FB-511E-8F68-C2A77EF18855}"/>
+                  </a:ext>
+                </a:extLst>
+              </p:cNvPr>
+              <p:cNvSpPr/>
+              <p:nvPr/>
+            </p:nvSpPr>
+            <p:spPr>
+              <a:xfrm>
+                <a:off x="2288543" y="1989956"/>
+                <a:ext cx="2001517" cy="1482884"/>
+              </a:xfrm>
+              <a:prstGeom prst="cube">
+                <a:avLst>
+                  <a:gd name="adj" fmla="val 8670"/>
+                </a:avLst>
+              </a:prstGeom>
+              <a:noFill/>
+              <a:ln>
+                <a:solidFill>
+                  <a:schemeClr val="tx1"/>
+                </a:solidFill>
+              </a:ln>
+              <a:scene3d>
+                <a:camera prst="orthographicFront"/>
+                <a:lightRig rig="brightRoom" dir="t"/>
+              </a:scene3d>
+              <a:sp3d prstMaterial="matte"/>
+            </p:spPr>
+            <p:style>
+              <a:lnRef idx="2">
+                <a:schemeClr val="accent1">
+                  <a:shade val="50000"/>
+                </a:schemeClr>
+              </a:lnRef>
+              <a:fillRef idx="1">
+                <a:schemeClr val="accent1"/>
+              </a:fillRef>
+              <a:effectRef idx="0">
+                <a:schemeClr val="accent1"/>
+              </a:effectRef>
+              <a:fontRef idx="minor">
+                <a:schemeClr val="lt1"/>
+              </a:fontRef>
+            </p:style>
+            <p:txBody>
+              <a:bodyPr rtlCol="0" anchor="ctr"/>
+              <a:lstStyle/>
+              <a:p>
+                <a:pPr algn="ctr"/>
+                <a:r>
+                  <a:rPr lang="en-US" altLang="zh-CN" sz="800" dirty="0">
+                    <a:solidFill>
+                      <a:schemeClr val="tx1"/>
+                    </a:solidFill>
+                  </a:rPr>
+                  <a:t>Ubuntu(Linux)</a:t>
+                </a:r>
+              </a:p>
+              <a:p>
+                <a:pPr algn="ctr"/>
+                <a:endParaRPr lang="en-US" altLang="zh-CN" sz="800" dirty="0">
+                  <a:solidFill>
+                    <a:schemeClr val="tx1"/>
+                  </a:solidFill>
+                </a:endParaRPr>
+              </a:p>
+              <a:p>
+                <a:pPr algn="ctr"/>
+                <a:endParaRPr lang="en-US" altLang="zh-CN" sz="800" dirty="0">
+                  <a:solidFill>
+                    <a:schemeClr val="tx1"/>
+                  </a:solidFill>
+                </a:endParaRPr>
+              </a:p>
+              <a:p>
+                <a:pPr algn="ctr"/>
+                <a:endParaRPr lang="en-US" altLang="zh-CN" sz="800" dirty="0">
+                  <a:solidFill>
+                    <a:schemeClr val="tx1"/>
+                  </a:solidFill>
+                </a:endParaRPr>
+              </a:p>
+              <a:p>
+                <a:pPr algn="ctr"/>
+                <a:endParaRPr lang="en-US" altLang="zh-CN" sz="800" dirty="0">
+                  <a:solidFill>
+                    <a:schemeClr val="tx1"/>
+                  </a:solidFill>
+                </a:endParaRPr>
+              </a:p>
+              <a:p>
+                <a:pPr algn="ctr"/>
+                <a:endParaRPr lang="en-US" altLang="zh-CN" sz="1600" dirty="0">
+                  <a:solidFill>
+                    <a:schemeClr val="tx1"/>
+                  </a:solidFill>
+                </a:endParaRPr>
+              </a:p>
+              <a:p>
+                <a:pPr algn="ctr"/>
+                <a:endParaRPr lang="en-US" altLang="zh-CN" sz="1600" dirty="0">
+                  <a:solidFill>
+                    <a:schemeClr val="tx1"/>
+                  </a:solidFill>
+                </a:endParaRPr>
+              </a:p>
+              <a:p>
+                <a:pPr algn="ctr"/>
+                <a:r>
+                  <a:rPr lang="en-US" altLang="zh-CN" sz="1600" dirty="0">
+                    <a:solidFill>
+                      <a:schemeClr val="tx1"/>
+                    </a:solidFill>
+                  </a:rPr>
+                  <a:t> </a:t>
+                </a:r>
+                <a:endParaRPr lang="zh-CN" altLang="en-US" sz="1600" dirty="0">
+                  <a:solidFill>
+                    <a:schemeClr val="tx1"/>
+                  </a:solidFill>
+                </a:endParaRPr>
+              </a:p>
+            </p:txBody>
+          </p:sp>
+          <p:sp>
+            <p:nvSpPr>
+              <p:cNvPr id="27" name="文本框 26">
+                <a:extLst>
+                  <a:ext uri="{FF2B5EF4-FFF2-40B4-BE49-F238E27FC236}">
+                    <a16:creationId xmlns:a16="http://schemas.microsoft.com/office/drawing/2014/main" id="{1F835480-8FC5-B708-7EEE-2C34ED0F6E5E}"/>
+                  </a:ext>
+                </a:extLst>
+              </p:cNvPr>
+              <p:cNvSpPr txBox="1"/>
+              <p:nvPr/>
+            </p:nvSpPr>
+            <p:spPr>
+              <a:xfrm>
+                <a:off x="1484297" y="2340798"/>
+                <a:ext cx="914400" cy="577081"/>
+              </a:xfrm>
+              <a:prstGeom prst="rect">
+                <a:avLst/>
+              </a:prstGeom>
+              <a:noFill/>
+            </p:spPr>
+            <p:txBody>
+              <a:bodyPr wrap="square" rtlCol="0">
+                <a:spAutoFit/>
+              </a:bodyPr>
+              <a:lstStyle/>
+              <a:p>
+                <a:r>
+                  <a:rPr lang="en-US" altLang="zh-CN" sz="1050" dirty="0"/>
+                  <a:t>Back-end </a:t>
+                </a:r>
+              </a:p>
+              <a:p>
+                <a:r>
+                  <a:rPr lang="en-US" altLang="zh-CN" sz="1050" dirty="0"/>
+                  <a:t>Web</a:t>
+                </a:r>
+              </a:p>
+              <a:p>
+                <a:r>
+                  <a:rPr lang="en-US" altLang="zh-CN" sz="1050" dirty="0"/>
+                  <a:t>Server</a:t>
+                </a:r>
+                <a:endParaRPr lang="zh-CN" altLang="en-US" sz="1050" dirty="0"/>
+              </a:p>
+            </p:txBody>
+          </p:sp>
+          <p:sp>
+            <p:nvSpPr>
+              <p:cNvPr id="28" name="文本框 27">
+                <a:extLst>
+                  <a:ext uri="{FF2B5EF4-FFF2-40B4-BE49-F238E27FC236}">
+                    <a16:creationId xmlns:a16="http://schemas.microsoft.com/office/drawing/2014/main" id="{D4E4B25C-937D-E215-48B2-371692D9F801}"/>
+                  </a:ext>
+                </a:extLst>
+              </p:cNvPr>
+              <p:cNvSpPr txBox="1"/>
+              <p:nvPr/>
+            </p:nvSpPr>
+            <p:spPr>
+              <a:xfrm>
+                <a:off x="2267733" y="2513100"/>
+                <a:ext cx="589985" cy="200055"/>
+              </a:xfrm>
+              <a:prstGeom prst="rect">
+                <a:avLst/>
+              </a:prstGeom>
+              <a:noFill/>
+            </p:spPr>
+            <p:txBody>
+              <a:bodyPr wrap="square" rtlCol="0">
+                <a:spAutoFit/>
+              </a:bodyPr>
+              <a:lstStyle/>
+              <a:p>
+                <a:r>
+                  <a:rPr lang="en-US" altLang="zh-CN" sz="700" dirty="0"/>
+                  <a:t>MySQL</a:t>
+                </a:r>
+                <a:endParaRPr lang="zh-CN" altLang="en-US" sz="700" dirty="0"/>
+              </a:p>
+            </p:txBody>
+          </p:sp>
+          <p:cxnSp>
+            <p:nvCxnSpPr>
+              <p:cNvPr id="29" name="连接符: 肘形 28">
+                <a:extLst>
+                  <a:ext uri="{FF2B5EF4-FFF2-40B4-BE49-F238E27FC236}">
+                    <a16:creationId xmlns:a16="http://schemas.microsoft.com/office/drawing/2014/main" id="{3B7E9B8B-745E-0FF3-7B57-51A6E7682A85}"/>
+                  </a:ext>
+                </a:extLst>
+              </p:cNvPr>
+              <p:cNvCxnSpPr>
+                <a:cxnSpLocks/>
+                <a:stCxn id="26" idx="0"/>
+                <a:endCxn id="24" idx="2"/>
+              </p:cNvCxnSpPr>
+              <p:nvPr/>
+            </p:nvCxnSpPr>
+            <p:spPr>
+              <a:xfrm rot="5400000" flipH="1" flipV="1">
+                <a:off x="3646543" y="1222902"/>
+                <a:ext cx="474097" cy="1060012"/>
+              </a:xfrm>
+              <a:prstGeom prst="bentConnector3">
+                <a:avLst>
+                  <a:gd name="adj1" fmla="val 50000"/>
+                </a:avLst>
+              </a:prstGeom>
+              <a:ln>
+                <a:solidFill>
+                  <a:schemeClr val="tx1"/>
+                </a:solidFill>
+                <a:tailEnd type="triangle"/>
+              </a:ln>
+            </p:spPr>
+            <p:style>
+              <a:lnRef idx="1">
+                <a:schemeClr val="accent1"/>
+              </a:lnRef>
+              <a:fillRef idx="0">
+                <a:schemeClr val="accent1"/>
+              </a:fillRef>
+              <a:effectRef idx="0">
+                <a:schemeClr val="accent1"/>
+              </a:effectRef>
+              <a:fontRef idx="minor">
+                <a:schemeClr val="tx1"/>
+              </a:fontRef>
+            </p:style>
+          </p:cxnSp>
+          <p:sp>
+            <p:nvSpPr>
+              <p:cNvPr id="30" name="文本框 29">
+                <a:extLst>
+                  <a:ext uri="{FF2B5EF4-FFF2-40B4-BE49-F238E27FC236}">
+                    <a16:creationId xmlns:a16="http://schemas.microsoft.com/office/drawing/2014/main" id="{57C3CC4F-09B5-3160-BA8F-692DB9001858}"/>
+                  </a:ext>
+                </a:extLst>
+              </p:cNvPr>
+              <p:cNvSpPr txBox="1"/>
+              <p:nvPr/>
+            </p:nvSpPr>
+            <p:spPr>
+              <a:xfrm>
+                <a:off x="1614167" y="1705914"/>
+                <a:ext cx="1137316" cy="215444"/>
+              </a:xfrm>
+              <a:prstGeom prst="rect">
+                <a:avLst/>
+              </a:prstGeom>
+              <a:noFill/>
+            </p:spPr>
+            <p:txBody>
+              <a:bodyPr wrap="square">
+                <a:spAutoFit/>
+              </a:bodyPr>
+              <a:lstStyle/>
+              <a:p>
+                <a:r>
+                  <a:rPr lang="en-US" altLang="zh-CN" sz="800" dirty="0">
+                    <a:solidFill>
+                      <a:srgbClr val="FF0000"/>
+                    </a:solidFill>
+                    <a:latin typeface="Times New Roman" panose="02020603050405020304" pitchFamily="18" charset="0"/>
+                    <a:cs typeface="Times New Roman" panose="02020603050405020304" pitchFamily="18" charset="0"/>
+                  </a:rPr>
+                  <a:t>TCP/IP</a:t>
+                </a:r>
+                <a:endParaRPr lang="zh-CN" altLang="en-US" sz="800" dirty="0">
+                  <a:solidFill>
+                    <a:srgbClr val="FF0000"/>
+                  </a:solidFill>
+                  <a:latin typeface="Times New Roman" panose="02020603050405020304" pitchFamily="18" charset="0"/>
+                  <a:cs typeface="Times New Roman" panose="02020603050405020304" pitchFamily="18" charset="0"/>
+                </a:endParaRPr>
+              </a:p>
+            </p:txBody>
+          </p:sp>
+          <p:cxnSp>
+            <p:nvCxnSpPr>
+              <p:cNvPr id="31" name="连接符: 肘形 30">
+                <a:extLst>
+                  <a:ext uri="{FF2B5EF4-FFF2-40B4-BE49-F238E27FC236}">
+                    <a16:creationId xmlns:a16="http://schemas.microsoft.com/office/drawing/2014/main" id="{21581BDE-15BE-1C29-ECC6-5739E855DDBB}"/>
+                  </a:ext>
+                </a:extLst>
+              </p:cNvPr>
+              <p:cNvCxnSpPr>
+                <a:cxnSpLocks/>
+                <a:stCxn id="26" idx="1"/>
+                <a:endCxn id="18" idx="3"/>
+              </p:cNvCxnSpPr>
+              <p:nvPr/>
+            </p:nvCxnSpPr>
+            <p:spPr>
+              <a:xfrm rot="16200000" flipV="1">
+                <a:off x="2205783" y="1099287"/>
+                <a:ext cx="478698" cy="1559772"/>
+              </a:xfrm>
+              <a:prstGeom prst="bentConnector3">
+                <a:avLst>
+                  <a:gd name="adj1" fmla="val 50000"/>
+                </a:avLst>
+              </a:prstGeom>
+              <a:ln>
+                <a:solidFill>
+                  <a:schemeClr val="tx1"/>
+                </a:solidFill>
+                <a:tailEnd type="triangle"/>
+              </a:ln>
+            </p:spPr>
+            <p:style>
+              <a:lnRef idx="1">
+                <a:schemeClr val="accent1"/>
+              </a:lnRef>
+              <a:fillRef idx="0">
+                <a:schemeClr val="accent1"/>
+              </a:fillRef>
+              <a:effectRef idx="0">
+                <a:schemeClr val="accent1"/>
+              </a:effectRef>
+              <a:fontRef idx="minor">
+                <a:schemeClr val="tx1"/>
+              </a:fontRef>
+            </p:style>
+          </p:cxnSp>
+          <p:cxnSp>
+            <p:nvCxnSpPr>
+              <p:cNvPr id="32" name="连接符: 肘形 31">
+                <a:extLst>
+                  <a:ext uri="{FF2B5EF4-FFF2-40B4-BE49-F238E27FC236}">
+                    <a16:creationId xmlns:a16="http://schemas.microsoft.com/office/drawing/2014/main" id="{1908B0E7-CBA5-3E68-748C-EFCD418E2FAA}"/>
+                  </a:ext>
+                </a:extLst>
+              </p:cNvPr>
+              <p:cNvCxnSpPr>
+                <a:cxnSpLocks/>
+                <a:stCxn id="26" idx="1"/>
+                <a:endCxn id="22" idx="3"/>
+              </p:cNvCxnSpPr>
+              <p:nvPr/>
+            </p:nvCxnSpPr>
+            <p:spPr>
+              <a:xfrm rot="5400000" flipH="1" flipV="1">
+                <a:off x="3702624" y="1162218"/>
+                <a:ext cx="478698" cy="1433910"/>
+              </a:xfrm>
+              <a:prstGeom prst="bentConnector3">
+                <a:avLst>
+                  <a:gd name="adj1" fmla="val 50000"/>
+                </a:avLst>
+              </a:prstGeom>
+              <a:ln>
+                <a:solidFill>
+                  <a:schemeClr val="tx1"/>
+                </a:solidFill>
+                <a:tailEnd type="triangle"/>
+              </a:ln>
+            </p:spPr>
+            <p:style>
+              <a:lnRef idx="1">
+                <a:schemeClr val="accent1"/>
+              </a:lnRef>
+              <a:fillRef idx="0">
+                <a:schemeClr val="accent1"/>
+              </a:fillRef>
+              <a:effectRef idx="0">
+                <a:schemeClr val="accent1"/>
+              </a:effectRef>
+              <a:fontRef idx="minor">
+                <a:schemeClr val="tx1"/>
+              </a:fontRef>
+            </p:style>
+          </p:cxnSp>
+          <p:pic>
+            <p:nvPicPr>
+              <p:cNvPr id="33" name="图形 32" descr="数据库 轮廓">
+                <a:extLst>
+                  <a:ext uri="{FF2B5EF4-FFF2-40B4-BE49-F238E27FC236}">
+                    <a16:creationId xmlns:a16="http://schemas.microsoft.com/office/drawing/2014/main" id="{FE7584F3-0A07-C265-8F53-5B98A847AF4B}"/>
+                  </a:ext>
+                </a:extLst>
+              </p:cNvPr>
+              <p:cNvPicPr>
+                <a:picLocks noChangeAspect="1"/>
+              </p:cNvPicPr>
+              <p:nvPr/>
+            </p:nvPicPr>
+            <p:blipFill>
+              <a:blip r:embed="rId4">
+                <a:extLst>
+                  <a:ext uri="{28A0092B-C50C-407E-A947-70E740481C1C}">
+                    <a14:useLocalDpi xmlns:a14="http://schemas.microsoft.com/office/drawing/2010/main" val="0"/>
+                  </a:ext>
+                  <a:ext uri="{96DAC541-7B7A-43D3-8B79-37D633B846F1}">
+                    <asvg:svgBlip xmlns:asvg="http://schemas.microsoft.com/office/drawing/2016/SVG/main" r:embed="rId5"/>
+                  </a:ext>
+                </a:extLst>
+              </a:blip>
+              <a:stretch>
+                <a:fillRect/>
+              </a:stretch>
+            </p:blipFill>
+            <p:spPr>
+              <a:xfrm>
+                <a:off x="2242331" y="2125320"/>
+                <a:ext cx="430953" cy="430953"/>
+              </a:xfrm>
+              <a:prstGeom prst="rect">
+                <a:avLst/>
+              </a:prstGeom>
+            </p:spPr>
+          </p:pic>
+          <p:sp>
+            <p:nvSpPr>
+              <p:cNvPr id="34" name="矩形 33">
+                <a:extLst>
+                  <a:ext uri="{FF2B5EF4-FFF2-40B4-BE49-F238E27FC236}">
+                    <a16:creationId xmlns:a16="http://schemas.microsoft.com/office/drawing/2014/main" id="{37795B48-96AE-46EF-B91E-F1150CD0FBB6}"/>
+                  </a:ext>
+                </a:extLst>
+              </p:cNvPr>
+              <p:cNvSpPr/>
+              <p:nvPr/>
+            </p:nvSpPr>
+            <p:spPr>
+              <a:xfrm>
+                <a:off x="3252429" y="2407914"/>
+                <a:ext cx="640566" cy="210372"/>
+              </a:xfrm>
+              <a:prstGeom prst="rect">
+                <a:avLst/>
+              </a:prstGeom>
+              <a:noFill/>
+              <a:ln>
+                <a:solidFill>
+                  <a:schemeClr val="tx1"/>
+                </a:solidFill>
+              </a:ln>
+            </p:spPr>
+            <p:style>
+              <a:lnRef idx="2">
+                <a:schemeClr val="accent1">
+                  <a:shade val="50000"/>
+                </a:schemeClr>
+              </a:lnRef>
+              <a:fillRef idx="1">
+                <a:schemeClr val="accent1"/>
+              </a:fillRef>
+              <a:effectRef idx="0">
+                <a:schemeClr val="accent1"/>
+              </a:effectRef>
+              <a:fontRef idx="minor">
+                <a:schemeClr val="lt1"/>
+              </a:fontRef>
+            </p:style>
+            <p:txBody>
+              <a:bodyPr rtlCol="0" anchor="ctr"/>
+              <a:lstStyle/>
+              <a:p>
+                <a:pPr algn="ctr"/>
+                <a:r>
+                  <a:rPr lang="en-US" altLang="zh-CN" sz="800" dirty="0">
+                    <a:solidFill>
+                      <a:schemeClr val="tx1"/>
+                    </a:solidFill>
+                  </a:rPr>
+                  <a:t>Django</a:t>
+                </a:r>
+                <a:endParaRPr lang="zh-CN" altLang="en-US" sz="800" dirty="0">
+                  <a:solidFill>
+                    <a:schemeClr val="tx1"/>
+                  </a:solidFill>
+                </a:endParaRPr>
+              </a:p>
+            </p:txBody>
+          </p:sp>
+          <p:sp>
+            <p:nvSpPr>
+              <p:cNvPr id="35" name="流程图: 过程 34">
+                <a:extLst>
+                  <a:ext uri="{FF2B5EF4-FFF2-40B4-BE49-F238E27FC236}">
+                    <a16:creationId xmlns:a16="http://schemas.microsoft.com/office/drawing/2014/main" id="{C659D855-A784-C009-325D-C395C3D3AF7D}"/>
+                  </a:ext>
+                </a:extLst>
+              </p:cNvPr>
+              <p:cNvSpPr/>
+              <p:nvPr/>
+            </p:nvSpPr>
+            <p:spPr>
+              <a:xfrm>
+                <a:off x="3169116" y="2430780"/>
+                <a:ext cx="157945" cy="59055"/>
+              </a:xfrm>
+              <a:prstGeom prst="flowChartProcess">
+                <a:avLst/>
+              </a:prstGeom>
+            </p:spPr>
+            <p:style>
+              <a:lnRef idx="2">
+                <a:schemeClr val="accent1">
+                  <a:shade val="50000"/>
+                </a:schemeClr>
+              </a:lnRef>
+              <a:fillRef idx="1">
+                <a:schemeClr val="accent1"/>
+              </a:fillRef>
+              <a:effectRef idx="0">
+                <a:schemeClr val="accent1"/>
+              </a:effectRef>
+              <a:fontRef idx="minor">
+                <a:schemeClr val="lt1"/>
+              </a:fontRef>
+            </p:style>
+            <p:txBody>
+              <a:bodyPr rtlCol="0" anchor="ctr"/>
+              <a:lstStyle/>
+              <a:p>
+                <a:pPr algn="ctr"/>
+                <a:endParaRPr lang="zh-CN" altLang="en-US"/>
+              </a:p>
+            </p:txBody>
+          </p:sp>
+          <p:sp>
+            <p:nvSpPr>
+              <p:cNvPr id="36" name="流程图: 过程 35">
+                <a:extLst>
+                  <a:ext uri="{FF2B5EF4-FFF2-40B4-BE49-F238E27FC236}">
+                    <a16:creationId xmlns:a16="http://schemas.microsoft.com/office/drawing/2014/main" id="{EE142AB3-8429-4132-9AB6-54DEEB085C92}"/>
+                  </a:ext>
+                </a:extLst>
+              </p:cNvPr>
+              <p:cNvSpPr/>
+              <p:nvPr/>
+            </p:nvSpPr>
+            <p:spPr>
+              <a:xfrm>
+                <a:off x="3169116" y="2528214"/>
+                <a:ext cx="157945" cy="59055"/>
+              </a:xfrm>
+              <a:prstGeom prst="flowChartProcess">
+                <a:avLst/>
+              </a:prstGeom>
+            </p:spPr>
+            <p:style>
+              <a:lnRef idx="2">
+                <a:schemeClr val="accent1">
+                  <a:shade val="50000"/>
+                </a:schemeClr>
+              </a:lnRef>
+              <a:fillRef idx="1">
+                <a:schemeClr val="accent1"/>
+              </a:fillRef>
+              <a:effectRef idx="0">
+                <a:schemeClr val="accent1"/>
+              </a:effectRef>
+              <a:fontRef idx="minor">
+                <a:schemeClr val="lt1"/>
+              </a:fontRef>
+            </p:style>
+            <p:txBody>
+              <a:bodyPr rtlCol="0" anchor="ctr"/>
+              <a:lstStyle/>
+              <a:p>
+                <a:pPr algn="ctr"/>
+                <a:endParaRPr lang="zh-CN" altLang="en-US" dirty="0"/>
+              </a:p>
+            </p:txBody>
+          </p:sp>
+          <p:cxnSp>
+            <p:nvCxnSpPr>
+              <p:cNvPr id="37" name="连接符: 肘形 36">
+                <a:extLst>
+                  <a:ext uri="{FF2B5EF4-FFF2-40B4-BE49-F238E27FC236}">
+                    <a16:creationId xmlns:a16="http://schemas.microsoft.com/office/drawing/2014/main" id="{8930455A-B369-2543-9148-481CBB55EA94}"/>
+                  </a:ext>
+                </a:extLst>
+              </p:cNvPr>
+              <p:cNvCxnSpPr>
+                <a:cxnSpLocks/>
+                <a:stCxn id="35" idx="1"/>
+                <a:endCxn id="33" idx="3"/>
+              </p:cNvCxnSpPr>
+              <p:nvPr/>
+            </p:nvCxnSpPr>
+            <p:spPr>
+              <a:xfrm rot="10800000">
+                <a:off x="2673284" y="2340798"/>
+                <a:ext cx="495832" cy="119511"/>
+              </a:xfrm>
+              <a:prstGeom prst="bentConnector3">
+                <a:avLst>
+                  <a:gd name="adj1" fmla="val 50000"/>
+                </a:avLst>
+              </a:prstGeom>
+              <a:ln>
+                <a:solidFill>
+                  <a:schemeClr val="tx1"/>
+                </a:solidFill>
+                <a:tailEnd type="triangle"/>
+              </a:ln>
+            </p:spPr>
+            <p:style>
+              <a:lnRef idx="1">
+                <a:schemeClr val="accent1"/>
+              </a:lnRef>
+              <a:fillRef idx="0">
+                <a:schemeClr val="accent1"/>
+              </a:fillRef>
+              <a:effectRef idx="0">
+                <a:schemeClr val="accent1"/>
+              </a:effectRef>
+              <a:fontRef idx="minor">
+                <a:schemeClr val="tx1"/>
+              </a:fontRef>
+            </p:style>
+          </p:cxnSp>
+          <p:sp>
+            <p:nvSpPr>
+              <p:cNvPr id="38" name="文本框 37">
+                <a:extLst>
+                  <a:ext uri="{FF2B5EF4-FFF2-40B4-BE49-F238E27FC236}">
+                    <a16:creationId xmlns:a16="http://schemas.microsoft.com/office/drawing/2014/main" id="{78DB2D00-8DE2-2A36-0C98-AEC34C38B16F}"/>
+                  </a:ext>
+                </a:extLst>
+              </p:cNvPr>
+              <p:cNvSpPr txBox="1"/>
+              <p:nvPr/>
+            </p:nvSpPr>
+            <p:spPr>
+              <a:xfrm>
+                <a:off x="2893735" y="2287187"/>
+                <a:ext cx="500586" cy="200055"/>
+              </a:xfrm>
+              <a:prstGeom prst="rect">
+                <a:avLst/>
+              </a:prstGeom>
+              <a:noFill/>
+            </p:spPr>
+            <p:txBody>
+              <a:bodyPr wrap="square" rtlCol="0">
+                <a:spAutoFit/>
+              </a:bodyPr>
+              <a:lstStyle/>
+              <a:p>
+                <a:r>
+                  <a:rPr lang="en-US" altLang="zh-CN" sz="700" dirty="0"/>
+                  <a:t>ORM</a:t>
+                </a:r>
+                <a:endParaRPr lang="zh-CN" altLang="en-US" sz="700" dirty="0"/>
+              </a:p>
+            </p:txBody>
+          </p:sp>
+          <p:sp>
+            <p:nvSpPr>
+              <p:cNvPr id="39" name="文本框 38">
+                <a:extLst>
+                  <a:ext uri="{FF2B5EF4-FFF2-40B4-BE49-F238E27FC236}">
+                    <a16:creationId xmlns:a16="http://schemas.microsoft.com/office/drawing/2014/main" id="{99E6DAE6-A8D0-7069-9BDC-CD47C7C876B6}"/>
+                  </a:ext>
+                </a:extLst>
+              </p:cNvPr>
+              <p:cNvSpPr txBox="1"/>
+              <p:nvPr/>
+            </p:nvSpPr>
+            <p:spPr>
+              <a:xfrm>
+                <a:off x="3740778" y="1694945"/>
+                <a:ext cx="1209674" cy="230832"/>
+              </a:xfrm>
+              <a:prstGeom prst="rect">
+                <a:avLst/>
+              </a:prstGeom>
+              <a:noFill/>
+            </p:spPr>
+            <p:txBody>
+              <a:bodyPr wrap="square">
+                <a:spAutoFit/>
+              </a:bodyPr>
+              <a:lstStyle/>
+              <a:p>
+                <a:r>
+                  <a:rPr lang="en-US" altLang="zh-CN" sz="900" dirty="0">
+                    <a:solidFill>
+                      <a:srgbClr val="FF0000"/>
+                    </a:solidFill>
+                    <a:latin typeface="Times New Roman" panose="02020603050405020304" pitchFamily="18" charset="0"/>
+                    <a:cs typeface="Times New Roman" panose="02020603050405020304" pitchFamily="18" charset="0"/>
+                  </a:rPr>
+                  <a:t>f2p</a:t>
+                </a:r>
+                <a:endParaRPr lang="zh-CN" altLang="en-US" sz="900" dirty="0">
+                  <a:solidFill>
+                    <a:srgbClr val="FF0000"/>
+                  </a:solidFill>
+                  <a:latin typeface="Times New Roman" panose="02020603050405020304" pitchFamily="18" charset="0"/>
+                  <a:cs typeface="Times New Roman" panose="02020603050405020304" pitchFamily="18" charset="0"/>
+                </a:endParaRPr>
+              </a:p>
+            </p:txBody>
+          </p:sp>
+          <p:sp>
+            <p:nvSpPr>
+              <p:cNvPr id="44" name="立方体 43">
+                <a:extLst>
+                  <a:ext uri="{FF2B5EF4-FFF2-40B4-BE49-F238E27FC236}">
+                    <a16:creationId xmlns:a16="http://schemas.microsoft.com/office/drawing/2014/main" id="{11EAE344-7A09-37D5-1E97-2CC8B919E7D7}"/>
+                  </a:ext>
+                </a:extLst>
+              </p:cNvPr>
+              <p:cNvSpPr/>
+              <p:nvPr/>
+            </p:nvSpPr>
+            <p:spPr>
+              <a:xfrm>
+                <a:off x="521880" y="3999055"/>
+                <a:ext cx="2001517" cy="1482884"/>
+              </a:xfrm>
+              <a:prstGeom prst="cube">
+                <a:avLst>
+                  <a:gd name="adj" fmla="val 8670"/>
+                </a:avLst>
+              </a:prstGeom>
+              <a:noFill/>
+              <a:ln>
+                <a:solidFill>
+                  <a:schemeClr val="tx1"/>
+                </a:solidFill>
+              </a:ln>
+              <a:scene3d>
+                <a:camera prst="orthographicFront"/>
+                <a:lightRig rig="brightRoom" dir="t"/>
+              </a:scene3d>
+              <a:sp3d prstMaterial="matte"/>
+            </p:spPr>
+            <p:style>
+              <a:lnRef idx="2">
+                <a:schemeClr val="accent1">
+                  <a:shade val="50000"/>
+                </a:schemeClr>
+              </a:lnRef>
+              <a:fillRef idx="1">
+                <a:schemeClr val="accent1"/>
+              </a:fillRef>
+              <a:effectRef idx="0">
+                <a:schemeClr val="accent1"/>
+              </a:effectRef>
+              <a:fontRef idx="minor">
+                <a:schemeClr val="lt1"/>
+              </a:fontRef>
+            </p:style>
+            <p:txBody>
+              <a:bodyPr rtlCol="0" anchor="ctr"/>
+              <a:lstStyle/>
+              <a:p>
+                <a:pPr algn="ctr"/>
+                <a:endParaRPr lang="en-US" altLang="zh-CN" sz="800" dirty="0">
+                  <a:solidFill>
+                    <a:schemeClr val="tx1"/>
+                  </a:solidFill>
+                </a:endParaRPr>
+              </a:p>
+              <a:p>
+                <a:pPr algn="ctr"/>
+                <a:endParaRPr lang="en-US" altLang="zh-CN" sz="800" dirty="0">
+                  <a:solidFill>
+                    <a:schemeClr val="tx1"/>
+                  </a:solidFill>
+                </a:endParaRPr>
+              </a:p>
+              <a:p>
+                <a:pPr algn="ctr"/>
+                <a:endParaRPr lang="en-US" altLang="zh-CN" sz="800" dirty="0">
+                  <a:solidFill>
+                    <a:schemeClr val="tx1"/>
+                  </a:solidFill>
+                </a:endParaRPr>
+              </a:p>
+              <a:p>
+                <a:pPr algn="ctr"/>
+                <a:endParaRPr lang="en-US" altLang="zh-CN" sz="800" dirty="0">
+                  <a:solidFill>
+                    <a:schemeClr val="tx1"/>
+                  </a:solidFill>
+                </a:endParaRPr>
+              </a:p>
+              <a:p>
+                <a:pPr algn="ctr"/>
+                <a:endParaRPr lang="en-US" altLang="zh-CN" sz="1600" dirty="0">
+                  <a:solidFill>
+                    <a:schemeClr val="tx1"/>
+                  </a:solidFill>
+                </a:endParaRPr>
+              </a:p>
+              <a:p>
+                <a:pPr algn="ctr"/>
+                <a:endParaRPr lang="en-US" altLang="zh-CN" sz="1600" dirty="0">
+                  <a:solidFill>
+                    <a:schemeClr val="tx1"/>
+                  </a:solidFill>
+                </a:endParaRPr>
+              </a:p>
+              <a:p>
+                <a:pPr algn="ctr"/>
+                <a:r>
+                  <a:rPr lang="en-US" altLang="zh-CN" sz="1600" dirty="0">
+                    <a:solidFill>
+                      <a:schemeClr val="tx1"/>
+                    </a:solidFill>
+                  </a:rPr>
+                  <a:t> </a:t>
+                </a:r>
+                <a:endParaRPr lang="zh-CN" altLang="en-US" sz="1600" dirty="0">
+                  <a:solidFill>
+                    <a:schemeClr val="tx1"/>
+                  </a:solidFill>
+                </a:endParaRPr>
+              </a:p>
+            </p:txBody>
+          </p:sp>
+          <p:sp>
+            <p:nvSpPr>
+              <p:cNvPr id="45" name="矩形 44">
+                <a:extLst>
+                  <a:ext uri="{FF2B5EF4-FFF2-40B4-BE49-F238E27FC236}">
+                    <a16:creationId xmlns:a16="http://schemas.microsoft.com/office/drawing/2014/main" id="{CEC2A3D0-B056-3646-A882-15196095B265}"/>
+                  </a:ext>
+                </a:extLst>
+              </p:cNvPr>
+              <p:cNvSpPr/>
+              <p:nvPr/>
+            </p:nvSpPr>
+            <p:spPr>
+              <a:xfrm>
+                <a:off x="1481261" y="5123998"/>
+                <a:ext cx="640566" cy="210372"/>
+              </a:xfrm>
+              <a:prstGeom prst="rect">
+                <a:avLst/>
+              </a:prstGeom>
+              <a:noFill/>
+              <a:ln>
+                <a:solidFill>
+                  <a:schemeClr val="tx1"/>
+                </a:solidFill>
+              </a:ln>
+            </p:spPr>
+            <p:style>
+              <a:lnRef idx="2">
+                <a:schemeClr val="accent1">
+                  <a:shade val="50000"/>
+                </a:schemeClr>
+              </a:lnRef>
+              <a:fillRef idx="1">
+                <a:schemeClr val="accent1"/>
+              </a:fillRef>
+              <a:effectRef idx="0">
+                <a:schemeClr val="accent1"/>
+              </a:effectRef>
+              <a:fontRef idx="minor">
+                <a:schemeClr val="lt1"/>
+              </a:fontRef>
+            </p:style>
+            <p:txBody>
+              <a:bodyPr rtlCol="0" anchor="ctr"/>
+              <a:lstStyle/>
+              <a:p>
+                <a:pPr algn="ctr"/>
+                <a:r>
+                  <a:rPr lang="en-US" altLang="zh-CN" sz="800" dirty="0">
+                    <a:solidFill>
+                      <a:schemeClr val="tx1"/>
+                    </a:solidFill>
+                  </a:rPr>
+                  <a:t>nginx</a:t>
+                </a:r>
+                <a:endParaRPr lang="zh-CN" altLang="en-US" sz="800" dirty="0">
+                  <a:solidFill>
+                    <a:schemeClr val="tx1"/>
+                  </a:solidFill>
+                </a:endParaRPr>
+              </a:p>
+            </p:txBody>
+          </p:sp>
+          <p:sp>
+            <p:nvSpPr>
+              <p:cNvPr id="46" name="流程图: 过程 45">
+                <a:extLst>
+                  <a:ext uri="{FF2B5EF4-FFF2-40B4-BE49-F238E27FC236}">
+                    <a16:creationId xmlns:a16="http://schemas.microsoft.com/office/drawing/2014/main" id="{C72C7BC8-26DD-284C-BF65-1EF4AB9D3A5C}"/>
+                  </a:ext>
+                </a:extLst>
+              </p:cNvPr>
+              <p:cNvSpPr/>
+              <p:nvPr/>
+            </p:nvSpPr>
+            <p:spPr>
+              <a:xfrm>
+                <a:off x="1397948" y="5146864"/>
+                <a:ext cx="157945" cy="59055"/>
+              </a:xfrm>
+              <a:prstGeom prst="flowChartProcess">
+                <a:avLst/>
+              </a:prstGeom>
+            </p:spPr>
+            <p:style>
+              <a:lnRef idx="2">
+                <a:schemeClr val="accent1">
+                  <a:shade val="50000"/>
+                </a:schemeClr>
+              </a:lnRef>
+              <a:fillRef idx="1">
+                <a:schemeClr val="accent1"/>
+              </a:fillRef>
+              <a:effectRef idx="0">
+                <a:schemeClr val="accent1"/>
+              </a:effectRef>
+              <a:fontRef idx="minor">
+                <a:schemeClr val="lt1"/>
+              </a:fontRef>
+            </p:style>
+            <p:txBody>
+              <a:bodyPr rtlCol="0" anchor="ctr"/>
+              <a:lstStyle/>
+              <a:p>
+                <a:pPr algn="ctr"/>
+                <a:endParaRPr lang="zh-CN" altLang="en-US"/>
+              </a:p>
+            </p:txBody>
+          </p:sp>
+          <p:sp>
+            <p:nvSpPr>
+              <p:cNvPr id="47" name="流程图: 过程 46">
+                <a:extLst>
+                  <a:ext uri="{FF2B5EF4-FFF2-40B4-BE49-F238E27FC236}">
+                    <a16:creationId xmlns:a16="http://schemas.microsoft.com/office/drawing/2014/main" id="{05DB5310-72F8-7382-7774-12B4CCD1CB5F}"/>
+                  </a:ext>
+                </a:extLst>
+              </p:cNvPr>
+              <p:cNvSpPr/>
+              <p:nvPr/>
+            </p:nvSpPr>
+            <p:spPr>
+              <a:xfrm>
+                <a:off x="1397948" y="5244298"/>
+                <a:ext cx="157945" cy="59055"/>
+              </a:xfrm>
+              <a:prstGeom prst="flowChartProcess">
+                <a:avLst/>
+              </a:prstGeom>
+            </p:spPr>
+            <p:style>
+              <a:lnRef idx="2">
+                <a:schemeClr val="accent1">
+                  <a:shade val="50000"/>
+                </a:schemeClr>
+              </a:lnRef>
+              <a:fillRef idx="1">
+                <a:schemeClr val="accent1"/>
+              </a:fillRef>
+              <a:effectRef idx="0">
+                <a:schemeClr val="accent1"/>
+              </a:effectRef>
+              <a:fontRef idx="minor">
+                <a:schemeClr val="lt1"/>
+              </a:fontRef>
+            </p:style>
+            <p:txBody>
+              <a:bodyPr rtlCol="0" anchor="ctr"/>
+              <a:lstStyle/>
+              <a:p>
+                <a:pPr algn="ctr"/>
+                <a:endParaRPr lang="zh-CN" altLang="en-US"/>
+              </a:p>
+            </p:txBody>
+          </p:sp>
+          <p:sp>
+            <p:nvSpPr>
+              <p:cNvPr id="48" name="矩形 47">
+                <a:extLst>
+                  <a:ext uri="{FF2B5EF4-FFF2-40B4-BE49-F238E27FC236}">
+                    <a16:creationId xmlns:a16="http://schemas.microsoft.com/office/drawing/2014/main" id="{5212A03D-1BCF-5B59-A0C1-55E4FFF73C6B}"/>
+                  </a:ext>
+                </a:extLst>
+              </p:cNvPr>
+              <p:cNvSpPr/>
+              <p:nvPr/>
+            </p:nvSpPr>
+            <p:spPr>
+              <a:xfrm>
+                <a:off x="1481261" y="4689198"/>
+                <a:ext cx="640566" cy="210372"/>
+              </a:xfrm>
+              <a:prstGeom prst="rect">
+                <a:avLst/>
+              </a:prstGeom>
+              <a:noFill/>
+              <a:ln>
+                <a:solidFill>
+                  <a:schemeClr val="tx1"/>
+                </a:solidFill>
+              </a:ln>
+            </p:spPr>
+            <p:style>
+              <a:lnRef idx="2">
+                <a:schemeClr val="accent1">
+                  <a:shade val="50000"/>
+                </a:schemeClr>
+              </a:lnRef>
+              <a:fillRef idx="1">
+                <a:schemeClr val="accent1"/>
+              </a:fillRef>
+              <a:effectRef idx="0">
+                <a:schemeClr val="accent1"/>
+              </a:effectRef>
+              <a:fontRef idx="minor">
+                <a:schemeClr val="lt1"/>
+              </a:fontRef>
+            </p:style>
+            <p:txBody>
+              <a:bodyPr rtlCol="0" anchor="ctr"/>
+              <a:lstStyle/>
+              <a:p>
+                <a:pPr algn="ctr"/>
+                <a:r>
+                  <a:rPr lang="en-US" altLang="zh-CN" sz="800" dirty="0">
+                    <a:solidFill>
+                      <a:schemeClr val="tx1"/>
+                    </a:solidFill>
+                  </a:rPr>
+                  <a:t>React</a:t>
+                </a:r>
+                <a:endParaRPr lang="zh-CN" altLang="en-US" sz="800" dirty="0">
+                  <a:solidFill>
+                    <a:schemeClr val="tx1"/>
+                  </a:solidFill>
+                </a:endParaRPr>
+              </a:p>
+            </p:txBody>
+          </p:sp>
+          <p:sp>
+            <p:nvSpPr>
+              <p:cNvPr id="49" name="流程图: 过程 48">
+                <a:extLst>
+                  <a:ext uri="{FF2B5EF4-FFF2-40B4-BE49-F238E27FC236}">
+                    <a16:creationId xmlns:a16="http://schemas.microsoft.com/office/drawing/2014/main" id="{C12F85A7-0A6D-871A-3602-45EB178AB97E}"/>
+                  </a:ext>
+                </a:extLst>
+              </p:cNvPr>
+              <p:cNvSpPr/>
+              <p:nvPr/>
+            </p:nvSpPr>
+            <p:spPr>
+              <a:xfrm>
+                <a:off x="1397948" y="4712064"/>
+                <a:ext cx="157945" cy="59055"/>
+              </a:xfrm>
+              <a:prstGeom prst="flowChartProcess">
+                <a:avLst/>
+              </a:prstGeom>
+            </p:spPr>
+            <p:style>
+              <a:lnRef idx="2">
+                <a:schemeClr val="accent1">
+                  <a:shade val="50000"/>
+                </a:schemeClr>
+              </a:lnRef>
+              <a:fillRef idx="1">
+                <a:schemeClr val="accent1"/>
+              </a:fillRef>
+              <a:effectRef idx="0">
+                <a:schemeClr val="accent1"/>
+              </a:effectRef>
+              <a:fontRef idx="minor">
+                <a:schemeClr val="lt1"/>
+              </a:fontRef>
+            </p:style>
+            <p:txBody>
+              <a:bodyPr rtlCol="0" anchor="ctr"/>
+              <a:lstStyle/>
+              <a:p>
+                <a:pPr algn="ctr"/>
+                <a:endParaRPr lang="zh-CN" altLang="en-US"/>
+              </a:p>
+            </p:txBody>
+          </p:sp>
+          <p:sp>
+            <p:nvSpPr>
+              <p:cNvPr id="50" name="流程图: 过程 49">
+                <a:extLst>
+                  <a:ext uri="{FF2B5EF4-FFF2-40B4-BE49-F238E27FC236}">
+                    <a16:creationId xmlns:a16="http://schemas.microsoft.com/office/drawing/2014/main" id="{955DC303-5403-E9D1-C318-53B65D36EF37}"/>
+                  </a:ext>
+                </a:extLst>
+              </p:cNvPr>
+              <p:cNvSpPr/>
+              <p:nvPr/>
+            </p:nvSpPr>
+            <p:spPr>
+              <a:xfrm>
+                <a:off x="1397948" y="4809498"/>
+                <a:ext cx="157945" cy="59055"/>
+              </a:xfrm>
+              <a:prstGeom prst="flowChartProcess">
+                <a:avLst/>
+              </a:prstGeom>
+            </p:spPr>
+            <p:style>
+              <a:lnRef idx="2">
+                <a:schemeClr val="accent1">
+                  <a:shade val="50000"/>
+                </a:schemeClr>
+              </a:lnRef>
+              <a:fillRef idx="1">
+                <a:schemeClr val="accent1"/>
+              </a:fillRef>
+              <a:effectRef idx="0">
+                <a:schemeClr val="accent1"/>
+              </a:effectRef>
+              <a:fontRef idx="minor">
+                <a:schemeClr val="lt1"/>
+              </a:fontRef>
+            </p:style>
+            <p:txBody>
+              <a:bodyPr rtlCol="0" anchor="ctr"/>
+              <a:lstStyle/>
+              <a:p>
+                <a:pPr algn="ctr"/>
+                <a:endParaRPr lang="zh-CN" altLang="en-US"/>
+              </a:p>
+            </p:txBody>
+          </p:sp>
+          <p:sp>
+            <p:nvSpPr>
+              <p:cNvPr id="51" name="文本框 50">
+                <a:extLst>
+                  <a:ext uri="{FF2B5EF4-FFF2-40B4-BE49-F238E27FC236}">
+                    <a16:creationId xmlns:a16="http://schemas.microsoft.com/office/drawing/2014/main" id="{58137F58-7958-FB63-016F-D6093EE437F1}"/>
+                  </a:ext>
+                </a:extLst>
+              </p:cNvPr>
+              <p:cNvSpPr txBox="1"/>
+              <p:nvPr/>
+            </p:nvSpPr>
+            <p:spPr>
+              <a:xfrm>
+                <a:off x="30108" y="4407006"/>
+                <a:ext cx="541392" cy="415498"/>
+              </a:xfrm>
+              <a:prstGeom prst="rect">
+                <a:avLst/>
+              </a:prstGeom>
+              <a:noFill/>
+            </p:spPr>
+            <p:txBody>
+              <a:bodyPr wrap="square" rtlCol="0">
+                <a:spAutoFit/>
+              </a:bodyPr>
+              <a:lstStyle/>
+              <a:p>
+                <a:r>
+                  <a:rPr lang="en-US" altLang="zh-CN" sz="700" dirty="0"/>
+                  <a:t>Front-end </a:t>
+                </a:r>
+              </a:p>
+              <a:p>
+                <a:r>
+                  <a:rPr lang="en-US" altLang="zh-CN" sz="700" dirty="0"/>
+                  <a:t>Server</a:t>
+                </a:r>
+                <a:endParaRPr lang="zh-CN" altLang="en-US" sz="700" dirty="0"/>
+              </a:p>
+            </p:txBody>
+          </p:sp>
+          <p:sp>
+            <p:nvSpPr>
+              <p:cNvPr id="52" name="矩形 51">
+                <a:extLst>
+                  <a:ext uri="{FF2B5EF4-FFF2-40B4-BE49-F238E27FC236}">
+                    <a16:creationId xmlns:a16="http://schemas.microsoft.com/office/drawing/2014/main" id="{496CD4E0-8481-1C0F-2D16-760C2C3E83A0}"/>
+                  </a:ext>
+                </a:extLst>
+              </p:cNvPr>
+              <p:cNvSpPr/>
+              <p:nvPr/>
+            </p:nvSpPr>
+            <p:spPr>
+              <a:xfrm>
+                <a:off x="1473386" y="4327683"/>
+                <a:ext cx="640566" cy="210372"/>
+              </a:xfrm>
+              <a:prstGeom prst="rect">
+                <a:avLst/>
+              </a:prstGeom>
+              <a:noFill/>
+              <a:ln>
+                <a:solidFill>
+                  <a:schemeClr val="tx1"/>
+                </a:solidFill>
+              </a:ln>
+            </p:spPr>
+            <p:style>
+              <a:lnRef idx="2">
+                <a:schemeClr val="accent1">
+                  <a:shade val="50000"/>
+                </a:schemeClr>
+              </a:lnRef>
+              <a:fillRef idx="1">
+                <a:schemeClr val="accent1"/>
+              </a:fillRef>
+              <a:effectRef idx="0">
+                <a:schemeClr val="accent1"/>
+              </a:effectRef>
+              <a:fontRef idx="minor">
+                <a:schemeClr val="lt1"/>
+              </a:fontRef>
+            </p:style>
+            <p:txBody>
+              <a:bodyPr rtlCol="0" anchor="ctr"/>
+              <a:lstStyle/>
+              <a:p>
+                <a:pPr algn="ctr"/>
+                <a:r>
+                  <a:rPr lang="en-US" altLang="zh-CN" sz="800" dirty="0" err="1">
+                    <a:solidFill>
+                      <a:schemeClr val="tx1"/>
+                    </a:solidFill>
+                  </a:rPr>
+                  <a:t>Axios</a:t>
+                </a:r>
+                <a:endParaRPr lang="zh-CN" altLang="en-US" sz="800" dirty="0">
+                  <a:solidFill>
+                    <a:schemeClr val="tx1"/>
+                  </a:solidFill>
+                </a:endParaRPr>
+              </a:p>
+            </p:txBody>
+          </p:sp>
+          <p:sp>
+            <p:nvSpPr>
+              <p:cNvPr id="53" name="流程图: 过程 52">
+                <a:extLst>
+                  <a:ext uri="{FF2B5EF4-FFF2-40B4-BE49-F238E27FC236}">
+                    <a16:creationId xmlns:a16="http://schemas.microsoft.com/office/drawing/2014/main" id="{6DA51588-2005-4112-5C5A-09F98C1DD6E1}"/>
+                  </a:ext>
+                </a:extLst>
+              </p:cNvPr>
+              <p:cNvSpPr/>
+              <p:nvPr/>
+            </p:nvSpPr>
+            <p:spPr>
+              <a:xfrm>
+                <a:off x="1390073" y="4350549"/>
+                <a:ext cx="157945" cy="59055"/>
+              </a:xfrm>
+              <a:prstGeom prst="flowChartProcess">
+                <a:avLst/>
+              </a:prstGeom>
+            </p:spPr>
+            <p:style>
+              <a:lnRef idx="2">
+                <a:schemeClr val="accent1">
+                  <a:shade val="50000"/>
+                </a:schemeClr>
+              </a:lnRef>
+              <a:fillRef idx="1">
+                <a:schemeClr val="accent1"/>
+              </a:fillRef>
+              <a:effectRef idx="0">
+                <a:schemeClr val="accent1"/>
+              </a:effectRef>
+              <a:fontRef idx="minor">
+                <a:schemeClr val="lt1"/>
+              </a:fontRef>
+            </p:style>
+            <p:txBody>
+              <a:bodyPr rtlCol="0" anchor="ctr"/>
+              <a:lstStyle/>
+              <a:p>
+                <a:pPr algn="ctr"/>
+                <a:endParaRPr lang="zh-CN" altLang="en-US"/>
+              </a:p>
+            </p:txBody>
+          </p:sp>
+          <p:sp>
+            <p:nvSpPr>
+              <p:cNvPr id="54" name="流程图: 过程 53">
+                <a:extLst>
+                  <a:ext uri="{FF2B5EF4-FFF2-40B4-BE49-F238E27FC236}">
+                    <a16:creationId xmlns:a16="http://schemas.microsoft.com/office/drawing/2014/main" id="{34BC34C5-AF6F-1FBF-CCCD-93F408D66A3D}"/>
+                  </a:ext>
+                </a:extLst>
+              </p:cNvPr>
+              <p:cNvSpPr/>
+              <p:nvPr/>
+            </p:nvSpPr>
+            <p:spPr>
+              <a:xfrm>
+                <a:off x="1390073" y="4447983"/>
+                <a:ext cx="157945" cy="59055"/>
+              </a:xfrm>
+              <a:prstGeom prst="flowChartProcess">
+                <a:avLst/>
+              </a:prstGeom>
+            </p:spPr>
+            <p:style>
+              <a:lnRef idx="2">
+                <a:schemeClr val="accent1">
+                  <a:shade val="50000"/>
+                </a:schemeClr>
+              </a:lnRef>
+              <a:fillRef idx="1">
+                <a:schemeClr val="accent1"/>
+              </a:fillRef>
+              <a:effectRef idx="0">
+                <a:schemeClr val="accent1"/>
+              </a:effectRef>
+              <a:fontRef idx="minor">
+                <a:schemeClr val="lt1"/>
+              </a:fontRef>
+            </p:style>
+            <p:txBody>
+              <a:bodyPr rtlCol="0" anchor="ctr"/>
+              <a:lstStyle/>
+              <a:p>
+                <a:pPr algn="ctr"/>
+                <a:endParaRPr lang="zh-CN" altLang="en-US"/>
+              </a:p>
+            </p:txBody>
+          </p:sp>
+          <p:sp>
+            <p:nvSpPr>
+              <p:cNvPr id="55" name="标注: 左箭头 54">
+                <a:extLst>
+                  <a:ext uri="{FF2B5EF4-FFF2-40B4-BE49-F238E27FC236}">
+                    <a16:creationId xmlns:a16="http://schemas.microsoft.com/office/drawing/2014/main" id="{C9DED519-9BEA-AA21-4117-AB7E9850F168}"/>
+                  </a:ext>
+                </a:extLst>
+              </p:cNvPr>
+              <p:cNvSpPr/>
+              <p:nvPr/>
+            </p:nvSpPr>
+            <p:spPr>
+              <a:xfrm>
+                <a:off x="2195581" y="4160580"/>
+                <a:ext cx="1255186" cy="1260459"/>
+              </a:xfrm>
+              <a:prstGeom prst="leftArrowCallout">
+                <a:avLst>
+                  <a:gd name="adj1" fmla="val 8439"/>
+                  <a:gd name="adj2" fmla="val 8690"/>
+                  <a:gd name="adj3" fmla="val 17715"/>
+                  <a:gd name="adj4" fmla="val 64977"/>
+                </a:avLst>
+              </a:prstGeom>
+              <a:noFill/>
+            </p:spPr>
+            <p:style>
+              <a:lnRef idx="2">
+                <a:schemeClr val="accent1">
+                  <a:shade val="50000"/>
+                </a:schemeClr>
+              </a:lnRef>
+              <a:fillRef idx="1">
+                <a:schemeClr val="accent1"/>
+              </a:fillRef>
+              <a:effectRef idx="0">
+                <a:schemeClr val="accent1"/>
+              </a:effectRef>
+              <a:fontRef idx="minor">
+                <a:schemeClr val="lt1"/>
+              </a:fontRef>
+            </p:style>
+            <p:txBody>
+              <a:bodyPr rtlCol="0" anchor="ctr"/>
+              <a:lstStyle/>
+              <a:p>
+                <a:pPr algn="ctr"/>
+                <a:endParaRPr lang="zh-CN" altLang="en-US"/>
+              </a:p>
+            </p:txBody>
+          </p:sp>
+          <p:sp>
+            <p:nvSpPr>
+              <p:cNvPr id="56" name="文本框 55">
+                <a:extLst>
+                  <a:ext uri="{FF2B5EF4-FFF2-40B4-BE49-F238E27FC236}">
+                    <a16:creationId xmlns:a16="http://schemas.microsoft.com/office/drawing/2014/main" id="{149C4D79-8802-35BD-0176-D9028FB38D4A}"/>
+                  </a:ext>
+                </a:extLst>
+              </p:cNvPr>
+              <p:cNvSpPr txBox="1"/>
+              <p:nvPr/>
+            </p:nvSpPr>
+            <p:spPr>
+              <a:xfrm>
+                <a:off x="3032373" y="4663397"/>
+                <a:ext cx="452553" cy="215444"/>
+              </a:xfrm>
+              <a:prstGeom prst="rect">
+                <a:avLst/>
+              </a:prstGeom>
+              <a:noFill/>
+            </p:spPr>
+            <p:txBody>
+              <a:bodyPr wrap="square" rtlCol="0">
+                <a:spAutoFit/>
+              </a:bodyPr>
+              <a:lstStyle/>
+              <a:p>
+                <a:r>
+                  <a:rPr lang="zh-CN" altLang="en-US" sz="800" dirty="0"/>
+                  <a:t>框架</a:t>
+                </a:r>
+              </a:p>
+            </p:txBody>
+          </p:sp>
+          <p:sp>
+            <p:nvSpPr>
+              <p:cNvPr id="57" name="矩形 56">
+                <a:extLst>
+                  <a:ext uri="{FF2B5EF4-FFF2-40B4-BE49-F238E27FC236}">
+                    <a16:creationId xmlns:a16="http://schemas.microsoft.com/office/drawing/2014/main" id="{3F0533F7-2376-B9BD-1554-21F3E0149E3A}"/>
+                  </a:ext>
+                </a:extLst>
+              </p:cNvPr>
+              <p:cNvSpPr/>
+              <p:nvPr/>
+            </p:nvSpPr>
+            <p:spPr>
+              <a:xfrm>
+                <a:off x="2715944" y="4691249"/>
+                <a:ext cx="640566" cy="654854"/>
+              </a:xfrm>
+              <a:prstGeom prst="rect">
+                <a:avLst/>
+              </a:prstGeom>
+              <a:noFill/>
+              <a:ln>
+                <a:solidFill>
+                  <a:schemeClr val="tx1"/>
+                </a:solidFill>
+              </a:ln>
+            </p:spPr>
+            <p:style>
+              <a:lnRef idx="2">
+                <a:schemeClr val="accent1">
+                  <a:shade val="50000"/>
+                </a:schemeClr>
+              </a:lnRef>
+              <a:fillRef idx="1">
+                <a:schemeClr val="accent1"/>
+              </a:fillRef>
+              <a:effectRef idx="0">
+                <a:schemeClr val="accent1"/>
+              </a:effectRef>
+              <a:fontRef idx="minor">
+                <a:schemeClr val="lt1"/>
+              </a:fontRef>
+            </p:style>
+            <p:txBody>
+              <a:bodyPr rtlCol="0" anchor="ctr"/>
+              <a:lstStyle/>
+              <a:p>
+                <a:pPr algn="ctr"/>
+                <a:endParaRPr lang="en-US" altLang="zh-CN" sz="800" dirty="0">
+                  <a:solidFill>
+                    <a:schemeClr val="tx1"/>
+                  </a:solidFill>
+                </a:endParaRPr>
+              </a:p>
+            </p:txBody>
+          </p:sp>
+          <p:sp>
+            <p:nvSpPr>
+              <p:cNvPr id="58" name="矩形 57">
+                <a:extLst>
+                  <a:ext uri="{FF2B5EF4-FFF2-40B4-BE49-F238E27FC236}">
+                    <a16:creationId xmlns:a16="http://schemas.microsoft.com/office/drawing/2014/main" id="{FB3AA997-208E-2247-9A56-E70BCD552DE8}"/>
+                  </a:ext>
+                </a:extLst>
+              </p:cNvPr>
+              <p:cNvSpPr/>
+              <p:nvPr/>
+            </p:nvSpPr>
+            <p:spPr>
+              <a:xfrm>
+                <a:off x="2850273" y="4871056"/>
+                <a:ext cx="353139" cy="129315"/>
+              </a:xfrm>
+              <a:prstGeom prst="rect">
+                <a:avLst/>
+              </a:prstGeom>
+              <a:noFill/>
+              <a:ln>
+                <a:solidFill>
+                  <a:schemeClr val="tx1"/>
+                </a:solidFill>
+              </a:ln>
+            </p:spPr>
+            <p:style>
+              <a:lnRef idx="2">
+                <a:schemeClr val="accent1">
+                  <a:shade val="50000"/>
+                </a:schemeClr>
+              </a:lnRef>
+              <a:fillRef idx="1">
+                <a:schemeClr val="accent1"/>
+              </a:fillRef>
+              <a:effectRef idx="0">
+                <a:schemeClr val="accent1"/>
+              </a:effectRef>
+              <a:fontRef idx="minor">
+                <a:schemeClr val="lt1"/>
+              </a:fontRef>
+            </p:style>
+            <p:txBody>
+              <a:bodyPr rtlCol="0" anchor="ctr"/>
+              <a:lstStyle/>
+              <a:p>
+                <a:pPr algn="ctr"/>
+                <a:r>
+                  <a:rPr lang="en-US" altLang="zh-CN" sz="500" dirty="0" err="1">
+                    <a:solidFill>
+                      <a:schemeClr val="tx1"/>
+                    </a:solidFill>
+                  </a:rPr>
+                  <a:t>umi</a:t>
+                </a:r>
+                <a:endParaRPr lang="zh-CN" altLang="en-US" sz="500" dirty="0">
+                  <a:solidFill>
+                    <a:schemeClr val="tx1"/>
+                  </a:solidFill>
+                </a:endParaRPr>
+              </a:p>
+            </p:txBody>
+          </p:sp>
+          <p:sp>
+            <p:nvSpPr>
+              <p:cNvPr id="61" name="矩形 60">
+                <a:extLst>
+                  <a:ext uri="{FF2B5EF4-FFF2-40B4-BE49-F238E27FC236}">
+                    <a16:creationId xmlns:a16="http://schemas.microsoft.com/office/drawing/2014/main" id="{81B8FD51-0F21-D4D7-B506-AFFC11ED177D}"/>
+                  </a:ext>
+                </a:extLst>
+              </p:cNvPr>
+              <p:cNvSpPr/>
+              <p:nvPr/>
+            </p:nvSpPr>
+            <p:spPr>
+              <a:xfrm>
+                <a:off x="2757318" y="4210677"/>
+                <a:ext cx="515702" cy="431428"/>
+              </a:xfrm>
+              <a:prstGeom prst="rect">
+                <a:avLst/>
+              </a:prstGeom>
+              <a:noFill/>
+              <a:ln>
+                <a:solidFill>
+                  <a:schemeClr val="tx1"/>
+                </a:solidFill>
+              </a:ln>
+            </p:spPr>
+            <p:style>
+              <a:lnRef idx="2">
+                <a:schemeClr val="accent1">
+                  <a:shade val="50000"/>
+                </a:schemeClr>
+              </a:lnRef>
+              <a:fillRef idx="1">
+                <a:schemeClr val="accent1"/>
+              </a:fillRef>
+              <a:effectRef idx="0">
+                <a:schemeClr val="accent1"/>
+              </a:effectRef>
+              <a:fontRef idx="minor">
+                <a:schemeClr val="lt1"/>
+              </a:fontRef>
+            </p:style>
+            <p:txBody>
+              <a:bodyPr rtlCol="0" anchor="ctr"/>
+              <a:lstStyle/>
+              <a:p>
+                <a:pPr algn="ctr"/>
+                <a:endParaRPr lang="en-US" altLang="zh-CN" sz="800" dirty="0">
+                  <a:solidFill>
+                    <a:schemeClr val="tx1"/>
+                  </a:solidFill>
+                </a:endParaRPr>
+              </a:p>
+            </p:txBody>
+          </p:sp>
+          <p:sp>
+            <p:nvSpPr>
+              <p:cNvPr id="62" name="文本框 61">
+                <a:extLst>
+                  <a:ext uri="{FF2B5EF4-FFF2-40B4-BE49-F238E27FC236}">
+                    <a16:creationId xmlns:a16="http://schemas.microsoft.com/office/drawing/2014/main" id="{93E198F0-71AE-0EA5-F34A-4B3C4AE177C9}"/>
+                  </a:ext>
+                </a:extLst>
+              </p:cNvPr>
+              <p:cNvSpPr txBox="1"/>
+              <p:nvPr/>
+            </p:nvSpPr>
+            <p:spPr>
+              <a:xfrm>
+                <a:off x="3079504" y="4193006"/>
+                <a:ext cx="452553" cy="169277"/>
+              </a:xfrm>
+              <a:prstGeom prst="rect">
+                <a:avLst/>
+              </a:prstGeom>
+              <a:noFill/>
+            </p:spPr>
+            <p:txBody>
+              <a:bodyPr wrap="square" rtlCol="0">
+                <a:spAutoFit/>
+              </a:bodyPr>
+              <a:lstStyle/>
+              <a:p>
+                <a:r>
+                  <a:rPr lang="zh-CN" altLang="en-US" sz="500" dirty="0"/>
+                  <a:t>库</a:t>
+                </a:r>
+              </a:p>
+            </p:txBody>
+          </p:sp>
+          <p:sp>
+            <p:nvSpPr>
+              <p:cNvPr id="63" name="矩形 62">
+                <a:extLst>
+                  <a:ext uri="{FF2B5EF4-FFF2-40B4-BE49-F238E27FC236}">
+                    <a16:creationId xmlns:a16="http://schemas.microsoft.com/office/drawing/2014/main" id="{35C5C193-244C-5BB8-B344-0CE6FE44B7AD}"/>
+                  </a:ext>
+                </a:extLst>
+              </p:cNvPr>
+              <p:cNvSpPr/>
+              <p:nvPr/>
+            </p:nvSpPr>
+            <p:spPr>
+              <a:xfrm>
+                <a:off x="2799502" y="4390135"/>
+                <a:ext cx="420244" cy="129315"/>
+              </a:xfrm>
+              <a:prstGeom prst="rect">
+                <a:avLst/>
+              </a:prstGeom>
+              <a:noFill/>
+              <a:ln>
+                <a:solidFill>
+                  <a:schemeClr val="tx1"/>
+                </a:solidFill>
+              </a:ln>
+            </p:spPr>
+            <p:style>
+              <a:lnRef idx="2">
+                <a:schemeClr val="accent1">
+                  <a:shade val="50000"/>
+                </a:schemeClr>
+              </a:lnRef>
+              <a:fillRef idx="1">
+                <a:schemeClr val="accent1"/>
+              </a:fillRef>
+              <a:effectRef idx="0">
+                <a:schemeClr val="accent1"/>
+              </a:effectRef>
+              <a:fontRef idx="minor">
+                <a:schemeClr val="lt1"/>
+              </a:fontRef>
+            </p:style>
+            <p:txBody>
+              <a:bodyPr rtlCol="0" anchor="ctr"/>
+              <a:lstStyle/>
+              <a:p>
+                <a:pPr algn="ctr"/>
+                <a:r>
+                  <a:rPr lang="en-US" altLang="zh-CN" sz="500" dirty="0" err="1">
+                    <a:solidFill>
+                      <a:schemeClr val="tx1"/>
+                    </a:solidFill>
+                  </a:rPr>
+                  <a:t>AntDesign</a:t>
+                </a:r>
+                <a:endParaRPr lang="zh-CN" altLang="en-US" sz="500" dirty="0">
+                  <a:solidFill>
+                    <a:schemeClr val="tx1"/>
+                  </a:solidFill>
+                </a:endParaRPr>
+              </a:p>
+            </p:txBody>
+          </p:sp>
+          <p:sp>
+            <p:nvSpPr>
+              <p:cNvPr id="64" name="立方体 63">
+                <a:extLst>
+                  <a:ext uri="{FF2B5EF4-FFF2-40B4-BE49-F238E27FC236}">
+                    <a16:creationId xmlns:a16="http://schemas.microsoft.com/office/drawing/2014/main" id="{B72A6D52-D18D-D82B-381A-D4C67500CFF9}"/>
+                  </a:ext>
+                </a:extLst>
+              </p:cNvPr>
+              <p:cNvSpPr/>
+              <p:nvPr/>
+            </p:nvSpPr>
+            <p:spPr>
+              <a:xfrm>
+                <a:off x="1026871" y="5917947"/>
+                <a:ext cx="1168709" cy="684891"/>
+              </a:xfrm>
+              <a:prstGeom prst="cube">
+                <a:avLst>
+                  <a:gd name="adj" fmla="val 24046"/>
+                </a:avLst>
+              </a:prstGeom>
+              <a:noFill/>
+              <a:ln>
+                <a:solidFill>
+                  <a:schemeClr val="tx1"/>
+                </a:solidFill>
+              </a:ln>
+              <a:scene3d>
+                <a:camera prst="orthographicFront"/>
+                <a:lightRig rig="brightRoom" dir="t"/>
+              </a:scene3d>
+              <a:sp3d prstMaterial="matte"/>
+            </p:spPr>
+            <p:style>
+              <a:lnRef idx="2">
+                <a:schemeClr val="accent1">
+                  <a:shade val="50000"/>
+                </a:schemeClr>
+              </a:lnRef>
+              <a:fillRef idx="1">
+                <a:schemeClr val="accent1"/>
+              </a:fillRef>
+              <a:effectRef idx="0">
+                <a:schemeClr val="accent1"/>
+              </a:effectRef>
+              <a:fontRef idx="minor">
+                <a:schemeClr val="lt1"/>
+              </a:fontRef>
+            </p:style>
+            <p:txBody>
+              <a:bodyPr rtlCol="0" anchor="ctr"/>
+              <a:lstStyle/>
+              <a:p>
+                <a:pPr algn="ctr"/>
+                <a:endParaRPr lang="en-US" altLang="zh-CN" sz="800" dirty="0">
+                  <a:solidFill>
+                    <a:schemeClr val="tx1"/>
+                  </a:solidFill>
+                </a:endParaRPr>
+              </a:p>
+              <a:p>
+                <a:pPr algn="ctr"/>
+                <a:endParaRPr lang="en-US" altLang="zh-CN" sz="800" dirty="0">
+                  <a:solidFill>
+                    <a:schemeClr val="tx1"/>
+                  </a:solidFill>
+                </a:endParaRPr>
+              </a:p>
+              <a:p>
+                <a:pPr algn="ctr"/>
+                <a:endParaRPr lang="en-US" altLang="zh-CN" sz="800" dirty="0">
+                  <a:solidFill>
+                    <a:schemeClr val="tx1"/>
+                  </a:solidFill>
+                </a:endParaRPr>
+              </a:p>
+              <a:p>
+                <a:pPr algn="ctr"/>
+                <a:endParaRPr lang="en-US" altLang="zh-CN" sz="800" dirty="0">
+                  <a:solidFill>
+                    <a:schemeClr val="tx1"/>
+                  </a:solidFill>
+                </a:endParaRPr>
+              </a:p>
+              <a:p>
+                <a:pPr algn="ctr"/>
+                <a:endParaRPr lang="en-US" altLang="zh-CN" sz="1600" dirty="0">
+                  <a:solidFill>
+                    <a:schemeClr val="tx1"/>
+                  </a:solidFill>
+                </a:endParaRPr>
+              </a:p>
+              <a:p>
+                <a:pPr algn="ctr"/>
+                <a:endParaRPr lang="en-US" altLang="zh-CN" sz="1600" dirty="0">
+                  <a:solidFill>
+                    <a:schemeClr val="tx1"/>
+                  </a:solidFill>
+                </a:endParaRPr>
+              </a:p>
+              <a:p>
+                <a:pPr algn="ctr"/>
+                <a:r>
+                  <a:rPr lang="en-US" altLang="zh-CN" sz="1600" dirty="0">
+                    <a:solidFill>
+                      <a:schemeClr val="tx1"/>
+                    </a:solidFill>
+                  </a:rPr>
+                  <a:t> </a:t>
+                </a:r>
+                <a:endParaRPr lang="zh-CN" altLang="en-US" sz="1600" dirty="0">
+                  <a:solidFill>
+                    <a:schemeClr val="tx1"/>
+                  </a:solidFill>
+                </a:endParaRPr>
+              </a:p>
+            </p:txBody>
+          </p:sp>
+          <p:sp>
+            <p:nvSpPr>
+              <p:cNvPr id="65" name="矩形 64">
+                <a:extLst>
+                  <a:ext uri="{FF2B5EF4-FFF2-40B4-BE49-F238E27FC236}">
+                    <a16:creationId xmlns:a16="http://schemas.microsoft.com/office/drawing/2014/main" id="{346EF107-ABCF-4EB6-1698-AA9E1E485A7B}"/>
+                  </a:ext>
+                </a:extLst>
+              </p:cNvPr>
+              <p:cNvSpPr/>
+              <p:nvPr/>
+            </p:nvSpPr>
+            <p:spPr>
+              <a:xfrm>
+                <a:off x="1226573" y="6190735"/>
+                <a:ext cx="640566" cy="256900"/>
+              </a:xfrm>
+              <a:prstGeom prst="rect">
+                <a:avLst/>
+              </a:prstGeom>
+              <a:noFill/>
+              <a:ln>
+                <a:solidFill>
+                  <a:schemeClr val="tx1"/>
+                </a:solidFill>
+              </a:ln>
+            </p:spPr>
+            <p:style>
+              <a:lnRef idx="2">
+                <a:schemeClr val="accent1">
+                  <a:shade val="50000"/>
+                </a:schemeClr>
+              </a:lnRef>
+              <a:fillRef idx="1">
+                <a:schemeClr val="accent1"/>
+              </a:fillRef>
+              <a:effectRef idx="0">
+                <a:schemeClr val="accent1"/>
+              </a:effectRef>
+              <a:fontRef idx="minor">
+                <a:schemeClr val="lt1"/>
+              </a:fontRef>
+            </p:style>
+            <p:txBody>
+              <a:bodyPr rtlCol="0" anchor="ctr"/>
+              <a:lstStyle/>
+              <a:p>
+                <a:pPr algn="ctr"/>
+                <a:r>
+                  <a:rPr lang="en-US" altLang="zh-CN" sz="800" dirty="0">
+                    <a:solidFill>
+                      <a:schemeClr val="tx1"/>
+                    </a:solidFill>
+                  </a:rPr>
+                  <a:t>Web Browser</a:t>
+                </a:r>
+                <a:endParaRPr lang="zh-CN" altLang="en-US" sz="800" dirty="0">
+                  <a:solidFill>
+                    <a:schemeClr val="tx1"/>
+                  </a:solidFill>
+                </a:endParaRPr>
+              </a:p>
+            </p:txBody>
+          </p:sp>
+          <p:sp>
+            <p:nvSpPr>
+              <p:cNvPr id="66" name="流程图: 过程 65">
+                <a:extLst>
+                  <a:ext uri="{FF2B5EF4-FFF2-40B4-BE49-F238E27FC236}">
+                    <a16:creationId xmlns:a16="http://schemas.microsoft.com/office/drawing/2014/main" id="{D5635F41-A7A0-3498-CE89-CC25C118B5CA}"/>
+                  </a:ext>
+                </a:extLst>
+              </p:cNvPr>
+              <p:cNvSpPr/>
+              <p:nvPr/>
+            </p:nvSpPr>
+            <p:spPr>
+              <a:xfrm>
+                <a:off x="1143260" y="6260129"/>
+                <a:ext cx="157945" cy="59055"/>
+              </a:xfrm>
+              <a:prstGeom prst="flowChartProcess">
+                <a:avLst/>
+              </a:prstGeom>
+            </p:spPr>
+            <p:style>
+              <a:lnRef idx="2">
+                <a:schemeClr val="accent1">
+                  <a:shade val="50000"/>
+                </a:schemeClr>
+              </a:lnRef>
+              <a:fillRef idx="1">
+                <a:schemeClr val="accent1"/>
+              </a:fillRef>
+              <a:effectRef idx="0">
+                <a:schemeClr val="accent1"/>
+              </a:effectRef>
+              <a:fontRef idx="minor">
+                <a:schemeClr val="lt1"/>
+              </a:fontRef>
+            </p:style>
+            <p:txBody>
+              <a:bodyPr rtlCol="0" anchor="ctr"/>
+              <a:lstStyle/>
+              <a:p>
+                <a:pPr algn="ctr"/>
+                <a:endParaRPr lang="zh-CN" altLang="en-US"/>
+              </a:p>
+            </p:txBody>
+          </p:sp>
+          <p:sp>
+            <p:nvSpPr>
+              <p:cNvPr id="67" name="流程图: 过程 66">
+                <a:extLst>
+                  <a:ext uri="{FF2B5EF4-FFF2-40B4-BE49-F238E27FC236}">
+                    <a16:creationId xmlns:a16="http://schemas.microsoft.com/office/drawing/2014/main" id="{05F69C33-B386-CB76-0306-A9EF20C59E2A}"/>
+                  </a:ext>
+                </a:extLst>
+              </p:cNvPr>
+              <p:cNvSpPr/>
+              <p:nvPr/>
+            </p:nvSpPr>
+            <p:spPr>
+              <a:xfrm>
+                <a:off x="1143260" y="6357563"/>
+                <a:ext cx="157945" cy="59055"/>
+              </a:xfrm>
+              <a:prstGeom prst="flowChartProcess">
+                <a:avLst/>
+              </a:prstGeom>
+            </p:spPr>
+            <p:style>
+              <a:lnRef idx="2">
+                <a:schemeClr val="accent1">
+                  <a:shade val="50000"/>
+                </a:schemeClr>
+              </a:lnRef>
+              <a:fillRef idx="1">
+                <a:schemeClr val="accent1"/>
+              </a:fillRef>
+              <a:effectRef idx="0">
+                <a:schemeClr val="accent1"/>
+              </a:effectRef>
+              <a:fontRef idx="minor">
+                <a:schemeClr val="lt1"/>
+              </a:fontRef>
+            </p:style>
+            <p:txBody>
+              <a:bodyPr rtlCol="0" anchor="ctr"/>
+              <a:lstStyle/>
+              <a:p>
+                <a:pPr algn="ctr"/>
+                <a:endParaRPr lang="zh-CN" altLang="en-US"/>
+              </a:p>
+            </p:txBody>
+          </p:sp>
+          <p:sp>
+            <p:nvSpPr>
+              <p:cNvPr id="68" name="文本框 67">
+                <a:extLst>
+                  <a:ext uri="{FF2B5EF4-FFF2-40B4-BE49-F238E27FC236}">
+                    <a16:creationId xmlns:a16="http://schemas.microsoft.com/office/drawing/2014/main" id="{2BF7732C-2D4F-871D-B729-BC4741FFD6BB}"/>
+                  </a:ext>
+                </a:extLst>
+              </p:cNvPr>
+              <p:cNvSpPr txBox="1"/>
+              <p:nvPr/>
+            </p:nvSpPr>
+            <p:spPr>
+              <a:xfrm>
+                <a:off x="4997585" y="4574881"/>
+                <a:ext cx="914400" cy="253916"/>
+              </a:xfrm>
+              <a:prstGeom prst="rect">
+                <a:avLst/>
+              </a:prstGeom>
+              <a:noFill/>
+            </p:spPr>
+            <p:txBody>
+              <a:bodyPr wrap="square" rtlCol="0">
+                <a:spAutoFit/>
+              </a:bodyPr>
+              <a:lstStyle/>
+              <a:p>
+                <a:r>
+                  <a:rPr lang="en-US" altLang="zh-CN" sz="1050" dirty="0"/>
+                  <a:t>Manager PC</a:t>
+                </a:r>
+                <a:endParaRPr lang="zh-CN" altLang="en-US" sz="1050" dirty="0"/>
+              </a:p>
+            </p:txBody>
+          </p:sp>
+          <p:sp>
+            <p:nvSpPr>
+              <p:cNvPr id="69" name="立方体 68">
+                <a:extLst>
+                  <a:ext uri="{FF2B5EF4-FFF2-40B4-BE49-F238E27FC236}">
+                    <a16:creationId xmlns:a16="http://schemas.microsoft.com/office/drawing/2014/main" id="{D381C181-D84A-2FF1-306A-4A92AA3CE742}"/>
+                  </a:ext>
+                </a:extLst>
+              </p:cNvPr>
+              <p:cNvSpPr/>
+              <p:nvPr/>
+            </p:nvSpPr>
+            <p:spPr>
+              <a:xfrm>
+                <a:off x="4875697" y="3868231"/>
+                <a:ext cx="1168709" cy="684891"/>
+              </a:xfrm>
+              <a:prstGeom prst="cube">
+                <a:avLst>
+                  <a:gd name="adj" fmla="val 24046"/>
+                </a:avLst>
+              </a:prstGeom>
+              <a:noFill/>
+              <a:ln>
+                <a:solidFill>
+                  <a:schemeClr val="tx1"/>
+                </a:solidFill>
+              </a:ln>
+              <a:scene3d>
+                <a:camera prst="orthographicFront"/>
+                <a:lightRig rig="brightRoom" dir="t"/>
+              </a:scene3d>
+              <a:sp3d prstMaterial="matte"/>
+            </p:spPr>
+            <p:style>
+              <a:lnRef idx="2">
+                <a:schemeClr val="accent1">
+                  <a:shade val="50000"/>
+                </a:schemeClr>
+              </a:lnRef>
+              <a:fillRef idx="1">
+                <a:schemeClr val="accent1"/>
+              </a:fillRef>
+              <a:effectRef idx="0">
+                <a:schemeClr val="accent1"/>
+              </a:effectRef>
+              <a:fontRef idx="minor">
+                <a:schemeClr val="lt1"/>
+              </a:fontRef>
+            </p:style>
+            <p:txBody>
+              <a:bodyPr rtlCol="0" anchor="ctr"/>
+              <a:lstStyle/>
+              <a:p>
+                <a:pPr algn="ctr"/>
+                <a:endParaRPr lang="en-US" altLang="zh-CN" sz="800" dirty="0">
+                  <a:solidFill>
+                    <a:schemeClr val="tx1"/>
+                  </a:solidFill>
+                </a:endParaRPr>
+              </a:p>
+              <a:p>
+                <a:pPr algn="ctr"/>
+                <a:endParaRPr lang="en-US" altLang="zh-CN" sz="800" dirty="0">
+                  <a:solidFill>
+                    <a:schemeClr val="tx1"/>
+                  </a:solidFill>
+                </a:endParaRPr>
+              </a:p>
+              <a:p>
+                <a:pPr algn="ctr"/>
+                <a:endParaRPr lang="en-US" altLang="zh-CN" sz="800" dirty="0">
+                  <a:solidFill>
+                    <a:schemeClr val="tx1"/>
+                  </a:solidFill>
+                </a:endParaRPr>
+              </a:p>
+              <a:p>
+                <a:pPr algn="ctr"/>
+                <a:endParaRPr lang="en-US" altLang="zh-CN" sz="800" dirty="0">
+                  <a:solidFill>
+                    <a:schemeClr val="tx1"/>
+                  </a:solidFill>
+                </a:endParaRPr>
+              </a:p>
+              <a:p>
+                <a:pPr algn="ctr"/>
+                <a:endParaRPr lang="en-US" altLang="zh-CN" sz="1600" dirty="0">
+                  <a:solidFill>
+                    <a:schemeClr val="tx1"/>
+                  </a:solidFill>
+                </a:endParaRPr>
+              </a:p>
+              <a:p>
+                <a:pPr algn="ctr"/>
+                <a:endParaRPr lang="en-US" altLang="zh-CN" sz="1600" dirty="0">
+                  <a:solidFill>
+                    <a:schemeClr val="tx1"/>
+                  </a:solidFill>
+                </a:endParaRPr>
+              </a:p>
+              <a:p>
+                <a:pPr algn="ctr"/>
+                <a:r>
+                  <a:rPr lang="en-US" altLang="zh-CN" sz="1600" dirty="0">
+                    <a:solidFill>
+                      <a:schemeClr val="tx1"/>
+                    </a:solidFill>
+                  </a:rPr>
+                  <a:t> </a:t>
+                </a:r>
+                <a:endParaRPr lang="zh-CN" altLang="en-US" sz="1600" dirty="0">
+                  <a:solidFill>
+                    <a:schemeClr val="tx1"/>
+                  </a:solidFill>
+                </a:endParaRPr>
+              </a:p>
+            </p:txBody>
+          </p:sp>
+          <p:sp>
+            <p:nvSpPr>
+              <p:cNvPr id="70" name="矩形 69">
+                <a:extLst>
+                  <a:ext uri="{FF2B5EF4-FFF2-40B4-BE49-F238E27FC236}">
+                    <a16:creationId xmlns:a16="http://schemas.microsoft.com/office/drawing/2014/main" id="{AB5D3FA6-2F94-CA61-4604-918B39B5EFEC}"/>
+                  </a:ext>
+                </a:extLst>
+              </p:cNvPr>
+              <p:cNvSpPr/>
+              <p:nvPr/>
+            </p:nvSpPr>
+            <p:spPr>
+              <a:xfrm>
+                <a:off x="5075399" y="4141019"/>
+                <a:ext cx="640566" cy="256900"/>
+              </a:xfrm>
+              <a:prstGeom prst="rect">
+                <a:avLst/>
+              </a:prstGeom>
+              <a:noFill/>
+              <a:ln>
+                <a:solidFill>
+                  <a:schemeClr val="tx1"/>
+                </a:solidFill>
+              </a:ln>
+            </p:spPr>
+            <p:style>
+              <a:lnRef idx="2">
+                <a:schemeClr val="accent1">
+                  <a:shade val="50000"/>
+                </a:schemeClr>
+              </a:lnRef>
+              <a:fillRef idx="1">
+                <a:schemeClr val="accent1"/>
+              </a:fillRef>
+              <a:effectRef idx="0">
+                <a:schemeClr val="accent1"/>
+              </a:effectRef>
+              <a:fontRef idx="minor">
+                <a:schemeClr val="lt1"/>
+              </a:fontRef>
+            </p:style>
+            <p:txBody>
+              <a:bodyPr rtlCol="0" anchor="ctr"/>
+              <a:lstStyle/>
+              <a:p>
+                <a:pPr algn="ctr"/>
+                <a:r>
+                  <a:rPr lang="en-US" altLang="zh-CN" sz="800" dirty="0">
+                    <a:solidFill>
+                      <a:schemeClr val="tx1"/>
+                    </a:solidFill>
+                  </a:rPr>
+                  <a:t>Web Browser</a:t>
+                </a:r>
+                <a:endParaRPr lang="zh-CN" altLang="en-US" sz="800" dirty="0">
+                  <a:solidFill>
+                    <a:schemeClr val="tx1"/>
+                  </a:solidFill>
+                </a:endParaRPr>
+              </a:p>
+            </p:txBody>
+          </p:sp>
+          <p:sp>
+            <p:nvSpPr>
+              <p:cNvPr id="71" name="流程图: 过程 70">
+                <a:extLst>
+                  <a:ext uri="{FF2B5EF4-FFF2-40B4-BE49-F238E27FC236}">
+                    <a16:creationId xmlns:a16="http://schemas.microsoft.com/office/drawing/2014/main" id="{F567BB39-E32C-BCEA-22E8-BD07420CB77D}"/>
+                  </a:ext>
+                </a:extLst>
+              </p:cNvPr>
+              <p:cNvSpPr/>
+              <p:nvPr/>
+            </p:nvSpPr>
+            <p:spPr>
+              <a:xfrm>
+                <a:off x="4992086" y="4210413"/>
+                <a:ext cx="157945" cy="59055"/>
+              </a:xfrm>
+              <a:prstGeom prst="flowChartProcess">
+                <a:avLst/>
+              </a:prstGeom>
+            </p:spPr>
+            <p:style>
+              <a:lnRef idx="2">
+                <a:schemeClr val="accent1">
+                  <a:shade val="50000"/>
+                </a:schemeClr>
+              </a:lnRef>
+              <a:fillRef idx="1">
+                <a:schemeClr val="accent1"/>
+              </a:fillRef>
+              <a:effectRef idx="0">
+                <a:schemeClr val="accent1"/>
+              </a:effectRef>
+              <a:fontRef idx="minor">
+                <a:schemeClr val="lt1"/>
+              </a:fontRef>
+            </p:style>
+            <p:txBody>
+              <a:bodyPr rtlCol="0" anchor="ctr"/>
+              <a:lstStyle/>
+              <a:p>
+                <a:pPr algn="ctr"/>
+                <a:endParaRPr lang="zh-CN" altLang="en-US"/>
+              </a:p>
+            </p:txBody>
+          </p:sp>
+          <p:sp>
+            <p:nvSpPr>
+              <p:cNvPr id="72" name="流程图: 过程 71">
+                <a:extLst>
+                  <a:ext uri="{FF2B5EF4-FFF2-40B4-BE49-F238E27FC236}">
+                    <a16:creationId xmlns:a16="http://schemas.microsoft.com/office/drawing/2014/main" id="{6891C3C6-9AF9-BB49-5FD1-49444B9BFBAB}"/>
+                  </a:ext>
+                </a:extLst>
+              </p:cNvPr>
+              <p:cNvSpPr/>
+              <p:nvPr/>
+            </p:nvSpPr>
+            <p:spPr>
+              <a:xfrm>
+                <a:off x="4992086" y="4307847"/>
+                <a:ext cx="157945" cy="59055"/>
+              </a:xfrm>
+              <a:prstGeom prst="flowChartProcess">
+                <a:avLst/>
+              </a:prstGeom>
+            </p:spPr>
+            <p:style>
+              <a:lnRef idx="2">
+                <a:schemeClr val="accent1">
+                  <a:shade val="50000"/>
+                </a:schemeClr>
+              </a:lnRef>
+              <a:fillRef idx="1">
+                <a:schemeClr val="accent1"/>
+              </a:fillRef>
+              <a:effectRef idx="0">
+                <a:schemeClr val="accent1"/>
+              </a:effectRef>
+              <a:fontRef idx="minor">
+                <a:schemeClr val="lt1"/>
+              </a:fontRef>
+            </p:style>
+            <p:txBody>
+              <a:bodyPr rtlCol="0" anchor="ctr"/>
+              <a:lstStyle/>
+              <a:p>
+                <a:pPr algn="ctr"/>
+                <a:endParaRPr lang="zh-CN" altLang="en-US"/>
+              </a:p>
+            </p:txBody>
+          </p:sp>
+          <p:cxnSp>
+            <p:nvCxnSpPr>
+              <p:cNvPr id="73" name="连接符: 肘形 72">
+                <a:extLst>
+                  <a:ext uri="{FF2B5EF4-FFF2-40B4-BE49-F238E27FC236}">
+                    <a16:creationId xmlns:a16="http://schemas.microsoft.com/office/drawing/2014/main" id="{DC7CC402-0BBE-64C6-47D9-2819915117AB}"/>
+                  </a:ext>
+                </a:extLst>
+              </p:cNvPr>
+              <p:cNvCxnSpPr>
+                <a:cxnSpLocks/>
+                <a:stCxn id="69" idx="0"/>
+              </p:cNvCxnSpPr>
+              <p:nvPr/>
+            </p:nvCxnSpPr>
+            <p:spPr>
+              <a:xfrm rot="16200000" flipV="1">
+                <a:off x="3723502" y="2049337"/>
+                <a:ext cx="1688914" cy="1948874"/>
+              </a:xfrm>
+              <a:prstGeom prst="bentConnector2">
+                <a:avLst/>
+              </a:prstGeom>
+              <a:ln>
+                <a:solidFill>
+                  <a:schemeClr val="tx1"/>
+                </a:solidFill>
+                <a:tailEnd type="triangle"/>
+              </a:ln>
+            </p:spPr>
+            <p:style>
+              <a:lnRef idx="1">
+                <a:schemeClr val="accent1"/>
+              </a:lnRef>
+              <a:fillRef idx="0">
+                <a:schemeClr val="accent1"/>
+              </a:fillRef>
+              <a:effectRef idx="0">
+                <a:schemeClr val="accent1"/>
+              </a:effectRef>
+              <a:fontRef idx="minor">
+                <a:schemeClr val="tx1"/>
+              </a:fontRef>
+            </p:style>
+          </p:cxnSp>
+          <p:sp>
+            <p:nvSpPr>
+              <p:cNvPr id="74" name="文本框 73">
+                <a:extLst>
+                  <a:ext uri="{FF2B5EF4-FFF2-40B4-BE49-F238E27FC236}">
+                    <a16:creationId xmlns:a16="http://schemas.microsoft.com/office/drawing/2014/main" id="{958A9AC4-17EC-2301-7B9A-B2C5C1E2F17B}"/>
+                  </a:ext>
+                </a:extLst>
+              </p:cNvPr>
+              <p:cNvSpPr txBox="1"/>
+              <p:nvPr/>
+            </p:nvSpPr>
+            <p:spPr>
+              <a:xfrm>
+                <a:off x="4551685" y="3504548"/>
+                <a:ext cx="1969297" cy="261610"/>
+              </a:xfrm>
+              <a:prstGeom prst="rect">
+                <a:avLst/>
+              </a:prstGeom>
+              <a:noFill/>
+            </p:spPr>
+            <p:txBody>
+              <a:bodyPr wrap="square">
+                <a:spAutoFit/>
+              </a:bodyPr>
+              <a:lstStyle/>
+              <a:p>
+                <a:r>
+                  <a:rPr lang="en-US" altLang="zh-CN" sz="1100" dirty="0">
+                    <a:solidFill>
+                      <a:srgbClr val="FF0000"/>
+                    </a:solidFill>
+                    <a:latin typeface="Times New Roman" panose="02020603050405020304" pitchFamily="18" charset="0"/>
+                    <a:cs typeface="Times New Roman" panose="02020603050405020304" pitchFamily="18" charset="0"/>
+                  </a:rPr>
+                  <a:t>Shell(</a:t>
+                </a:r>
+                <a:r>
+                  <a:rPr lang="en-US" altLang="zh-CN" sz="1100" dirty="0" err="1">
+                    <a:solidFill>
+                      <a:srgbClr val="FF0000"/>
+                    </a:solidFill>
+                    <a:latin typeface="Times New Roman" panose="02020603050405020304" pitchFamily="18" charset="0"/>
+                    <a:cs typeface="Times New Roman" panose="02020603050405020304" pitchFamily="18" charset="0"/>
+                  </a:rPr>
+                  <a:t>ssh</a:t>
+                </a:r>
+                <a:r>
+                  <a:rPr lang="en-US" altLang="zh-CN" sz="1100" dirty="0">
+                    <a:solidFill>
+                      <a:srgbClr val="FF0000"/>
+                    </a:solidFill>
+                    <a:latin typeface="Times New Roman" panose="02020603050405020304" pitchFamily="18" charset="0"/>
+                    <a:cs typeface="Times New Roman" panose="02020603050405020304" pitchFamily="18" charset="0"/>
+                  </a:rPr>
+                  <a:t>\</a:t>
+                </a:r>
+                <a:r>
+                  <a:rPr lang="en-US" altLang="zh-CN" sz="1100" dirty="0" err="1">
+                    <a:solidFill>
+                      <a:srgbClr val="FF0000"/>
+                    </a:solidFill>
+                    <a:latin typeface="Times New Roman" panose="02020603050405020304" pitchFamily="18" charset="0"/>
+                    <a:cs typeface="Times New Roman" panose="02020603050405020304" pitchFamily="18" charset="0"/>
+                  </a:rPr>
+                  <a:t>rsh</a:t>
+                </a:r>
+                <a:r>
+                  <a:rPr lang="en-US" altLang="zh-CN" sz="1100" dirty="0">
+                    <a:solidFill>
+                      <a:srgbClr val="FF0000"/>
+                    </a:solidFill>
+                    <a:latin typeface="Times New Roman" panose="02020603050405020304" pitchFamily="18" charset="0"/>
+                    <a:cs typeface="Times New Roman" panose="02020603050405020304" pitchFamily="18" charset="0"/>
+                  </a:rPr>
+                  <a:t>),ftp</a:t>
+                </a:r>
+                <a:endParaRPr lang="zh-CN" altLang="en-US" sz="1100" dirty="0"/>
+              </a:p>
+            </p:txBody>
+          </p:sp>
+          <p:cxnSp>
+            <p:nvCxnSpPr>
+              <p:cNvPr id="75" name="连接符: 肘形 74">
+                <a:extLst>
+                  <a:ext uri="{FF2B5EF4-FFF2-40B4-BE49-F238E27FC236}">
+                    <a16:creationId xmlns:a16="http://schemas.microsoft.com/office/drawing/2014/main" id="{3653FAC6-1BB6-B24C-27EC-056D216CBE48}"/>
+                  </a:ext>
+                </a:extLst>
+              </p:cNvPr>
+              <p:cNvCxnSpPr>
+                <a:cxnSpLocks/>
+                <a:stCxn id="69" idx="5"/>
+                <a:endCxn id="18" idx="5"/>
+              </p:cNvCxnSpPr>
+              <p:nvPr/>
+            </p:nvCxnSpPr>
+            <p:spPr>
+              <a:xfrm flipH="1" flipV="1">
+                <a:off x="2549885" y="869026"/>
+                <a:ext cx="3494521" cy="3259306"/>
+              </a:xfrm>
+              <a:prstGeom prst="bentConnector3">
+                <a:avLst>
+                  <a:gd name="adj1" fmla="val -6542"/>
+                </a:avLst>
+              </a:prstGeom>
+              <a:ln>
+                <a:solidFill>
+                  <a:schemeClr val="tx1"/>
+                </a:solidFill>
+                <a:tailEnd type="triangle"/>
+              </a:ln>
+            </p:spPr>
+            <p:style>
+              <a:lnRef idx="1">
+                <a:schemeClr val="accent1"/>
+              </a:lnRef>
+              <a:fillRef idx="0">
+                <a:schemeClr val="accent1"/>
+              </a:fillRef>
+              <a:effectRef idx="0">
+                <a:schemeClr val="accent1"/>
+              </a:effectRef>
+              <a:fontRef idx="minor">
+                <a:schemeClr val="tx1"/>
+              </a:fontRef>
+            </p:style>
+          </p:cxnSp>
+          <p:cxnSp>
+            <p:nvCxnSpPr>
+              <p:cNvPr id="76" name="连接符: 肘形 75">
+                <a:extLst>
+                  <a:ext uri="{FF2B5EF4-FFF2-40B4-BE49-F238E27FC236}">
+                    <a16:creationId xmlns:a16="http://schemas.microsoft.com/office/drawing/2014/main" id="{0A615EDD-9937-39D4-D758-772C06E1F795}"/>
+                  </a:ext>
+                </a:extLst>
+              </p:cNvPr>
+              <p:cNvCxnSpPr>
+                <a:cxnSpLocks/>
+                <a:stCxn id="69" idx="1"/>
+                <a:endCxn id="22" idx="4"/>
+              </p:cNvCxnSpPr>
+              <p:nvPr/>
+            </p:nvCxnSpPr>
+            <p:spPr>
+              <a:xfrm rot="5400000" flipH="1" flipV="1">
+                <a:off x="3908048" y="2534839"/>
+                <a:ext cx="2967741" cy="28423"/>
+              </a:xfrm>
+              <a:prstGeom prst="bentConnector4">
+                <a:avLst>
+                  <a:gd name="adj1" fmla="val 37544"/>
+                  <a:gd name="adj2" fmla="val 904278"/>
+                </a:avLst>
+              </a:prstGeom>
+              <a:ln>
+                <a:solidFill>
+                  <a:schemeClr val="tx1"/>
+                </a:solidFill>
+                <a:tailEnd type="triangle"/>
+              </a:ln>
+            </p:spPr>
+            <p:style>
+              <a:lnRef idx="1">
+                <a:schemeClr val="accent1"/>
+              </a:lnRef>
+              <a:fillRef idx="0">
+                <a:schemeClr val="accent1"/>
+              </a:fillRef>
+              <a:effectRef idx="0">
+                <a:schemeClr val="accent1"/>
+              </a:effectRef>
+              <a:fontRef idx="minor">
+                <a:schemeClr val="tx1"/>
+              </a:fontRef>
+            </p:style>
+          </p:cxnSp>
+          <p:sp>
+            <p:nvSpPr>
+              <p:cNvPr id="77" name="文本框 76">
+                <a:extLst>
+                  <a:ext uri="{FF2B5EF4-FFF2-40B4-BE49-F238E27FC236}">
+                    <a16:creationId xmlns:a16="http://schemas.microsoft.com/office/drawing/2014/main" id="{B109C5A0-F61A-F47E-34D0-E9E56CC703F8}"/>
+                  </a:ext>
+                </a:extLst>
+              </p:cNvPr>
+              <p:cNvSpPr txBox="1"/>
+              <p:nvPr/>
+            </p:nvSpPr>
+            <p:spPr>
+              <a:xfrm>
+                <a:off x="6251693" y="3779154"/>
+                <a:ext cx="532677" cy="261610"/>
+              </a:xfrm>
+              <a:prstGeom prst="rect">
+                <a:avLst/>
+              </a:prstGeom>
+              <a:noFill/>
+            </p:spPr>
+            <p:txBody>
+              <a:bodyPr wrap="square">
+                <a:spAutoFit/>
+              </a:bodyPr>
+              <a:lstStyle/>
+              <a:p>
+                <a:r>
+                  <a:rPr lang="en-US" altLang="zh-CN" sz="1100" dirty="0">
+                    <a:solidFill>
+                      <a:srgbClr val="FF0000"/>
+                    </a:solidFill>
+                    <a:latin typeface="Times New Roman" panose="02020603050405020304" pitchFamily="18" charset="0"/>
+                    <a:cs typeface="Times New Roman" panose="02020603050405020304" pitchFamily="18" charset="0"/>
+                  </a:rPr>
+                  <a:t>NFS</a:t>
+                </a:r>
+                <a:endParaRPr lang="zh-CN" altLang="en-US" sz="1100" dirty="0"/>
+              </a:p>
+            </p:txBody>
+          </p:sp>
+          <p:sp>
+            <p:nvSpPr>
+              <p:cNvPr id="78" name="立方体 77">
+                <a:extLst>
+                  <a:ext uri="{FF2B5EF4-FFF2-40B4-BE49-F238E27FC236}">
+                    <a16:creationId xmlns:a16="http://schemas.microsoft.com/office/drawing/2014/main" id="{696F0030-734B-12CC-98D2-EA8AD705D605}"/>
+                  </a:ext>
+                </a:extLst>
+              </p:cNvPr>
+              <p:cNvSpPr/>
+              <p:nvPr/>
+            </p:nvSpPr>
+            <p:spPr>
+              <a:xfrm>
+                <a:off x="3920321" y="5238306"/>
+                <a:ext cx="2001517" cy="1482884"/>
+              </a:xfrm>
+              <a:prstGeom prst="cube">
+                <a:avLst>
+                  <a:gd name="adj" fmla="val 8670"/>
+                </a:avLst>
+              </a:prstGeom>
+              <a:noFill/>
+              <a:ln>
+                <a:solidFill>
+                  <a:schemeClr val="tx1"/>
+                </a:solidFill>
+              </a:ln>
+              <a:scene3d>
+                <a:camera prst="orthographicFront"/>
+                <a:lightRig rig="brightRoom" dir="t"/>
+              </a:scene3d>
+              <a:sp3d prstMaterial="matte"/>
+            </p:spPr>
+            <p:style>
+              <a:lnRef idx="2">
+                <a:schemeClr val="accent1">
+                  <a:shade val="50000"/>
+                </a:schemeClr>
+              </a:lnRef>
+              <a:fillRef idx="1">
+                <a:schemeClr val="accent1"/>
+              </a:fillRef>
+              <a:effectRef idx="0">
+                <a:schemeClr val="accent1"/>
+              </a:effectRef>
+              <a:fontRef idx="minor">
+                <a:schemeClr val="lt1"/>
+              </a:fontRef>
+            </p:style>
+            <p:txBody>
+              <a:bodyPr rtlCol="0" anchor="ctr"/>
+              <a:lstStyle/>
+              <a:p>
+                <a:pPr algn="ctr"/>
+                <a:endParaRPr lang="en-US" altLang="zh-CN" sz="800" dirty="0">
+                  <a:solidFill>
+                    <a:schemeClr val="tx1"/>
+                  </a:solidFill>
+                </a:endParaRPr>
+              </a:p>
+              <a:p>
+                <a:pPr algn="ctr"/>
+                <a:endParaRPr lang="en-US" altLang="zh-CN" sz="800" dirty="0">
+                  <a:solidFill>
+                    <a:schemeClr val="tx1"/>
+                  </a:solidFill>
+                </a:endParaRPr>
+              </a:p>
+              <a:p>
+                <a:pPr algn="ctr"/>
+                <a:endParaRPr lang="en-US" altLang="zh-CN" sz="800" dirty="0">
+                  <a:solidFill>
+                    <a:schemeClr val="tx1"/>
+                  </a:solidFill>
+                </a:endParaRPr>
+              </a:p>
+              <a:p>
+                <a:pPr algn="ctr"/>
+                <a:endParaRPr lang="en-US" altLang="zh-CN" sz="800" dirty="0">
+                  <a:solidFill>
+                    <a:schemeClr val="tx1"/>
+                  </a:solidFill>
+                </a:endParaRPr>
+              </a:p>
+              <a:p>
+                <a:pPr algn="ctr"/>
+                <a:endParaRPr lang="en-US" altLang="zh-CN" sz="1600" dirty="0">
+                  <a:solidFill>
+                    <a:schemeClr val="tx1"/>
+                  </a:solidFill>
+                </a:endParaRPr>
+              </a:p>
+              <a:p>
+                <a:pPr algn="ctr"/>
+                <a:endParaRPr lang="en-US" altLang="zh-CN" sz="1600" dirty="0">
+                  <a:solidFill>
+                    <a:schemeClr val="tx1"/>
+                  </a:solidFill>
+                </a:endParaRPr>
+              </a:p>
+              <a:p>
+                <a:pPr algn="ctr"/>
+                <a:r>
+                  <a:rPr lang="en-US" altLang="zh-CN" sz="1600" dirty="0">
+                    <a:solidFill>
+                      <a:schemeClr val="tx1"/>
+                    </a:solidFill>
+                  </a:rPr>
+                  <a:t> </a:t>
+                </a:r>
+                <a:endParaRPr lang="zh-CN" altLang="en-US" sz="1600" dirty="0">
+                  <a:solidFill>
+                    <a:schemeClr val="tx1"/>
+                  </a:solidFill>
+                </a:endParaRPr>
+              </a:p>
+            </p:txBody>
+          </p:sp>
+          <p:cxnSp>
+            <p:nvCxnSpPr>
+              <p:cNvPr id="79" name="连接符: 肘形 78">
+                <a:extLst>
+                  <a:ext uri="{FF2B5EF4-FFF2-40B4-BE49-F238E27FC236}">
+                    <a16:creationId xmlns:a16="http://schemas.microsoft.com/office/drawing/2014/main" id="{96041B0F-0BC7-4779-1F46-CE9C1EBDC38C}"/>
+                  </a:ext>
+                </a:extLst>
+              </p:cNvPr>
+              <p:cNvCxnSpPr>
+                <a:cxnSpLocks/>
+              </p:cNvCxnSpPr>
+              <p:nvPr/>
+            </p:nvCxnSpPr>
+            <p:spPr>
+              <a:xfrm rot="16200000" flipV="1">
+                <a:off x="2977899" y="3861077"/>
+                <a:ext cx="2398902" cy="568709"/>
+              </a:xfrm>
+              <a:prstGeom prst="bentConnector2">
+                <a:avLst/>
+              </a:prstGeom>
+              <a:ln>
+                <a:solidFill>
+                  <a:schemeClr val="tx1"/>
+                </a:solidFill>
+                <a:tailEnd type="triangle"/>
+              </a:ln>
+            </p:spPr>
+            <p:style>
+              <a:lnRef idx="1">
+                <a:schemeClr val="accent1"/>
+              </a:lnRef>
+              <a:fillRef idx="0">
+                <a:schemeClr val="accent1"/>
+              </a:fillRef>
+              <a:effectRef idx="0">
+                <a:schemeClr val="accent1"/>
+              </a:effectRef>
+              <a:fontRef idx="minor">
+                <a:schemeClr val="tx1"/>
+              </a:fontRef>
+            </p:style>
+          </p:cxnSp>
+          <p:sp>
+            <p:nvSpPr>
+              <p:cNvPr id="80" name="矩形 79">
+                <a:extLst>
+                  <a:ext uri="{FF2B5EF4-FFF2-40B4-BE49-F238E27FC236}">
+                    <a16:creationId xmlns:a16="http://schemas.microsoft.com/office/drawing/2014/main" id="{E95478DE-0548-737A-A36B-7CB73347954A}"/>
+                  </a:ext>
+                </a:extLst>
+              </p:cNvPr>
+              <p:cNvSpPr/>
+              <p:nvPr/>
+            </p:nvSpPr>
+            <p:spPr>
+              <a:xfrm>
+                <a:off x="4413598" y="5567385"/>
+                <a:ext cx="764192" cy="210372"/>
+              </a:xfrm>
+              <a:prstGeom prst="rect">
+                <a:avLst/>
+              </a:prstGeom>
+              <a:noFill/>
+              <a:ln>
+                <a:solidFill>
+                  <a:schemeClr val="tx1"/>
+                </a:solidFill>
+              </a:ln>
+            </p:spPr>
+            <p:style>
+              <a:lnRef idx="2">
+                <a:schemeClr val="accent1">
+                  <a:shade val="50000"/>
+                </a:schemeClr>
+              </a:lnRef>
+              <a:fillRef idx="1">
+                <a:schemeClr val="accent1"/>
+              </a:fillRef>
+              <a:effectRef idx="0">
+                <a:schemeClr val="accent1"/>
+              </a:effectRef>
+              <a:fontRef idx="minor">
+                <a:schemeClr val="lt1"/>
+              </a:fontRef>
+            </p:style>
+            <p:txBody>
+              <a:bodyPr rtlCol="0" anchor="ctr"/>
+              <a:lstStyle/>
+              <a:p>
+                <a:pPr algn="ctr"/>
+                <a:r>
+                  <a:rPr lang="en-US" altLang="zh-CN" sz="800" dirty="0" err="1">
+                    <a:solidFill>
+                      <a:schemeClr val="tx1"/>
+                    </a:solidFill>
+                  </a:rPr>
+                  <a:t>wx.request</a:t>
+                </a:r>
+                <a:endParaRPr lang="zh-CN" altLang="en-US" sz="800" dirty="0">
+                  <a:solidFill>
+                    <a:schemeClr val="tx1"/>
+                  </a:solidFill>
+                </a:endParaRPr>
+              </a:p>
+            </p:txBody>
+          </p:sp>
+          <p:sp>
+            <p:nvSpPr>
+              <p:cNvPr id="81" name="流程图: 过程 80">
+                <a:extLst>
+                  <a:ext uri="{FF2B5EF4-FFF2-40B4-BE49-F238E27FC236}">
+                    <a16:creationId xmlns:a16="http://schemas.microsoft.com/office/drawing/2014/main" id="{E6228E84-EF3F-03A0-0B6D-65CCD21FA9B0}"/>
+                  </a:ext>
+                </a:extLst>
+              </p:cNvPr>
+              <p:cNvSpPr/>
+              <p:nvPr/>
+            </p:nvSpPr>
+            <p:spPr>
+              <a:xfrm>
+                <a:off x="4330285" y="5590251"/>
+                <a:ext cx="157945" cy="59055"/>
+              </a:xfrm>
+              <a:prstGeom prst="flowChartProcess">
+                <a:avLst/>
+              </a:prstGeom>
+            </p:spPr>
+            <p:style>
+              <a:lnRef idx="2">
+                <a:schemeClr val="accent1">
+                  <a:shade val="50000"/>
+                </a:schemeClr>
+              </a:lnRef>
+              <a:fillRef idx="1">
+                <a:schemeClr val="accent1"/>
+              </a:fillRef>
+              <a:effectRef idx="0">
+                <a:schemeClr val="accent1"/>
+              </a:effectRef>
+              <a:fontRef idx="minor">
+                <a:schemeClr val="lt1"/>
+              </a:fontRef>
+            </p:style>
+            <p:txBody>
+              <a:bodyPr rtlCol="0" anchor="ctr"/>
+              <a:lstStyle/>
+              <a:p>
+                <a:pPr algn="ctr"/>
+                <a:endParaRPr lang="zh-CN" altLang="en-US"/>
+              </a:p>
+            </p:txBody>
+          </p:sp>
+          <p:sp>
+            <p:nvSpPr>
+              <p:cNvPr id="82" name="流程图: 过程 81">
+                <a:extLst>
+                  <a:ext uri="{FF2B5EF4-FFF2-40B4-BE49-F238E27FC236}">
+                    <a16:creationId xmlns:a16="http://schemas.microsoft.com/office/drawing/2014/main" id="{BCCB358F-141D-5BF5-815C-4C38B3188349}"/>
+                  </a:ext>
+                </a:extLst>
+              </p:cNvPr>
+              <p:cNvSpPr/>
+              <p:nvPr/>
+            </p:nvSpPr>
+            <p:spPr>
+              <a:xfrm>
+                <a:off x="4330285" y="5687685"/>
+                <a:ext cx="157945" cy="59055"/>
+              </a:xfrm>
+              <a:prstGeom prst="flowChartProcess">
+                <a:avLst/>
+              </a:prstGeom>
+            </p:spPr>
+            <p:style>
+              <a:lnRef idx="2">
+                <a:schemeClr val="accent1">
+                  <a:shade val="50000"/>
+                </a:schemeClr>
+              </a:lnRef>
+              <a:fillRef idx="1">
+                <a:schemeClr val="accent1"/>
+              </a:fillRef>
+              <a:effectRef idx="0">
+                <a:schemeClr val="accent1"/>
+              </a:effectRef>
+              <a:fontRef idx="minor">
+                <a:schemeClr val="lt1"/>
+              </a:fontRef>
+            </p:style>
+            <p:txBody>
+              <a:bodyPr rtlCol="0" anchor="ctr"/>
+              <a:lstStyle/>
+              <a:p>
+                <a:pPr algn="ctr"/>
+                <a:endParaRPr lang="zh-CN" altLang="en-US"/>
+              </a:p>
+            </p:txBody>
+          </p:sp>
+          <p:sp>
+            <p:nvSpPr>
+              <p:cNvPr id="83" name="矩形 82">
+                <a:extLst>
+                  <a:ext uri="{FF2B5EF4-FFF2-40B4-BE49-F238E27FC236}">
+                    <a16:creationId xmlns:a16="http://schemas.microsoft.com/office/drawing/2014/main" id="{96B8B617-C3C2-7A28-5864-5D819B83317F}"/>
+                  </a:ext>
+                </a:extLst>
+              </p:cNvPr>
+              <p:cNvSpPr/>
+              <p:nvPr/>
+            </p:nvSpPr>
+            <p:spPr>
+              <a:xfrm>
+                <a:off x="4436937" y="5974881"/>
+                <a:ext cx="764192" cy="210372"/>
+              </a:xfrm>
+              <a:prstGeom prst="rect">
+                <a:avLst/>
+              </a:prstGeom>
+              <a:noFill/>
+              <a:ln>
+                <a:solidFill>
+                  <a:schemeClr val="tx1"/>
+                </a:solidFill>
+              </a:ln>
+            </p:spPr>
+            <p:style>
+              <a:lnRef idx="2">
+                <a:schemeClr val="accent1">
+                  <a:shade val="50000"/>
+                </a:schemeClr>
+              </a:lnRef>
+              <a:fillRef idx="1">
+                <a:schemeClr val="accent1"/>
+              </a:fillRef>
+              <a:effectRef idx="0">
+                <a:schemeClr val="accent1"/>
+              </a:effectRef>
+              <a:fontRef idx="minor">
+                <a:schemeClr val="lt1"/>
+              </a:fontRef>
+            </p:style>
+            <p:txBody>
+              <a:bodyPr rtlCol="0" anchor="ctr"/>
+              <a:lstStyle/>
+              <a:p>
+                <a:pPr algn="ctr"/>
+                <a:r>
+                  <a:rPr lang="en-US" altLang="zh-CN" sz="800" dirty="0" err="1">
+                    <a:solidFill>
+                      <a:schemeClr val="tx1"/>
+                    </a:solidFill>
+                  </a:rPr>
+                  <a:t>wxml</a:t>
+                </a:r>
+                <a:endParaRPr lang="zh-CN" altLang="en-US" sz="800" dirty="0">
+                  <a:solidFill>
+                    <a:schemeClr val="tx1"/>
+                  </a:solidFill>
+                </a:endParaRPr>
+              </a:p>
+            </p:txBody>
+          </p:sp>
+          <p:sp>
+            <p:nvSpPr>
+              <p:cNvPr id="84" name="流程图: 过程 83">
+                <a:extLst>
+                  <a:ext uri="{FF2B5EF4-FFF2-40B4-BE49-F238E27FC236}">
+                    <a16:creationId xmlns:a16="http://schemas.microsoft.com/office/drawing/2014/main" id="{A859A9D0-5DFF-898F-E1B2-CCA2EACC8A35}"/>
+                  </a:ext>
+                </a:extLst>
+              </p:cNvPr>
+              <p:cNvSpPr/>
+              <p:nvPr/>
+            </p:nvSpPr>
+            <p:spPr>
+              <a:xfrm>
+                <a:off x="4353624" y="5997747"/>
+                <a:ext cx="157945" cy="59055"/>
+              </a:xfrm>
+              <a:prstGeom prst="flowChartProcess">
+                <a:avLst/>
+              </a:prstGeom>
+            </p:spPr>
+            <p:style>
+              <a:lnRef idx="2">
+                <a:schemeClr val="accent1">
+                  <a:shade val="50000"/>
+                </a:schemeClr>
+              </a:lnRef>
+              <a:fillRef idx="1">
+                <a:schemeClr val="accent1"/>
+              </a:fillRef>
+              <a:effectRef idx="0">
+                <a:schemeClr val="accent1"/>
+              </a:effectRef>
+              <a:fontRef idx="minor">
+                <a:schemeClr val="lt1"/>
+              </a:fontRef>
+            </p:style>
+            <p:txBody>
+              <a:bodyPr rtlCol="0" anchor="ctr"/>
+              <a:lstStyle/>
+              <a:p>
+                <a:pPr algn="ctr"/>
+                <a:endParaRPr lang="zh-CN" altLang="en-US"/>
+              </a:p>
+            </p:txBody>
+          </p:sp>
+          <p:sp>
+            <p:nvSpPr>
+              <p:cNvPr id="85" name="流程图: 过程 84">
+                <a:extLst>
+                  <a:ext uri="{FF2B5EF4-FFF2-40B4-BE49-F238E27FC236}">
+                    <a16:creationId xmlns:a16="http://schemas.microsoft.com/office/drawing/2014/main" id="{7334DCCF-7F10-70A4-71AB-44A2954DDEA0}"/>
+                  </a:ext>
+                </a:extLst>
+              </p:cNvPr>
+              <p:cNvSpPr/>
+              <p:nvPr/>
+            </p:nvSpPr>
+            <p:spPr>
+              <a:xfrm>
+                <a:off x="4353624" y="6095181"/>
+                <a:ext cx="157945" cy="59055"/>
+              </a:xfrm>
+              <a:prstGeom prst="flowChartProcess">
+                <a:avLst/>
+              </a:prstGeom>
+            </p:spPr>
+            <p:style>
+              <a:lnRef idx="2">
+                <a:schemeClr val="accent1">
+                  <a:shade val="50000"/>
+                </a:schemeClr>
+              </a:lnRef>
+              <a:fillRef idx="1">
+                <a:schemeClr val="accent1"/>
+              </a:fillRef>
+              <a:effectRef idx="0">
+                <a:schemeClr val="accent1"/>
+              </a:effectRef>
+              <a:fontRef idx="minor">
+                <a:schemeClr val="lt1"/>
+              </a:fontRef>
+            </p:style>
+            <p:txBody>
+              <a:bodyPr rtlCol="0" anchor="ctr"/>
+              <a:lstStyle/>
+              <a:p>
+                <a:pPr algn="ctr"/>
+                <a:endParaRPr lang="zh-CN" altLang="en-US"/>
+              </a:p>
+            </p:txBody>
+          </p:sp>
+          <p:sp>
+            <p:nvSpPr>
+              <p:cNvPr id="86" name="矩形 85">
+                <a:extLst>
+                  <a:ext uri="{FF2B5EF4-FFF2-40B4-BE49-F238E27FC236}">
+                    <a16:creationId xmlns:a16="http://schemas.microsoft.com/office/drawing/2014/main" id="{3D8AD040-7310-048C-F6EB-577986159DBF}"/>
+                  </a:ext>
+                </a:extLst>
+              </p:cNvPr>
+              <p:cNvSpPr/>
+              <p:nvPr/>
+            </p:nvSpPr>
+            <p:spPr>
+              <a:xfrm>
+                <a:off x="4419365" y="6336859"/>
+                <a:ext cx="764192" cy="210372"/>
+              </a:xfrm>
+              <a:prstGeom prst="rect">
+                <a:avLst/>
+              </a:prstGeom>
+              <a:noFill/>
+              <a:ln>
+                <a:solidFill>
+                  <a:schemeClr val="tx1"/>
+                </a:solidFill>
+              </a:ln>
+            </p:spPr>
+            <p:style>
+              <a:lnRef idx="2">
+                <a:schemeClr val="accent1">
+                  <a:shade val="50000"/>
+                </a:schemeClr>
+              </a:lnRef>
+              <a:fillRef idx="1">
+                <a:schemeClr val="accent1"/>
+              </a:fillRef>
+              <a:effectRef idx="0">
+                <a:schemeClr val="accent1"/>
+              </a:effectRef>
+              <a:fontRef idx="minor">
+                <a:schemeClr val="lt1"/>
+              </a:fontRef>
+            </p:style>
+            <p:txBody>
+              <a:bodyPr rtlCol="0" anchor="ctr"/>
+              <a:lstStyle/>
+              <a:p>
+                <a:pPr algn="ctr"/>
+                <a:r>
+                  <a:rPr lang="en-US" altLang="zh-CN" sz="800" dirty="0" err="1">
+                    <a:solidFill>
+                      <a:schemeClr val="tx1"/>
+                    </a:solidFill>
+                  </a:rPr>
+                  <a:t>wxss</a:t>
+                </a:r>
+                <a:endParaRPr lang="zh-CN" altLang="en-US" sz="800" dirty="0">
+                  <a:solidFill>
+                    <a:schemeClr val="tx1"/>
+                  </a:solidFill>
+                </a:endParaRPr>
+              </a:p>
+            </p:txBody>
+          </p:sp>
+          <p:sp>
+            <p:nvSpPr>
+              <p:cNvPr id="87" name="流程图: 过程 86">
+                <a:extLst>
+                  <a:ext uri="{FF2B5EF4-FFF2-40B4-BE49-F238E27FC236}">
+                    <a16:creationId xmlns:a16="http://schemas.microsoft.com/office/drawing/2014/main" id="{FC4AEB35-2857-49C5-3141-6FC74E4FE300}"/>
+                  </a:ext>
+                </a:extLst>
+              </p:cNvPr>
+              <p:cNvSpPr/>
+              <p:nvPr/>
+            </p:nvSpPr>
+            <p:spPr>
+              <a:xfrm>
+                <a:off x="4336052" y="6359725"/>
+                <a:ext cx="157945" cy="59055"/>
+              </a:xfrm>
+              <a:prstGeom prst="flowChartProcess">
+                <a:avLst/>
+              </a:prstGeom>
+            </p:spPr>
+            <p:style>
+              <a:lnRef idx="2">
+                <a:schemeClr val="accent1">
+                  <a:shade val="50000"/>
+                </a:schemeClr>
+              </a:lnRef>
+              <a:fillRef idx="1">
+                <a:schemeClr val="accent1"/>
+              </a:fillRef>
+              <a:effectRef idx="0">
+                <a:schemeClr val="accent1"/>
+              </a:effectRef>
+              <a:fontRef idx="minor">
+                <a:schemeClr val="lt1"/>
+              </a:fontRef>
+            </p:style>
+            <p:txBody>
+              <a:bodyPr rtlCol="0" anchor="ctr"/>
+              <a:lstStyle/>
+              <a:p>
+                <a:pPr algn="ctr"/>
+                <a:endParaRPr lang="zh-CN" altLang="en-US"/>
+              </a:p>
+            </p:txBody>
+          </p:sp>
+          <p:sp>
+            <p:nvSpPr>
+              <p:cNvPr id="88" name="流程图: 过程 87">
+                <a:extLst>
+                  <a:ext uri="{FF2B5EF4-FFF2-40B4-BE49-F238E27FC236}">
+                    <a16:creationId xmlns:a16="http://schemas.microsoft.com/office/drawing/2014/main" id="{42AF3127-E867-3936-C776-76A0455EBA74}"/>
+                  </a:ext>
+                </a:extLst>
+              </p:cNvPr>
+              <p:cNvSpPr/>
+              <p:nvPr/>
+            </p:nvSpPr>
+            <p:spPr>
+              <a:xfrm>
+                <a:off x="4336052" y="6457159"/>
+                <a:ext cx="157945" cy="59055"/>
+              </a:xfrm>
+              <a:prstGeom prst="flowChartProcess">
+                <a:avLst/>
+              </a:prstGeom>
+            </p:spPr>
+            <p:style>
+              <a:lnRef idx="2">
+                <a:schemeClr val="accent1">
+                  <a:shade val="50000"/>
+                </a:schemeClr>
+              </a:lnRef>
+              <a:fillRef idx="1">
+                <a:schemeClr val="accent1"/>
+              </a:fillRef>
+              <a:effectRef idx="0">
+                <a:schemeClr val="accent1"/>
+              </a:effectRef>
+              <a:fontRef idx="minor">
+                <a:schemeClr val="lt1"/>
+              </a:fontRef>
+            </p:style>
+            <p:txBody>
+              <a:bodyPr rtlCol="0" anchor="ctr"/>
+              <a:lstStyle/>
+              <a:p>
+                <a:pPr algn="ctr"/>
+                <a:endParaRPr lang="zh-CN" altLang="en-US"/>
+              </a:p>
+            </p:txBody>
+          </p:sp>
+          <p:sp>
+            <p:nvSpPr>
+              <p:cNvPr id="89" name="文本框 88">
+                <a:extLst>
+                  <a:ext uri="{FF2B5EF4-FFF2-40B4-BE49-F238E27FC236}">
+                    <a16:creationId xmlns:a16="http://schemas.microsoft.com/office/drawing/2014/main" id="{56D69B15-96A6-F5DD-9122-746940A1C8DE}"/>
+                  </a:ext>
+                </a:extLst>
+              </p:cNvPr>
+              <p:cNvSpPr txBox="1"/>
+              <p:nvPr/>
+            </p:nvSpPr>
+            <p:spPr>
+              <a:xfrm>
+                <a:off x="5869970" y="5649216"/>
+                <a:ext cx="914400" cy="415498"/>
+              </a:xfrm>
+              <a:prstGeom prst="rect">
+                <a:avLst/>
+              </a:prstGeom>
+              <a:noFill/>
+            </p:spPr>
+            <p:txBody>
+              <a:bodyPr wrap="square" rtlCol="0">
+                <a:spAutoFit/>
+              </a:bodyPr>
+              <a:lstStyle/>
+              <a:p>
+                <a:r>
+                  <a:rPr lang="en-US" altLang="zh-CN" sz="1050" dirty="0" err="1"/>
+                  <a:t>Wechat</a:t>
+                </a:r>
+                <a:endParaRPr lang="en-US" altLang="zh-CN" sz="1050" dirty="0"/>
+              </a:p>
+              <a:p>
+                <a:r>
+                  <a:rPr lang="en-US" altLang="zh-CN" sz="1050" dirty="0"/>
+                  <a:t>Applet</a:t>
+                </a:r>
+                <a:endParaRPr lang="zh-CN" altLang="en-US" sz="1050" dirty="0"/>
+              </a:p>
+            </p:txBody>
+          </p:sp>
+        </p:grpSp>
+        <p:sp>
+          <p:nvSpPr>
+            <p:cNvPr id="6" name="矩形 5">
+              <a:extLst>
+                <a:ext uri="{FF2B5EF4-FFF2-40B4-BE49-F238E27FC236}">
+                  <a16:creationId xmlns:a16="http://schemas.microsoft.com/office/drawing/2014/main" id="{FF356BC1-8D8B-484B-7891-DD7EB1F0EE6A}"/>
+                </a:ext>
+              </a:extLst>
+            </p:cNvPr>
+            <p:cNvSpPr/>
+            <p:nvPr/>
+          </p:nvSpPr>
+          <p:spPr>
+            <a:xfrm>
+              <a:off x="3969777" y="534279"/>
+              <a:ext cx="625083" cy="162159"/>
+            </a:xfrm>
+            <a:prstGeom prst="rect">
+              <a:avLst/>
+            </a:prstGeom>
+            <a:noFill/>
+            <a:ln>
+              <a:solidFill>
+                <a:schemeClr val="tx1"/>
+              </a:solidFill>
+            </a:ln>
+          </p:spPr>
+          <p:style>
+            <a:lnRef idx="2">
+              <a:schemeClr val="accent1">
+                <a:shade val="50000"/>
+              </a:schemeClr>
+            </a:lnRef>
+            <a:fillRef idx="1">
+              <a:schemeClr val="accent1"/>
+            </a:fillRef>
+            <a:effectRef idx="0">
+              <a:schemeClr val="accent1"/>
+            </a:effectRef>
+            <a:fontRef idx="minor">
+              <a:schemeClr val="lt1"/>
+            </a:fontRef>
+          </p:style>
+          <p:txBody>
+            <a:bodyPr rtlCol="0" anchor="ctr"/>
+            <a:lstStyle/>
+            <a:p>
+              <a:pPr algn="ctr"/>
+              <a:r>
+                <a:rPr lang="en-US" altLang="zh-CN" sz="800" dirty="0" err="1">
+                  <a:solidFill>
+                    <a:schemeClr val="tx1"/>
+                  </a:solidFill>
+                </a:rPr>
+                <a:t>Langchain</a:t>
+              </a:r>
+              <a:endParaRPr lang="zh-CN" altLang="en-US" sz="800" dirty="0">
+                <a:solidFill>
+                  <a:schemeClr val="tx1"/>
+                </a:solidFill>
+              </a:endParaRPr>
+            </a:p>
+          </p:txBody>
+        </p:sp>
+        <p:sp>
+          <p:nvSpPr>
+            <p:cNvPr id="7" name="流程图: 过程 6">
+              <a:extLst>
+                <a:ext uri="{FF2B5EF4-FFF2-40B4-BE49-F238E27FC236}">
+                  <a16:creationId xmlns:a16="http://schemas.microsoft.com/office/drawing/2014/main" id="{F4738F6F-E043-05D5-D68B-6449BF179DAC}"/>
+                </a:ext>
+              </a:extLst>
+            </p:cNvPr>
+            <p:cNvSpPr/>
+            <p:nvPr/>
+          </p:nvSpPr>
+          <p:spPr>
+            <a:xfrm>
+              <a:off x="3911728" y="554594"/>
+              <a:ext cx="157944" cy="45719"/>
+            </a:xfrm>
+            <a:prstGeom prst="flowChartProcess">
+              <a:avLst/>
+            </a:prstGeom>
+          </p:spPr>
+          <p:style>
+            <a:lnRef idx="2">
+              <a:schemeClr val="accent1">
+                <a:shade val="50000"/>
+              </a:schemeClr>
+            </a:lnRef>
+            <a:fillRef idx="1">
+              <a:schemeClr val="accent1"/>
+            </a:fillRef>
+            <a:effectRef idx="0">
+              <a:schemeClr val="accent1"/>
+            </a:effectRef>
+            <a:fontRef idx="minor">
+              <a:schemeClr val="lt1"/>
+            </a:fontRef>
+          </p:style>
+          <p:txBody>
+            <a:bodyPr rtlCol="0" anchor="ctr"/>
+            <a:lstStyle/>
+            <a:p>
+              <a:pPr algn="ctr"/>
+              <a:endParaRPr lang="zh-CN" altLang="en-US" dirty="0"/>
+            </a:p>
+          </p:txBody>
+        </p:sp>
+        <p:sp>
+          <p:nvSpPr>
+            <p:cNvPr id="8" name="流程图: 过程 7">
+              <a:extLst>
+                <a:ext uri="{FF2B5EF4-FFF2-40B4-BE49-F238E27FC236}">
+                  <a16:creationId xmlns:a16="http://schemas.microsoft.com/office/drawing/2014/main" id="{B8D65216-AB48-EF7E-6186-0601B80E245F}"/>
+                </a:ext>
+              </a:extLst>
+            </p:cNvPr>
+            <p:cNvSpPr/>
+            <p:nvPr/>
+          </p:nvSpPr>
+          <p:spPr>
+            <a:xfrm>
+              <a:off x="3911726" y="633468"/>
+              <a:ext cx="157945" cy="45719"/>
+            </a:xfrm>
+            <a:prstGeom prst="flowChartProcess">
+              <a:avLst/>
+            </a:prstGeom>
+          </p:spPr>
+          <p:style>
+            <a:lnRef idx="2">
+              <a:schemeClr val="accent1">
+                <a:shade val="50000"/>
+              </a:schemeClr>
+            </a:lnRef>
+            <a:fillRef idx="1">
+              <a:schemeClr val="accent1"/>
+            </a:fillRef>
+            <a:effectRef idx="0">
+              <a:schemeClr val="accent1"/>
+            </a:effectRef>
+            <a:fontRef idx="minor">
+              <a:schemeClr val="lt1"/>
+            </a:fontRef>
+          </p:style>
+          <p:txBody>
+            <a:bodyPr rtlCol="0" anchor="ctr"/>
+            <a:lstStyle/>
+            <a:p>
+              <a:pPr algn="ctr"/>
+              <a:endParaRPr lang="zh-CN" altLang="en-US" dirty="0"/>
+            </a:p>
+          </p:txBody>
+        </p:sp>
+        <p:sp>
+          <p:nvSpPr>
+            <p:cNvPr id="9" name="矩形 8">
+              <a:extLst>
+                <a:ext uri="{FF2B5EF4-FFF2-40B4-BE49-F238E27FC236}">
+                  <a16:creationId xmlns:a16="http://schemas.microsoft.com/office/drawing/2014/main" id="{7683149B-76F0-E857-24DD-D1E03FD988FB}"/>
+                </a:ext>
+              </a:extLst>
+            </p:cNvPr>
+            <p:cNvSpPr/>
+            <p:nvPr/>
+          </p:nvSpPr>
+          <p:spPr>
+            <a:xfrm>
+              <a:off x="4733328" y="528225"/>
+              <a:ext cx="625083" cy="162159"/>
+            </a:xfrm>
+            <a:prstGeom prst="rect">
+              <a:avLst/>
+            </a:prstGeom>
+            <a:noFill/>
+            <a:ln>
+              <a:solidFill>
+                <a:schemeClr val="tx1"/>
+              </a:solidFill>
+            </a:ln>
+          </p:spPr>
+          <p:style>
+            <a:lnRef idx="2">
+              <a:schemeClr val="accent1">
+                <a:shade val="50000"/>
+              </a:schemeClr>
+            </a:lnRef>
+            <a:fillRef idx="1">
+              <a:schemeClr val="accent1"/>
+            </a:fillRef>
+            <a:effectRef idx="0">
+              <a:schemeClr val="accent1"/>
+            </a:effectRef>
+            <a:fontRef idx="minor">
+              <a:schemeClr val="lt1"/>
+            </a:fontRef>
+          </p:style>
+          <p:txBody>
+            <a:bodyPr rtlCol="0" anchor="ctr"/>
+            <a:lstStyle/>
+            <a:p>
+              <a:pPr algn="ctr"/>
+              <a:r>
+                <a:rPr lang="en-US" altLang="zh-CN" sz="800" dirty="0" err="1">
+                  <a:solidFill>
+                    <a:schemeClr val="tx1"/>
+                  </a:solidFill>
+                </a:rPr>
+                <a:t>ChatGLM</a:t>
+              </a:r>
+              <a:endParaRPr lang="zh-CN" altLang="en-US" sz="800" dirty="0">
+                <a:solidFill>
+                  <a:schemeClr val="tx1"/>
+                </a:solidFill>
+              </a:endParaRPr>
+            </a:p>
+          </p:txBody>
+        </p:sp>
+        <p:sp>
+          <p:nvSpPr>
+            <p:cNvPr id="10" name="流程图: 过程 9">
+              <a:extLst>
+                <a:ext uri="{FF2B5EF4-FFF2-40B4-BE49-F238E27FC236}">
+                  <a16:creationId xmlns:a16="http://schemas.microsoft.com/office/drawing/2014/main" id="{DB36B32B-66B3-CF4F-D159-24482A0ACB84}"/>
+                </a:ext>
+              </a:extLst>
+            </p:cNvPr>
+            <p:cNvSpPr/>
+            <p:nvPr/>
+          </p:nvSpPr>
+          <p:spPr>
+            <a:xfrm>
+              <a:off x="4675279" y="548540"/>
+              <a:ext cx="157944" cy="45719"/>
+            </a:xfrm>
+            <a:prstGeom prst="flowChartProcess">
+              <a:avLst/>
+            </a:prstGeom>
+          </p:spPr>
+          <p:style>
+            <a:lnRef idx="2">
+              <a:schemeClr val="accent1">
+                <a:shade val="50000"/>
+              </a:schemeClr>
+            </a:lnRef>
+            <a:fillRef idx="1">
+              <a:schemeClr val="accent1"/>
+            </a:fillRef>
+            <a:effectRef idx="0">
+              <a:schemeClr val="accent1"/>
+            </a:effectRef>
+            <a:fontRef idx="minor">
+              <a:schemeClr val="lt1"/>
+            </a:fontRef>
+          </p:style>
+          <p:txBody>
+            <a:bodyPr rtlCol="0" anchor="ctr"/>
+            <a:lstStyle/>
+            <a:p>
+              <a:pPr algn="ctr"/>
+              <a:endParaRPr lang="zh-CN" altLang="en-US" dirty="0"/>
+            </a:p>
+          </p:txBody>
+        </p:sp>
+        <p:sp>
+          <p:nvSpPr>
+            <p:cNvPr id="11" name="流程图: 过程 10">
+              <a:extLst>
+                <a:ext uri="{FF2B5EF4-FFF2-40B4-BE49-F238E27FC236}">
+                  <a16:creationId xmlns:a16="http://schemas.microsoft.com/office/drawing/2014/main" id="{6AC1C3AE-632E-9C80-FD52-709AF5D52C13}"/>
+                </a:ext>
+              </a:extLst>
+            </p:cNvPr>
+            <p:cNvSpPr/>
+            <p:nvPr/>
+          </p:nvSpPr>
+          <p:spPr>
+            <a:xfrm>
+              <a:off x="4675277" y="627414"/>
+              <a:ext cx="157945" cy="45719"/>
+            </a:xfrm>
+            <a:prstGeom prst="flowChartProcess">
+              <a:avLst/>
+            </a:prstGeom>
+          </p:spPr>
+          <p:style>
+            <a:lnRef idx="2">
+              <a:schemeClr val="accent1">
+                <a:shade val="50000"/>
+              </a:schemeClr>
+            </a:lnRef>
+            <a:fillRef idx="1">
+              <a:schemeClr val="accent1"/>
+            </a:fillRef>
+            <a:effectRef idx="0">
+              <a:schemeClr val="accent1"/>
+            </a:effectRef>
+            <a:fontRef idx="minor">
+              <a:schemeClr val="lt1"/>
+            </a:fontRef>
+          </p:style>
+          <p:txBody>
+            <a:bodyPr rtlCol="0" anchor="ctr"/>
+            <a:lstStyle/>
+            <a:p>
+              <a:pPr algn="ctr"/>
+              <a:endParaRPr lang="zh-CN" altLang="en-US" dirty="0"/>
+            </a:p>
+          </p:txBody>
+        </p:sp>
+      </p:grpSp>
+    </p:spTree>
+    <p:extLst>
+      <p:ext uri="{BB962C8B-B14F-4D97-AF65-F5344CB8AC3E}">
+        <p14:creationId xmlns:p14="http://schemas.microsoft.com/office/powerpoint/2010/main" val="813804462"/>
       </p:ext>
     </p:extLst>
   </p:cSld>
@@ -16527,7 +20748,7 @@
                       <a:schemeClr val="tx1"/>
                     </a:solidFill>
                   </a:rPr>
-                  <a:t>React—&gt;Django(</a:t>
+                  <a:t>React-&gt;</a:t>
                 </a:r>
                 <a:r>
                   <a:rPr lang="en-US" altLang="zh-CN" sz="800" dirty="0" err="1">
@@ -16543,7 +20764,7 @@
                       <a:schemeClr val="tx1"/>
                     </a:solidFill>
                   </a:rPr>
-                  <a:t>-&gt;JWT-&gt;user)</a:t>
+                  <a:t>-&gt;Django)</a:t>
                 </a:r>
               </a:p>
             </p:txBody>
@@ -21576,7 +25797,7 @@
                 </a:r>
                 <a:r>
                   <a:rPr lang="en-US" altLang="zh-CN" sz="800" dirty="0" err="1"/>
-                  <a:t>Multidiffusion-Upscaler+instant-ngp+AutoGPT</a:t>
+                  <a:t>Langchain+ChatGLM</a:t>
                 </a:r>
                 <a:r>
                   <a:rPr lang="en-US" altLang="zh-CN" sz="800" dirty="0"/>
@@ -22519,9 +26740,9 @@
         <p:grpSpPr>
           <a:xfrm>
             <a:off x="279604" y="556356"/>
-            <a:ext cx="6376467" cy="9173921"/>
+            <a:ext cx="6376467" cy="8025511"/>
             <a:chOff x="279604" y="556356"/>
-            <a:chExt cx="6376467" cy="9173921"/>
+            <a:chExt cx="6376467" cy="8025511"/>
           </a:xfrm>
         </p:grpSpPr>
         <p:grpSp>
@@ -24240,7 +28461,7 @@
               <a:pPr algn="ctr"/>
               <a:r>
                 <a:rPr lang="zh-CN" altLang="en-US" sz="600" dirty="0"/>
-                <a:t>私人工具库</a:t>
+                <a:t>私人知识库</a:t>
               </a:r>
             </a:p>
           </p:txBody>
@@ -24972,7 +29193,7 @@
               <a:pPr algn="ctr"/>
               <a:r>
                 <a:rPr lang="zh-CN" altLang="en-US" sz="800" dirty="0"/>
-                <a:t>快捷自定义功能性方法调用与代码查阅</a:t>
+                <a:t>快捷查阅知识库</a:t>
               </a:r>
             </a:p>
           </p:txBody>
@@ -25089,7 +29310,7 @@
           <p:spPr>
             <a:xfrm>
               <a:off x="2815920" y="7085787"/>
-              <a:ext cx="1084577" cy="369332"/>
+              <a:ext cx="1084577" cy="184666"/>
             </a:xfrm>
             <a:prstGeom prst="rect">
               <a:avLst/>
@@ -25104,15 +29325,7 @@
             <a:p>
               <a:r>
                 <a:rPr lang="zh-CN" altLang="en-US" sz="600" dirty="0"/>
-                <a:t>上传代码包文件及相应标注（</a:t>
-              </a:r>
-              <a:r>
-                <a:rPr lang="en-US" altLang="zh-CN" sz="600" dirty="0"/>
-                <a:t>EX:</a:t>
-              </a:r>
-              <a:r>
-                <a:rPr lang="zh-CN" altLang="en-US" sz="600" dirty="0"/>
-                <a:t>编程语言、输入输出接口）</a:t>
+                <a:t>上传知识库文档文件</a:t>
               </a:r>
             </a:p>
           </p:txBody>
@@ -25281,13 +29494,8 @@
             <a:p>
               <a:r>
                 <a:rPr lang="zh-CN" altLang="en-US" sz="600" dirty="0"/>
-                <a:t>服务器后端二次处理，打包成易调用功能性</a:t>
+                <a:t>服务器后端二次处理，用知识库进一步训练宠物</a:t>
               </a:r>
-              <a:r>
-                <a:rPr lang="en-US" altLang="zh-CN" sz="600" dirty="0"/>
-                <a:t>API</a:t>
-              </a:r>
-              <a:endParaRPr lang="zh-CN" altLang="en-US" sz="600" dirty="0"/>
             </a:p>
           </p:txBody>
         </p:sp>
@@ -25336,281 +29544,6 @@
               <a:r>
                 <a:rPr lang="zh-CN" altLang="en-US" sz="800" dirty="0"/>
                 <a:t>服务器后端</a:t>
-              </a:r>
-            </a:p>
-          </p:txBody>
-        </p:sp>
-        <p:sp>
-          <p:nvSpPr>
-            <p:cNvPr id="116" name="流程图: 过程 115">
-              <a:extLst>
-                <a:ext uri="{FF2B5EF4-FFF2-40B4-BE49-F238E27FC236}">
-                  <a16:creationId xmlns:a16="http://schemas.microsoft.com/office/drawing/2014/main" id="{E309FFC6-6148-51B7-9604-E0E142552990}"/>
-                </a:ext>
-              </a:extLst>
-            </p:cNvPr>
-            <p:cNvSpPr/>
-            <p:nvPr/>
-          </p:nvSpPr>
-          <p:spPr>
-            <a:xfrm>
-              <a:off x="655349" y="6873253"/>
-              <a:ext cx="706184" cy="201827"/>
-            </a:xfrm>
-            <a:prstGeom prst="flowChartProcess">
-              <a:avLst/>
-            </a:prstGeom>
-          </p:spPr>
-          <p:style>
-            <a:lnRef idx="2">
-              <a:schemeClr val="accent1">
-                <a:shade val="50000"/>
-              </a:schemeClr>
-            </a:lnRef>
-            <a:fillRef idx="1">
-              <a:schemeClr val="accent1"/>
-            </a:fillRef>
-            <a:effectRef idx="0">
-              <a:schemeClr val="accent1"/>
-            </a:effectRef>
-            <a:fontRef idx="minor">
-              <a:schemeClr val="lt1"/>
-            </a:fontRef>
-          </p:style>
-          <p:txBody>
-            <a:bodyPr rtlCol="0" anchor="ctr"/>
-            <a:lstStyle/>
-            <a:p>
-              <a:pPr algn="ctr"/>
-              <a:r>
-                <a:rPr lang="zh-CN" altLang="en-US" sz="500" dirty="0"/>
-                <a:t>工具库列表</a:t>
-              </a:r>
-            </a:p>
-          </p:txBody>
-        </p:sp>
-        <p:cxnSp>
-          <p:nvCxnSpPr>
-            <p:cNvPr id="117" name="连接符: 肘形 116">
-              <a:extLst>
-                <a:ext uri="{FF2B5EF4-FFF2-40B4-BE49-F238E27FC236}">
-                  <a16:creationId xmlns:a16="http://schemas.microsoft.com/office/drawing/2014/main" id="{EA6E1023-1416-4790-5964-6ED525CA7269}"/>
-                </a:ext>
-              </a:extLst>
-            </p:cNvPr>
-            <p:cNvCxnSpPr>
-              <a:cxnSpLocks/>
-              <a:stCxn id="89" idx="1"/>
-              <a:endCxn id="116" idx="0"/>
-            </p:cNvCxnSpPr>
-            <p:nvPr/>
-          </p:nvCxnSpPr>
-          <p:spPr>
-            <a:xfrm rot="10800000" flipV="1">
-              <a:off x="1008442" y="6237185"/>
-              <a:ext cx="806829" cy="636067"/>
-            </a:xfrm>
-            <a:prstGeom prst="bentConnector2">
-              <a:avLst/>
-            </a:prstGeom>
-            <a:ln>
-              <a:solidFill>
-                <a:schemeClr val="tx1"/>
-              </a:solidFill>
-              <a:tailEnd type="triangle"/>
-            </a:ln>
-          </p:spPr>
-          <p:style>
-            <a:lnRef idx="1">
-              <a:schemeClr val="accent1"/>
-            </a:lnRef>
-            <a:fillRef idx="0">
-              <a:schemeClr val="accent1"/>
-            </a:fillRef>
-            <a:effectRef idx="0">
-              <a:schemeClr val="accent1"/>
-            </a:effectRef>
-            <a:fontRef idx="minor">
-              <a:schemeClr val="tx1"/>
-            </a:fontRef>
-          </p:style>
-        </p:cxnSp>
-        <p:sp>
-          <p:nvSpPr>
-            <p:cNvPr id="121" name="流程图: 过程 120">
-              <a:extLst>
-                <a:ext uri="{FF2B5EF4-FFF2-40B4-BE49-F238E27FC236}">
-                  <a16:creationId xmlns:a16="http://schemas.microsoft.com/office/drawing/2014/main" id="{1374D483-D527-B4C3-7B0E-7CAB9589ADCE}"/>
-                </a:ext>
-              </a:extLst>
-            </p:cNvPr>
-            <p:cNvSpPr/>
-            <p:nvPr/>
-          </p:nvSpPr>
-          <p:spPr>
-            <a:xfrm>
-              <a:off x="652009" y="7069233"/>
-              <a:ext cx="720956" cy="201827"/>
-            </a:xfrm>
-            <a:prstGeom prst="flowChartProcess">
-              <a:avLst/>
-            </a:prstGeom>
-          </p:spPr>
-          <p:style>
-            <a:lnRef idx="2">
-              <a:schemeClr val="accent1">
-                <a:shade val="50000"/>
-              </a:schemeClr>
-            </a:lnRef>
-            <a:fillRef idx="1">
-              <a:schemeClr val="accent1"/>
-            </a:fillRef>
-            <a:effectRef idx="0">
-              <a:schemeClr val="accent1"/>
-            </a:effectRef>
-            <a:fontRef idx="minor">
-              <a:schemeClr val="lt1"/>
-            </a:fontRef>
-          </p:style>
-          <p:txBody>
-            <a:bodyPr rtlCol="0" anchor="ctr"/>
-            <a:lstStyle/>
-            <a:p>
-              <a:pPr algn="ctr"/>
-              <a:r>
-                <a:rPr lang="en-US" altLang="zh-CN" sz="500" dirty="0"/>
-                <a:t>EX: FFT Fib()</a:t>
-              </a:r>
-              <a:endParaRPr lang="zh-CN" altLang="en-US" sz="500" dirty="0"/>
-            </a:p>
-          </p:txBody>
-        </p:sp>
-        <p:sp>
-          <p:nvSpPr>
-            <p:cNvPr id="122" name="流程图: 过程 121">
-              <a:extLst>
-                <a:ext uri="{FF2B5EF4-FFF2-40B4-BE49-F238E27FC236}">
-                  <a16:creationId xmlns:a16="http://schemas.microsoft.com/office/drawing/2014/main" id="{3896E6F6-FAC1-E0B7-EC35-A61C99002C59}"/>
-                </a:ext>
-              </a:extLst>
-            </p:cNvPr>
-            <p:cNvSpPr/>
-            <p:nvPr/>
-          </p:nvSpPr>
-          <p:spPr>
-            <a:xfrm>
-              <a:off x="659395" y="7265213"/>
-              <a:ext cx="706184" cy="201827"/>
-            </a:xfrm>
-            <a:prstGeom prst="flowChartProcess">
-              <a:avLst/>
-            </a:prstGeom>
-          </p:spPr>
-          <p:style>
-            <a:lnRef idx="2">
-              <a:schemeClr val="accent1">
-                <a:shade val="50000"/>
-              </a:schemeClr>
-            </a:lnRef>
-            <a:fillRef idx="1">
-              <a:schemeClr val="accent1"/>
-            </a:fillRef>
-            <a:effectRef idx="0">
-              <a:schemeClr val="accent1"/>
-            </a:effectRef>
-            <a:fontRef idx="minor">
-              <a:schemeClr val="lt1"/>
-            </a:fontRef>
-          </p:style>
-          <p:txBody>
-            <a:bodyPr rtlCol="0" anchor="ctr"/>
-            <a:lstStyle/>
-            <a:p>
-              <a:pPr algn="ctr"/>
-              <a:r>
-                <a:rPr lang="en-US" altLang="zh-CN" sz="500" dirty="0"/>
-                <a:t>EX: Kernel Perception</a:t>
-              </a:r>
-              <a:endParaRPr lang="zh-CN" altLang="en-US" sz="500" dirty="0"/>
-            </a:p>
-          </p:txBody>
-        </p:sp>
-        <p:cxnSp>
-          <p:nvCxnSpPr>
-            <p:cNvPr id="125" name="连接符: 肘形 124">
-              <a:extLst>
-                <a:ext uri="{FF2B5EF4-FFF2-40B4-BE49-F238E27FC236}">
-                  <a16:creationId xmlns:a16="http://schemas.microsoft.com/office/drawing/2014/main" id="{893F8297-121B-851C-0044-B5F69D952FC2}"/>
-                </a:ext>
-              </a:extLst>
-            </p:cNvPr>
-            <p:cNvCxnSpPr>
-              <a:cxnSpLocks/>
-              <a:stCxn id="121" idx="3"/>
-              <a:endCxn id="113" idx="1"/>
-            </p:cNvCxnSpPr>
-            <p:nvPr/>
-          </p:nvCxnSpPr>
-          <p:spPr>
-            <a:xfrm flipV="1">
-              <a:off x="1372965" y="6883960"/>
-              <a:ext cx="4008660" cy="286187"/>
-            </a:xfrm>
-            <a:prstGeom prst="bentConnector3">
-              <a:avLst>
-                <a:gd name="adj1" fmla="val 15404"/>
-              </a:avLst>
-            </a:prstGeom>
-            <a:ln>
-              <a:tailEnd type="triangle"/>
-            </a:ln>
-          </p:spPr>
-          <p:style>
-            <a:lnRef idx="1">
-              <a:schemeClr val="accent1"/>
-            </a:lnRef>
-            <a:fillRef idx="0">
-              <a:schemeClr val="accent1"/>
-            </a:fillRef>
-            <a:effectRef idx="0">
-              <a:schemeClr val="accent1"/>
-            </a:effectRef>
-            <a:fontRef idx="minor">
-              <a:schemeClr val="tx1"/>
-            </a:fontRef>
-          </p:style>
-        </p:cxnSp>
-        <p:sp>
-          <p:nvSpPr>
-            <p:cNvPr id="126" name="文本框 125">
-              <a:extLst>
-                <a:ext uri="{FF2B5EF4-FFF2-40B4-BE49-F238E27FC236}">
-                  <a16:creationId xmlns:a16="http://schemas.microsoft.com/office/drawing/2014/main" id="{7A0905FE-2876-EB0C-6B1C-9B507B60BF47}"/>
-                </a:ext>
-              </a:extLst>
-            </p:cNvPr>
-            <p:cNvSpPr txBox="1"/>
-            <p:nvPr/>
-          </p:nvSpPr>
-          <p:spPr>
-            <a:xfrm>
-              <a:off x="1320808" y="7188287"/>
-              <a:ext cx="836864" cy="184666"/>
-            </a:xfrm>
-            <a:prstGeom prst="rect">
-              <a:avLst/>
-            </a:prstGeom>
-            <a:noFill/>
-          </p:spPr>
-          <p:txBody>
-            <a:bodyPr wrap="square" rtlCol="0">
-              <a:spAutoFit/>
-            </a:bodyPr>
-            <a:lstStyle/>
-            <a:p>
-              <a:r>
-                <a:rPr lang="zh-CN" altLang="en-US" sz="600" dirty="0"/>
-                <a:t>选择工具并点击</a:t>
               </a:r>
             </a:p>
           </p:txBody>
@@ -25660,402 +29593,6 @@
               <a:r>
                 <a:rPr lang="zh-CN" altLang="en-US" sz="300" dirty="0"/>
                 <a:t>树结构</a:t>
-              </a:r>
-            </a:p>
-          </p:txBody>
-        </p:sp>
-        <p:sp>
-          <p:nvSpPr>
-            <p:cNvPr id="128" name="矩形 127">
-              <a:extLst>
-                <a:ext uri="{FF2B5EF4-FFF2-40B4-BE49-F238E27FC236}">
-                  <a16:creationId xmlns:a16="http://schemas.microsoft.com/office/drawing/2014/main" id="{824982B4-CCBD-6235-FABD-15A95081CAA7}"/>
-                </a:ext>
-              </a:extLst>
-            </p:cNvPr>
-            <p:cNvSpPr/>
-            <p:nvPr/>
-          </p:nvSpPr>
-          <p:spPr>
-            <a:xfrm>
-              <a:off x="342968" y="8032755"/>
-              <a:ext cx="1966595" cy="1251077"/>
-            </a:xfrm>
-            <a:prstGeom prst="rect">
-              <a:avLst/>
-            </a:prstGeom>
-            <a:solidFill>
-              <a:schemeClr val="accent4">
-                <a:lumMod val="60000"/>
-                <a:lumOff val="40000"/>
-              </a:schemeClr>
-            </a:solidFill>
-          </p:spPr>
-          <p:style>
-            <a:lnRef idx="2">
-              <a:schemeClr val="accent1">
-                <a:shade val="50000"/>
-              </a:schemeClr>
-            </a:lnRef>
-            <a:fillRef idx="1">
-              <a:schemeClr val="accent1"/>
-            </a:fillRef>
-            <a:effectRef idx="0">
-              <a:schemeClr val="accent1"/>
-            </a:effectRef>
-            <a:fontRef idx="minor">
-              <a:schemeClr val="lt1"/>
-            </a:fontRef>
-          </p:style>
-          <p:txBody>
-            <a:bodyPr rtlCol="0" anchor="ctr"/>
-            <a:lstStyle/>
-            <a:p>
-              <a:pPr algn="ctr"/>
-              <a:endParaRPr lang="zh-CN" altLang="en-US"/>
-            </a:p>
-          </p:txBody>
-        </p:sp>
-        <p:sp>
-          <p:nvSpPr>
-            <p:cNvPr id="129" name="文本框 128">
-              <a:extLst>
-                <a:ext uri="{FF2B5EF4-FFF2-40B4-BE49-F238E27FC236}">
-                  <a16:creationId xmlns:a16="http://schemas.microsoft.com/office/drawing/2014/main" id="{BDA4CEA1-989B-B22C-0476-E3B9B7F5EC7C}"/>
-                </a:ext>
-              </a:extLst>
-            </p:cNvPr>
-            <p:cNvSpPr txBox="1"/>
-            <p:nvPr/>
-          </p:nvSpPr>
-          <p:spPr>
-            <a:xfrm>
-              <a:off x="432785" y="7861734"/>
-              <a:ext cx="1090961" cy="184666"/>
-            </a:xfrm>
-            <a:prstGeom prst="rect">
-              <a:avLst/>
-            </a:prstGeom>
-            <a:noFill/>
-          </p:spPr>
-          <p:txBody>
-            <a:bodyPr wrap="square" rtlCol="0">
-              <a:spAutoFit/>
-            </a:bodyPr>
-            <a:lstStyle/>
-            <a:p>
-              <a:r>
-                <a:rPr lang="zh-CN" altLang="en-US" sz="600" dirty="0"/>
-                <a:t>刷新工具库页面组件内容</a:t>
-              </a:r>
-            </a:p>
-          </p:txBody>
-        </p:sp>
-        <p:sp>
-          <p:nvSpPr>
-            <p:cNvPr id="130" name="文本框 129">
-              <a:extLst>
-                <a:ext uri="{FF2B5EF4-FFF2-40B4-BE49-F238E27FC236}">
-                  <a16:creationId xmlns:a16="http://schemas.microsoft.com/office/drawing/2014/main" id="{9786817B-5BF7-E4CE-B155-B19C9697B88F}"/>
-                </a:ext>
-              </a:extLst>
-            </p:cNvPr>
-            <p:cNvSpPr txBox="1"/>
-            <p:nvPr/>
-          </p:nvSpPr>
-          <p:spPr>
-            <a:xfrm>
-              <a:off x="295401" y="8032755"/>
-              <a:ext cx="693989" cy="184666"/>
-            </a:xfrm>
-            <a:prstGeom prst="rect">
-              <a:avLst/>
-            </a:prstGeom>
-            <a:noFill/>
-          </p:spPr>
-          <p:txBody>
-            <a:bodyPr wrap="square" rtlCol="0">
-              <a:spAutoFit/>
-            </a:bodyPr>
-            <a:lstStyle/>
-            <a:p>
-              <a:r>
-                <a:rPr lang="zh-CN" altLang="en-US" sz="600" dirty="0"/>
-                <a:t>权限模板</a:t>
-              </a:r>
-            </a:p>
-          </p:txBody>
-        </p:sp>
-        <p:sp>
-          <p:nvSpPr>
-            <p:cNvPr id="131" name="流程图: 内部贮存 130">
-              <a:extLst>
-                <a:ext uri="{FF2B5EF4-FFF2-40B4-BE49-F238E27FC236}">
-                  <a16:creationId xmlns:a16="http://schemas.microsoft.com/office/drawing/2014/main" id="{9CB844B7-ADFA-351C-A248-2E6F3D0F1048}"/>
-                </a:ext>
-              </a:extLst>
-            </p:cNvPr>
-            <p:cNvSpPr/>
-            <p:nvPr/>
-          </p:nvSpPr>
-          <p:spPr>
-            <a:xfrm>
-              <a:off x="432785" y="8263484"/>
-              <a:ext cx="759743" cy="700935"/>
-            </a:xfrm>
-            <a:prstGeom prst="flowChartInternalStorage">
-              <a:avLst/>
-            </a:prstGeom>
-            <a:solidFill>
-              <a:schemeClr val="accent6"/>
-            </a:solidFill>
-          </p:spPr>
-          <p:style>
-            <a:lnRef idx="2">
-              <a:schemeClr val="accent1">
-                <a:shade val="50000"/>
-              </a:schemeClr>
-            </a:lnRef>
-            <a:fillRef idx="1">
-              <a:schemeClr val="accent1"/>
-            </a:fillRef>
-            <a:effectRef idx="0">
-              <a:schemeClr val="accent1"/>
-            </a:effectRef>
-            <a:fontRef idx="minor">
-              <a:schemeClr val="lt1"/>
-            </a:fontRef>
-          </p:style>
-          <p:txBody>
-            <a:bodyPr rtlCol="0" anchor="ctr"/>
-            <a:lstStyle/>
-            <a:p>
-              <a:pPr algn="ctr"/>
-              <a:r>
-                <a:rPr lang="en-US" altLang="zh-CN" sz="800" dirty="0"/>
-                <a:t>Input(</a:t>
-              </a:r>
-              <a:r>
-                <a:rPr lang="en-US" altLang="zh-CN" sz="800" dirty="0" err="1"/>
-                <a:t>n,p</a:t>
-              </a:r>
-              <a:r>
-                <a:rPr lang="en-US" altLang="zh-CN" sz="800" dirty="0"/>
-                <a:t>)</a:t>
-              </a:r>
-              <a:endParaRPr lang="zh-CN" altLang="en-US" sz="800" dirty="0"/>
-            </a:p>
-          </p:txBody>
-        </p:sp>
-        <p:sp>
-          <p:nvSpPr>
-            <p:cNvPr id="132" name="流程图: 内部贮存 131">
-              <a:extLst>
-                <a:ext uri="{FF2B5EF4-FFF2-40B4-BE49-F238E27FC236}">
-                  <a16:creationId xmlns:a16="http://schemas.microsoft.com/office/drawing/2014/main" id="{58188446-562A-D05E-A00E-E60E9C0577C4}"/>
-                </a:ext>
-              </a:extLst>
-            </p:cNvPr>
-            <p:cNvSpPr/>
-            <p:nvPr/>
-          </p:nvSpPr>
-          <p:spPr>
-            <a:xfrm>
-              <a:off x="1372965" y="8259542"/>
-              <a:ext cx="759743" cy="708007"/>
-            </a:xfrm>
-            <a:prstGeom prst="flowChartInternalStorage">
-              <a:avLst/>
-            </a:prstGeom>
-            <a:solidFill>
-              <a:schemeClr val="accent6"/>
-            </a:solidFill>
-          </p:spPr>
-          <p:style>
-            <a:lnRef idx="2">
-              <a:schemeClr val="accent1">
-                <a:shade val="50000"/>
-              </a:schemeClr>
-            </a:lnRef>
-            <a:fillRef idx="1">
-              <a:schemeClr val="accent1"/>
-            </a:fillRef>
-            <a:effectRef idx="0">
-              <a:schemeClr val="accent1"/>
-            </a:effectRef>
-            <a:fontRef idx="minor">
-              <a:schemeClr val="lt1"/>
-            </a:fontRef>
-          </p:style>
-          <p:txBody>
-            <a:bodyPr rtlCol="0" anchor="ctr"/>
-            <a:lstStyle/>
-            <a:p>
-              <a:pPr algn="ctr"/>
-              <a:r>
-                <a:rPr lang="en-US" altLang="zh-CN" sz="800" dirty="0"/>
-                <a:t>Ans = Output()</a:t>
-              </a:r>
-              <a:endParaRPr lang="zh-CN" altLang="en-US" sz="800" dirty="0"/>
-            </a:p>
-          </p:txBody>
-        </p:sp>
-        <p:sp>
-          <p:nvSpPr>
-            <p:cNvPr id="134" name="流程图: 多文档 133">
-              <a:extLst>
-                <a:ext uri="{FF2B5EF4-FFF2-40B4-BE49-F238E27FC236}">
-                  <a16:creationId xmlns:a16="http://schemas.microsoft.com/office/drawing/2014/main" id="{6A9E8D23-9F6B-8E3E-224D-7B975AA053ED}"/>
-                </a:ext>
-              </a:extLst>
-            </p:cNvPr>
-            <p:cNvSpPr/>
-            <p:nvPr/>
-          </p:nvSpPr>
-          <p:spPr>
-            <a:xfrm>
-              <a:off x="523617" y="9001313"/>
-              <a:ext cx="615983" cy="231272"/>
-            </a:xfrm>
-            <a:prstGeom prst="flowChartMultidocument">
-              <a:avLst/>
-            </a:prstGeom>
-          </p:spPr>
-          <p:style>
-            <a:lnRef idx="2">
-              <a:schemeClr val="accent1">
-                <a:shade val="50000"/>
-              </a:schemeClr>
-            </a:lnRef>
-            <a:fillRef idx="1">
-              <a:schemeClr val="accent1"/>
-            </a:fillRef>
-            <a:effectRef idx="0">
-              <a:schemeClr val="accent1"/>
-            </a:effectRef>
-            <a:fontRef idx="minor">
-              <a:schemeClr val="lt1"/>
-            </a:fontRef>
-          </p:style>
-          <p:txBody>
-            <a:bodyPr rtlCol="0" anchor="ctr"/>
-            <a:lstStyle/>
-            <a:p>
-              <a:pPr algn="ctr"/>
-              <a:r>
-                <a:rPr lang="en-US" altLang="zh-CN" sz="600" dirty="0"/>
-                <a:t>Key codes</a:t>
-              </a:r>
-              <a:endParaRPr lang="zh-CN" altLang="en-US" sz="600" dirty="0"/>
-            </a:p>
-          </p:txBody>
-        </p:sp>
-        <p:sp>
-          <p:nvSpPr>
-            <p:cNvPr id="135" name="标注: 下箭头 134">
-              <a:extLst>
-                <a:ext uri="{FF2B5EF4-FFF2-40B4-BE49-F238E27FC236}">
-                  <a16:creationId xmlns:a16="http://schemas.microsoft.com/office/drawing/2014/main" id="{5F892D62-12F3-57EC-71A7-73F6D1767EA0}"/>
-                </a:ext>
-              </a:extLst>
-            </p:cNvPr>
-            <p:cNvSpPr/>
-            <p:nvPr/>
-          </p:nvSpPr>
-          <p:spPr>
-            <a:xfrm>
-              <a:off x="1482391" y="9030001"/>
-              <a:ext cx="692782" cy="354330"/>
-            </a:xfrm>
-            <a:prstGeom prst="downArrowCallout">
-              <a:avLst/>
-            </a:prstGeom>
-          </p:spPr>
-          <p:style>
-            <a:lnRef idx="2">
-              <a:schemeClr val="accent1">
-                <a:shade val="50000"/>
-              </a:schemeClr>
-            </a:lnRef>
-            <a:fillRef idx="1">
-              <a:schemeClr val="accent1"/>
-            </a:fillRef>
-            <a:effectRef idx="0">
-              <a:schemeClr val="accent1"/>
-            </a:effectRef>
-            <a:fontRef idx="minor">
-              <a:schemeClr val="lt1"/>
-            </a:fontRef>
-          </p:style>
-          <p:txBody>
-            <a:bodyPr rtlCol="0" anchor="ctr"/>
-            <a:lstStyle/>
-            <a:p>
-              <a:pPr algn="ctr"/>
-              <a:r>
-                <a:rPr lang="en-US" altLang="zh-CN" sz="500" dirty="0"/>
-                <a:t>API</a:t>
-              </a:r>
-              <a:r>
-                <a:rPr lang="zh-CN" altLang="en-US" sz="500" dirty="0"/>
-                <a:t>接口</a:t>
-              </a:r>
-            </a:p>
-          </p:txBody>
-        </p:sp>
-        <p:sp>
-          <p:nvSpPr>
-            <p:cNvPr id="136" name="流程图: 过程 135">
-              <a:extLst>
-                <a:ext uri="{FF2B5EF4-FFF2-40B4-BE49-F238E27FC236}">
-                  <a16:creationId xmlns:a16="http://schemas.microsoft.com/office/drawing/2014/main" id="{FEA2A68E-2B9C-D59F-7EB0-6EA01772B837}"/>
-                </a:ext>
-              </a:extLst>
-            </p:cNvPr>
-            <p:cNvSpPr/>
-            <p:nvPr/>
-          </p:nvSpPr>
-          <p:spPr>
-            <a:xfrm>
-              <a:off x="1321576" y="9451902"/>
-              <a:ext cx="1147056" cy="278375"/>
-            </a:xfrm>
-            <a:prstGeom prst="flowChartProcess">
-              <a:avLst/>
-            </a:prstGeom>
-          </p:spPr>
-          <p:style>
-            <a:lnRef idx="2">
-              <a:schemeClr val="accent1">
-                <a:shade val="50000"/>
-              </a:schemeClr>
-            </a:lnRef>
-            <a:fillRef idx="1">
-              <a:schemeClr val="accent1"/>
-            </a:fillRef>
-            <a:effectRef idx="0">
-              <a:schemeClr val="accent1"/>
-            </a:effectRef>
-            <a:fontRef idx="minor">
-              <a:schemeClr val="lt1"/>
-            </a:fontRef>
-          </p:style>
-          <p:txBody>
-            <a:bodyPr rtlCol="0" anchor="ctr"/>
-            <a:lstStyle/>
-            <a:p>
-              <a:pPr algn="ctr"/>
-              <a:r>
-                <a:rPr lang="zh-CN" altLang="en-US" sz="600" dirty="0"/>
-                <a:t>客户端调用库</a:t>
-              </a:r>
-              <a:r>
-                <a:rPr lang="en-US" altLang="zh-CN" sz="600" dirty="0"/>
-                <a:t>&amp;</a:t>
-              </a:r>
-              <a:r>
-                <a:rPr lang="zh-CN" altLang="en-US" sz="600" dirty="0"/>
-                <a:t>方法</a:t>
               </a:r>
             </a:p>
           </p:txBody>
@@ -26226,14 +29763,13 @@
             <p:cNvCxnSpPr>
               <a:cxnSpLocks/>
               <a:stCxn id="137" idx="2"/>
-              <a:endCxn id="128" idx="3"/>
             </p:cNvCxnSpPr>
             <p:nvPr/>
           </p:nvCxnSpPr>
           <p:spPr>
-            <a:xfrm rot="10800000" flipV="1">
-              <a:off x="2309564" y="8011196"/>
-              <a:ext cx="2426399" cy="647098"/>
+            <a:xfrm rot="10800000">
+              <a:off x="3355504" y="7766566"/>
+              <a:ext cx="1380459" cy="244630"/>
             </a:xfrm>
             <a:prstGeom prst="bentConnector3">
               <a:avLst>
@@ -26262,41 +29798,6 @@
             </a:fontRef>
           </p:style>
         </p:cxnSp>
-        <p:sp>
-          <p:nvSpPr>
-            <p:cNvPr id="151" name="文本框 150">
-              <a:extLst>
-                <a:ext uri="{FF2B5EF4-FFF2-40B4-BE49-F238E27FC236}">
-                  <a16:creationId xmlns:a16="http://schemas.microsoft.com/office/drawing/2014/main" id="{8EDA205C-B048-CC5C-FCE0-A8B0952D8C53}"/>
-                </a:ext>
-              </a:extLst>
-            </p:cNvPr>
-            <p:cNvSpPr txBox="1"/>
-            <p:nvPr/>
-          </p:nvSpPr>
-          <p:spPr>
-            <a:xfrm>
-              <a:off x="2007116" y="6848087"/>
-              <a:ext cx="836864" cy="184666"/>
-            </a:xfrm>
-            <a:prstGeom prst="rect">
-              <a:avLst/>
-            </a:prstGeom>
-            <a:noFill/>
-          </p:spPr>
-          <p:txBody>
-            <a:bodyPr wrap="square" rtlCol="0">
-              <a:spAutoFit/>
-            </a:bodyPr>
-            <a:lstStyle/>
-            <a:p>
-              <a:r>
-                <a:rPr lang="zh-CN" altLang="en-US" sz="600" dirty="0"/>
-                <a:t>发送请求</a:t>
-              </a:r>
-            </a:p>
-          </p:txBody>
-        </p:sp>
         <p:sp>
           <p:nvSpPr>
             <p:cNvPr id="152" name="文本框 151">
@@ -26389,7 +29890,7 @@
           </p:nvSpPr>
           <p:spPr>
             <a:xfrm>
-              <a:off x="3522763" y="8350986"/>
+              <a:off x="3574282" y="7779197"/>
               <a:ext cx="836864" cy="184666"/>
             </a:xfrm>
             <a:prstGeom prst="rect">
@@ -29006,9 +32507,9 @@
         <p:grpSpPr>
           <a:xfrm>
             <a:off x="221843" y="666152"/>
-            <a:ext cx="3985914" cy="4249263"/>
+            <a:ext cx="3247111" cy="4249263"/>
             <a:chOff x="221843" y="666152"/>
-            <a:chExt cx="3985914" cy="4249263"/>
+            <a:chExt cx="3247111" cy="4249263"/>
           </a:xfrm>
         </p:grpSpPr>
         <p:grpSp>
@@ -29258,23 +32759,7 @@
                       <a:schemeClr val="tx1"/>
                     </a:solidFill>
                   </a:rPr>
-                  <a:t>用户上传</a:t>
-                </a:r>
-                <a:r>
-                  <a:rPr lang="en-US" altLang="zh-CN" sz="800" dirty="0">
-                    <a:solidFill>
-                      <a:schemeClr val="tx1"/>
-                    </a:solidFill>
-                  </a:rPr>
-                  <a:t>/</a:t>
-                </a:r>
-                <a:r>
-                  <a:rPr lang="zh-CN" altLang="en-US" sz="800" dirty="0">
-                    <a:solidFill>
-                      <a:schemeClr val="tx1"/>
-                    </a:solidFill>
-                  </a:rPr>
-                  <a:t>选择宠物画像</a:t>
+                  <a:t>用户输入宠物相关信息</a:t>
                 </a:r>
               </a:p>
             </p:txBody>
@@ -29374,20 +32859,12 @@
               <a:p>
                 <a:pPr algn="ctr"/>
                 <a:r>
-                  <a:rPr lang="en-US" altLang="zh-CN" sz="600" dirty="0">
-                    <a:solidFill>
-                      <a:schemeClr val="tx1"/>
-                    </a:solidFill>
-                  </a:rPr>
-                  <a:t>Web</a:t>
-                </a:r>
-                <a:r>
                   <a:rPr lang="zh-CN" altLang="en-US" sz="600" dirty="0">
                     <a:solidFill>
                       <a:schemeClr val="tx1"/>
                     </a:solidFill>
                   </a:rPr>
-                  <a:t>服务器后端判断画像是否可用</a:t>
+                  <a:t>检测信息是否可用</a:t>
                 </a:r>
                 <a:endParaRPr lang="en-US" altLang="zh-CN" sz="600" dirty="0">
                   <a:solidFill>
@@ -29618,23 +33095,7 @@
                       <a:schemeClr val="tx1"/>
                     </a:solidFill>
                   </a:rPr>
-                  <a:t>深度学习</a:t>
-                </a:r>
-                <a:r>
-                  <a:rPr lang="en-US" altLang="zh-CN" sz="800" dirty="0">
-                    <a:solidFill>
-                      <a:schemeClr val="tx1"/>
-                    </a:solidFill>
-                  </a:rPr>
-                  <a:t>GPU</a:t>
-                </a:r>
-                <a:r>
-                  <a:rPr lang="zh-CN" altLang="en-US" sz="800" dirty="0">
-                    <a:solidFill>
-                      <a:schemeClr val="tx1"/>
-                    </a:solidFill>
-                  </a:rPr>
-                  <a:t>服务器</a:t>
+                  <a:t>业务服务器</a:t>
                 </a:r>
               </a:p>
             </p:txBody>
@@ -29657,8 +33118,8 @@
             </p:nvCxnSpPr>
             <p:spPr>
               <a:xfrm rot="16200000" flipH="1">
-                <a:off x="2517146" y="1324880"/>
-                <a:ext cx="415245" cy="193417"/>
+                <a:off x="2540351" y="1301676"/>
+                <a:ext cx="415245" cy="239826"/>
               </a:xfrm>
               <a:prstGeom prst="bentConnector3">
                 <a:avLst>
@@ -29703,7 +33164,7 @@
           <p:spPr>
             <a:xfrm>
               <a:off x="2294976" y="1629212"/>
-              <a:ext cx="1053001" cy="605988"/>
+              <a:ext cx="1145820" cy="605988"/>
             </a:xfrm>
             <a:prstGeom prst="rect">
               <a:avLst/>
@@ -29742,28 +33203,12 @@
             <a:p>
               <a:pPr algn="ctr"/>
               <a:r>
-                <a:rPr lang="en-US" altLang="zh-CN" sz="1000" dirty="0">
-                  <a:solidFill>
-                    <a:schemeClr val="tx1"/>
-                  </a:solidFill>
-                </a:rPr>
-                <a:t>Instant-</a:t>
-              </a:r>
-              <a:r>
-                <a:rPr lang="en-US" altLang="zh-CN" sz="1000" dirty="0" err="1">
-                  <a:solidFill>
-                    <a:schemeClr val="tx1"/>
-                  </a:solidFill>
-                </a:rPr>
-                <a:t>ngp</a:t>
-              </a:r>
-              <a:r>
                 <a:rPr lang="zh-CN" altLang="en-US" sz="1000" dirty="0">
                   <a:solidFill>
                     <a:schemeClr val="tx1"/>
                   </a:solidFill>
                 </a:rPr>
-                <a:t>对宠物画像进行建模</a:t>
+                <a:t>将宠物信息存到数据库服务器</a:t>
               </a:r>
             </a:p>
           </p:txBody>
@@ -29830,9 +33275,9 @@
             <p:nvPr/>
           </p:nvCxnSpPr>
           <p:spPr>
-            <a:xfrm rot="16200000" flipH="1">
-              <a:off x="2624187" y="3206202"/>
-              <a:ext cx="424761" cy="10717"/>
+            <a:xfrm rot="5400000">
+              <a:off x="2731179" y="3279858"/>
+              <a:ext cx="254833" cy="33334"/>
             </a:xfrm>
             <a:prstGeom prst="bentConnector3">
               <a:avLst>
@@ -29875,8 +33320,8 @@
           </p:nvSpPr>
           <p:spPr>
             <a:xfrm>
-              <a:off x="2281569" y="2520359"/>
-              <a:ext cx="1099279" cy="478822"/>
+              <a:off x="2281569" y="2520358"/>
+              <a:ext cx="1187385" cy="648751"/>
             </a:xfrm>
             <a:prstGeom prst="rect">
               <a:avLst/>
@@ -29905,15 +33350,15 @@
               <a:pPr algn="ctr"/>
               <a:r>
                 <a:rPr lang="zh-CN" altLang="en-US" sz="1050" dirty="0"/>
-                <a:t>导入</a:t>
+                <a:t>将宠物信息提供到</a:t>
               </a:r>
               <a:r>
                 <a:rPr lang="en-US" altLang="zh-CN" sz="1050" dirty="0"/>
-                <a:t>Unity,</a:t>
+                <a:t>AI</a:t>
               </a:r>
               <a:r>
                 <a:rPr lang="zh-CN" altLang="en-US" sz="1050" dirty="0"/>
-                <a:t>生成宠物游戏模型</a:t>
+                <a:t>后端服务器，构建知识库</a:t>
               </a:r>
             </a:p>
           </p:txBody>
@@ -30046,15 +33491,7 @@
               <a:pPr algn="ctr"/>
               <a:r>
                 <a:rPr lang="zh-CN" altLang="en-US" sz="1050" dirty="0"/>
-                <a:t>导入</a:t>
-              </a:r>
-              <a:r>
-                <a:rPr lang="en-US" altLang="zh-CN" sz="1050" dirty="0"/>
-                <a:t>Unity,</a:t>
-              </a:r>
-              <a:r>
-                <a:rPr lang="zh-CN" altLang="en-US" sz="1050" dirty="0"/>
-                <a:t>生成宠物游戏模型</a:t>
+                <a:t>将成功创建宠物的信息层层反馈到客户端</a:t>
               </a:r>
             </a:p>
           </p:txBody>
@@ -30150,49 +33587,6 @@
               <a:r>
                 <a:rPr lang="zh-CN" altLang="en-US" sz="1100" dirty="0"/>
                 <a:t>互动页面</a:t>
-              </a:r>
-            </a:p>
-          </p:txBody>
-        </p:sp>
-        <p:sp>
-          <p:nvSpPr>
-            <p:cNvPr id="15" name="文本框 14">
-              <a:extLst>
-                <a:ext uri="{FF2B5EF4-FFF2-40B4-BE49-F238E27FC236}">
-                  <a16:creationId xmlns:a16="http://schemas.microsoft.com/office/drawing/2014/main" id="{08FC82D8-1799-ED08-8454-DA69FECDB09F}"/>
-                </a:ext>
-              </a:extLst>
-            </p:cNvPr>
-            <p:cNvSpPr txBox="1"/>
-            <p:nvPr/>
-          </p:nvSpPr>
-          <p:spPr>
-            <a:xfrm>
-              <a:off x="2814096" y="4070156"/>
-              <a:ext cx="1393661" cy="184666"/>
-            </a:xfrm>
-            <a:prstGeom prst="rect">
-              <a:avLst/>
-            </a:prstGeom>
-            <a:noFill/>
-          </p:spPr>
-          <p:txBody>
-            <a:bodyPr wrap="square" rtlCol="0">
-              <a:spAutoFit/>
-            </a:bodyPr>
-            <a:lstStyle/>
-            <a:p>
-              <a:r>
-                <a:rPr lang="zh-CN" altLang="en-US" sz="600" dirty="0"/>
-                <a:t>使用</a:t>
-              </a:r>
-              <a:r>
-                <a:rPr lang="en-US" altLang="zh-CN" sz="600" dirty="0"/>
-                <a:t>WebGL</a:t>
-              </a:r>
-              <a:r>
-                <a:rPr lang="zh-CN" altLang="en-US" sz="600" dirty="0"/>
-                <a:t>将游戏模型部署到网页</a:t>
               </a:r>
             </a:p>
           </p:txBody>

--- a/product_document/imgs/图例.pptx
+++ b/product_document/imgs/图例.pptx
@@ -9262,104 +9262,81 @@
           <a:chExt cx="0" cy="0"/>
         </a:xfrm>
       </p:grpSpPr>
-      <p:sp>
-        <p:nvSpPr>
-          <p:cNvPr id="2" name="标题 1">
+      <p:pic>
+        <p:nvPicPr>
+          <p:cNvPr id="4" name="图形 3" descr="计算机 轮廓">
             <a:extLst>
               <a:ext uri="{FF2B5EF4-FFF2-40B4-BE49-F238E27FC236}">
-                <a16:creationId xmlns:a16="http://schemas.microsoft.com/office/drawing/2014/main" id="{2809C4E9-50CA-FEAE-6199-B666F4ED018A}"/>
+                <a16:creationId xmlns:a16="http://schemas.microsoft.com/office/drawing/2014/main" id="{B7517307-C8E3-D772-B09B-B3202FD20787}"/>
               </a:ext>
             </a:extLst>
           </p:cNvPr>
-          <p:cNvSpPr>
-            <a:spLocks noGrp="1"/>
-          </p:cNvSpPr>
-          <p:nvPr>
-            <p:ph type="title"/>
-          </p:nvPr>
-        </p:nvSpPr>
-        <p:spPr/>
-        <p:txBody>
-          <a:bodyPr/>
-          <a:lstStyle/>
-          <a:p>
-            <a:endParaRPr lang="zh-CN" altLang="en-US"/>
-          </a:p>
-        </p:txBody>
-      </p:sp>
-      <p:sp>
-        <p:nvSpPr>
-          <p:cNvPr id="3" name="内容占位符 2">
+          <p:cNvPicPr>
+            <a:picLocks noChangeAspect="1"/>
+          </p:cNvPicPr>
+          <p:nvPr/>
+        </p:nvPicPr>
+        <p:blipFill>
+          <a:blip r:embed="rId2">
             <a:extLst>
-              <a:ext uri="{FF2B5EF4-FFF2-40B4-BE49-F238E27FC236}">
-                <a16:creationId xmlns:a16="http://schemas.microsoft.com/office/drawing/2014/main" id="{74C863EA-28C2-BB6C-2B35-EA6DA81F9D0F}"/>
+              <a:ext uri="{28A0092B-C50C-407E-A947-70E740481C1C}">
+                <a14:useLocalDpi xmlns:a14="http://schemas.microsoft.com/office/drawing/2010/main" val="0"/>
+              </a:ext>
+              <a:ext uri="{96DAC541-7B7A-43D3-8B79-37D633B846F1}">
+                <asvg:svgBlip xmlns:asvg="http://schemas.microsoft.com/office/drawing/2016/SVG/main" r:embed="rId3"/>
               </a:ext>
             </a:extLst>
-          </p:cNvPr>
-          <p:cNvSpPr>
-            <a:spLocks noGrp="1"/>
-          </p:cNvSpPr>
-          <p:nvPr>
-            <p:ph idx="1"/>
-          </p:nvPr>
-        </p:nvSpPr>
-        <p:spPr/>
-        <p:txBody>
-          <a:bodyPr/>
-          <a:lstStyle/>
-          <a:p>
-            <a:endParaRPr lang="zh-CN" altLang="en-US"/>
-          </a:p>
-        </p:txBody>
-      </p:sp>
-      <p:sp>
-        <p:nvSpPr>
-          <p:cNvPr id="5" name="文本框 4">
-            <a:extLst>
-              <a:ext uri="{FF2B5EF4-FFF2-40B4-BE49-F238E27FC236}">
-                <a16:creationId xmlns:a16="http://schemas.microsoft.com/office/drawing/2014/main" id="{55F32BDB-098E-D3FC-9D9E-EC32AE435B3D}"/>
-              </a:ext>
-            </a:extLst>
-          </p:cNvPr>
-          <p:cNvSpPr txBox="1"/>
-          <p:nvPr/>
-        </p:nvSpPr>
+          </a:blip>
+          <a:stretch>
+            <a:fillRect/>
+          </a:stretch>
+        </p:blipFill>
         <p:spPr>
           <a:xfrm>
-            <a:off x="1714500" y="4768334"/>
-            <a:ext cx="3429000" cy="369332"/>
+            <a:off x="251460" y="4396149"/>
+            <a:ext cx="914400" cy="914400"/>
           </a:xfrm>
           <a:prstGeom prst="rect">
             <a:avLst/>
           </a:prstGeom>
-          <a:noFill/>
         </p:spPr>
-        <p:txBody>
-          <a:bodyPr wrap="square">
-            <a:spAutoFit/>
-          </a:bodyPr>
-          <a:lstStyle/>
-          <a:p>
-            <a:r>
-              <a:rPr lang="en-US" altLang="zh-CN" sz="1800" dirty="0">
-                <a:solidFill>
-                  <a:srgbClr val="FF0000"/>
-                </a:solidFill>
-                <a:latin typeface="Times New Roman" panose="02020603050405020304" pitchFamily="18" charset="0"/>
-                <a:cs typeface="Times New Roman" panose="02020603050405020304" pitchFamily="18" charset="0"/>
-              </a:rPr>
-              <a:t>TCP/IP, NFS</a:t>
-            </a:r>
-            <a:endParaRPr lang="zh-CN" altLang="en-US" sz="1800" dirty="0">
-              <a:solidFill>
-                <a:srgbClr val="FF0000"/>
-              </a:solidFill>
-              <a:latin typeface="Times New Roman" panose="02020603050405020304" pitchFamily="18" charset="0"/>
-              <a:cs typeface="Times New Roman" panose="02020603050405020304" pitchFamily="18" charset="0"/>
-            </a:endParaRPr>
-          </a:p>
-        </p:txBody>
-      </p:sp>
+      </p:pic>
+      <p:pic>
+        <p:nvPicPr>
+          <p:cNvPr id="7" name="图片 6" descr="日程表&#10;&#10;描述已自动生成">
+            <a:extLst>
+              <a:ext uri="{FF2B5EF4-FFF2-40B4-BE49-F238E27FC236}">
+                <a16:creationId xmlns:a16="http://schemas.microsoft.com/office/drawing/2014/main" id="{3684E4E7-52F8-C435-7C02-B37140884F17}"/>
+              </a:ext>
+            </a:extLst>
+          </p:cNvPr>
+          <p:cNvPicPr>
+            <a:picLocks noChangeAspect="1"/>
+          </p:cNvPicPr>
+          <p:nvPr/>
+        </p:nvPicPr>
+        <p:blipFill>
+          <a:blip r:embed="rId4">
+            <a:extLst>
+              <a:ext uri="{28A0092B-C50C-407E-A947-70E740481C1C}">
+                <a14:useLocalDpi xmlns:a14="http://schemas.microsoft.com/office/drawing/2010/main" val="0"/>
+              </a:ext>
+            </a:extLst>
+          </a:blip>
+          <a:stretch>
+            <a:fillRect/>
+          </a:stretch>
+        </p:blipFill>
+        <p:spPr>
+          <a:xfrm rot="16200000">
+            <a:off x="2724153" y="1280160"/>
+            <a:ext cx="1912614" cy="3977640"/>
+          </a:xfrm>
+          <a:prstGeom prst="rect">
+            <a:avLst/>
+          </a:prstGeom>
+        </p:spPr>
+      </p:pic>
     </p:spTree>
     <p:extLst>
       <p:ext uri="{BB962C8B-B14F-4D97-AF65-F5344CB8AC3E}">
